--- a/TP/TP_Maxpid_Corrige/Cy_01_TP_01_Maxpid_Corrige.pptx
+++ b/TP/TP_Maxpid_Corrige/Cy_01_TP_01_Maxpid_Corrige.pptx
@@ -5,13 +5,14 @@
     <p:sldMasterId id="2147483684" r:id="rId1"/>
   </p:sldMasterIdLst>
   <p:notesMasterIdLst>
-    <p:notesMasterId r:id="rId6"/>
+    <p:notesMasterId r:id="rId7"/>
   </p:notesMasterIdLst>
   <p:sldIdLst>
     <p:sldId id="256" r:id="rId2"/>
     <p:sldId id="257" r:id="rId3"/>
     <p:sldId id="258" r:id="rId4"/>
     <p:sldId id="259" r:id="rId5"/>
+    <p:sldId id="260" r:id="rId6"/>
   </p:sldIdLst>
   <p:sldSz cx="9144000" cy="6858000" type="screen4x3"/>
   <p:notesSz cx="6858000" cy="9144000"/>
@@ -119,12 +120,13 @@
             <p14:sldId id="257"/>
             <p14:sldId id="258"/>
             <p14:sldId id="259"/>
+            <p14:sldId id="260"/>
           </p14:sldIdLst>
         </p14:section>
       </p14:sectionLst>
     </p:ext>
     <p:ext uri="{EFAFB233-063F-42B5-8137-9DF3F51BA10A}">
-      <p15:sldGuideLst xmlns="" xmlns:p15="http://schemas.microsoft.com/office/powerpoint/2012/main">
+      <p15:sldGuideLst xmlns:p15="http://schemas.microsoft.com/office/powerpoint/2012/main" xmlns="">
         <p15:guide id="1" orient="horz" pos="2160">
           <p15:clr>
             <a:srgbClr val="A4A3A4"/>
@@ -6043,10 +6045,595 @@
           </a:p>
         </p:txBody>
       </p:sp>
+      <p:pic>
+        <p:nvPicPr>
+          <p:cNvPr id="1026" name="Picture 2" descr="C:\Enseignement\GitHub\Cy_01_PSI_ModelisationLinNonLin\TP\TP_Maxpid_Corrige\python\kp_100_ech_10_90.png"/>
+          <p:cNvPicPr>
+            <a:picLocks noChangeAspect="1" noChangeArrowheads="1"/>
+          </p:cNvPicPr>
+          <p:nvPr/>
+        </p:nvPicPr>
+        <p:blipFill>
+          <a:blip r:embed="rId2" cstate="print">
+            <a:extLst>
+              <a:ext uri="{28A0092B-C50C-407E-A947-70E740481C1C}">
+                <a14:useLocalDpi xmlns:a14="http://schemas.microsoft.com/office/drawing/2010/main" val="0"/>
+              </a:ext>
+            </a:extLst>
+          </a:blip>
+          <a:srcRect/>
+          <a:stretch>
+            <a:fillRect/>
+          </a:stretch>
+        </p:blipFill>
+        <p:spPr bwMode="auto">
+          <a:xfrm>
+            <a:off x="5910052" y="3288839"/>
+            <a:ext cx="3240000" cy="2418044"/>
+          </a:xfrm>
+          <a:prstGeom prst="rect">
+            <a:avLst/>
+          </a:prstGeom>
+          <a:noFill/>
+          <a:extLst>
+            <a:ext uri="{909E8E84-426E-40DD-AFC4-6F175D3DCCD1}">
+              <a14:hiddenFill xmlns:a14="http://schemas.microsoft.com/office/drawing/2010/main">
+                <a:solidFill>
+                  <a:srgbClr val="FFFFFF"/>
+                </a:solidFill>
+              </a14:hiddenFill>
+            </a:ext>
+          </a:extLst>
+        </p:spPr>
+      </p:pic>
+      <p:pic>
+        <p:nvPicPr>
+          <p:cNvPr id="1027" name="Picture 3" descr="C:\Enseignement\GitHub\Cy_01_PSI_ModelisationLinNonLin\TP\TP_Maxpid_Corrige\python\kp_100_ech_60_65.png"/>
+          <p:cNvPicPr>
+            <a:picLocks noChangeAspect="1" noChangeArrowheads="1"/>
+          </p:cNvPicPr>
+          <p:nvPr/>
+        </p:nvPicPr>
+        <p:blipFill>
+          <a:blip r:embed="rId3" cstate="print">
+            <a:extLst>
+              <a:ext uri="{28A0092B-C50C-407E-A947-70E740481C1C}">
+                <a14:useLocalDpi xmlns:a14="http://schemas.microsoft.com/office/drawing/2010/main" val="0"/>
+              </a:ext>
+            </a:extLst>
+          </a:blip>
+          <a:srcRect/>
+          <a:stretch>
+            <a:fillRect/>
+          </a:stretch>
+        </p:blipFill>
+        <p:spPr bwMode="auto">
+          <a:xfrm>
+            <a:off x="-23564" y="3288836"/>
+            <a:ext cx="3240000" cy="2418047"/>
+          </a:xfrm>
+          <a:prstGeom prst="rect">
+            <a:avLst/>
+          </a:prstGeom>
+          <a:noFill/>
+          <a:extLst>
+            <a:ext uri="{909E8E84-426E-40DD-AFC4-6F175D3DCCD1}">
+              <a14:hiddenFill xmlns:a14="http://schemas.microsoft.com/office/drawing/2010/main">
+                <a:solidFill>
+                  <a:srgbClr val="FFFFFF"/>
+                </a:solidFill>
+              </a14:hiddenFill>
+            </a:ext>
+          </a:extLst>
+        </p:spPr>
+      </p:pic>
+      <p:pic>
+        <p:nvPicPr>
+          <p:cNvPr id="1028" name="Picture 4" descr="C:\Enseignement\GitHub\Cy_01_PSI_ModelisationLinNonLin\TP\TP_Maxpid_Corrige\python\kp_100_ech_10_20.png"/>
+          <p:cNvPicPr>
+            <a:picLocks noChangeAspect="1" noChangeArrowheads="1"/>
+          </p:cNvPicPr>
+          <p:nvPr/>
+        </p:nvPicPr>
+        <p:blipFill>
+          <a:blip r:embed="rId4" cstate="print">
+            <a:extLst>
+              <a:ext uri="{28A0092B-C50C-407E-A947-70E740481C1C}">
+                <a14:useLocalDpi xmlns:a14="http://schemas.microsoft.com/office/drawing/2010/main" val="0"/>
+              </a:ext>
+            </a:extLst>
+          </a:blip>
+          <a:srcRect/>
+          <a:stretch>
+            <a:fillRect/>
+          </a:stretch>
+        </p:blipFill>
+        <p:spPr bwMode="auto">
+          <a:xfrm>
+            <a:off x="2952000" y="3288835"/>
+            <a:ext cx="3240000" cy="2418048"/>
+          </a:xfrm>
+          <a:prstGeom prst="rect">
+            <a:avLst/>
+          </a:prstGeom>
+          <a:noFill/>
+          <a:extLst>
+            <a:ext uri="{909E8E84-426E-40DD-AFC4-6F175D3DCCD1}">
+              <a14:hiddenFill xmlns:a14="http://schemas.microsoft.com/office/drawing/2010/main">
+                <a:solidFill>
+                  <a:srgbClr val="FFFFFF"/>
+                </a:solidFill>
+              </a14:hiddenFill>
+            </a:ext>
+          </a:extLst>
+        </p:spPr>
+      </p:pic>
+      <p:sp>
+        <p:nvSpPr>
+          <p:cNvPr id="6" name="ZoneTexte 5"/>
+          <p:cNvSpPr txBox="1"/>
+          <p:nvPr/>
+        </p:nvSpPr>
+        <p:spPr>
+          <a:xfrm>
+            <a:off x="-23564" y="5805264"/>
+            <a:ext cx="2975564" cy="369332"/>
+          </a:xfrm>
+          <a:prstGeom prst="rect">
+            <a:avLst/>
+          </a:prstGeom>
+          <a:noFill/>
+        </p:spPr>
+        <p:txBody>
+          <a:bodyPr wrap="square" rtlCol="0">
+            <a:spAutoFit/>
+          </a:bodyPr>
+          <a:lstStyle/>
+          <a:p>
+            <a:pPr algn="ctr"/>
+            <a:r>
+              <a:rPr lang="fr-FR" dirty="0" smtClean="0"/>
+              <a:t>Échelon de 5°</a:t>
+            </a:r>
+            <a:r>
+              <a:rPr lang="fr-FR" dirty="0"/>
+              <a:t> </a:t>
+            </a:r>
+            <a:r>
+              <a:rPr lang="fr-FR" dirty="0" smtClean="0"/>
+              <a:t>(60° </a:t>
+            </a:r>
+            <a:r>
+              <a:rPr lang="fr-FR" dirty="0"/>
+              <a:t>à </a:t>
+            </a:r>
+            <a:r>
+              <a:rPr lang="fr-FR" dirty="0" smtClean="0"/>
+              <a:t>65°)</a:t>
+            </a:r>
+            <a:endParaRPr lang="fr-FR" dirty="0"/>
+          </a:p>
+        </p:txBody>
+      </p:sp>
+      <p:sp>
+        <p:nvSpPr>
+          <p:cNvPr id="10" name="ZoneTexte 9"/>
+          <p:cNvSpPr txBox="1"/>
+          <p:nvPr/>
+        </p:nvSpPr>
+        <p:spPr>
+          <a:xfrm>
+            <a:off x="3084218" y="5805264"/>
+            <a:ext cx="2975564" cy="369332"/>
+          </a:xfrm>
+          <a:prstGeom prst="rect">
+            <a:avLst/>
+          </a:prstGeom>
+          <a:noFill/>
+        </p:spPr>
+        <p:txBody>
+          <a:bodyPr wrap="square" rtlCol="0">
+            <a:spAutoFit/>
+          </a:bodyPr>
+          <a:lstStyle/>
+          <a:p>
+            <a:pPr algn="ctr"/>
+            <a:r>
+              <a:rPr lang="fr-FR" dirty="0" smtClean="0"/>
+              <a:t>Échelon de 10° (10° à 20°)</a:t>
+            </a:r>
+            <a:endParaRPr lang="fr-FR" dirty="0"/>
+          </a:p>
+        </p:txBody>
+      </p:sp>
+      <p:sp>
+        <p:nvSpPr>
+          <p:cNvPr id="11" name="ZoneTexte 10"/>
+          <p:cNvSpPr txBox="1"/>
+          <p:nvPr/>
+        </p:nvSpPr>
+        <p:spPr>
+          <a:xfrm>
+            <a:off x="6212182" y="5805264"/>
+            <a:ext cx="2975564" cy="646331"/>
+          </a:xfrm>
+          <a:prstGeom prst="rect">
+            <a:avLst/>
+          </a:prstGeom>
+          <a:noFill/>
+        </p:spPr>
+        <p:txBody>
+          <a:bodyPr wrap="square" rtlCol="0">
+            <a:spAutoFit/>
+          </a:bodyPr>
+          <a:lstStyle/>
+          <a:p>
+            <a:pPr algn="ctr"/>
+            <a:r>
+              <a:rPr lang="fr-FR" dirty="0" smtClean="0"/>
+              <a:t>Échelon de 80° </a:t>
+            </a:r>
+          </a:p>
+          <a:p>
+            <a:pPr algn="ctr"/>
+            <a:r>
+              <a:rPr lang="fr-FR" dirty="0" smtClean="0"/>
+              <a:t>(10° à 80°-90°)</a:t>
+            </a:r>
+            <a:endParaRPr lang="fr-FR" dirty="0"/>
+          </a:p>
+        </p:txBody>
+      </p:sp>
     </p:spTree>
     <p:extLst>
       <p:ext uri="{BB962C8B-B14F-4D97-AF65-F5344CB8AC3E}">
         <p14:creationId xmlns:p14="http://schemas.microsoft.com/office/powerpoint/2010/main" val="1042236142"/>
+      </p:ext>
+    </p:extLst>
+  </p:cSld>
+  <p:clrMapOvr>
+    <a:masterClrMapping/>
+  </p:clrMapOvr>
+</p:sld>
+</file>
+
+<file path=ppt/slides/slide5.xml><?xml version="1.0" encoding="utf-8"?>
+<p:sld xmlns:a="http://schemas.openxmlformats.org/drawingml/2006/main" xmlns:r="http://schemas.openxmlformats.org/officeDocument/2006/relationships" xmlns:p="http://schemas.openxmlformats.org/presentationml/2006/main">
+  <p:cSld>
+    <p:spTree>
+      <p:nvGrpSpPr>
+        <p:cNvPr id="1" name=""/>
+        <p:cNvGrpSpPr/>
+        <p:nvPr/>
+      </p:nvGrpSpPr>
+      <p:grpSpPr>
+        <a:xfrm>
+          <a:off x="0" y="0"/>
+          <a:ext cx="0" cy="0"/>
+          <a:chOff x="0" y="0"/>
+          <a:chExt cx="0" cy="0"/>
+        </a:xfrm>
+      </p:grpSpPr>
+      <p:sp>
+        <p:nvSpPr>
+          <p:cNvPr id="2" name="Titre 1"/>
+          <p:cNvSpPr>
+            <a:spLocks noGrp="1"/>
+          </p:cNvSpPr>
+          <p:nvPr>
+            <p:ph type="title"/>
+          </p:nvPr>
+        </p:nvSpPr>
+        <p:spPr/>
+        <p:txBody>
+          <a:bodyPr/>
+          <a:lstStyle/>
+          <a:p>
+            <a:r>
+              <a:rPr lang="fr-FR" dirty="0" smtClean="0"/>
+              <a:t>Avec saturation</a:t>
+            </a:r>
+            <a:endParaRPr lang="fr-FR" dirty="0"/>
+          </a:p>
+        </p:txBody>
+      </p:sp>
+      <p:sp>
+        <p:nvSpPr>
+          <p:cNvPr id="3" name="Espace réservé du pied de page 2"/>
+          <p:cNvSpPr>
+            <a:spLocks noGrp="1"/>
+          </p:cNvSpPr>
+          <p:nvPr>
+            <p:ph type="ftr" sz="quarter" idx="11"/>
+          </p:nvPr>
+        </p:nvSpPr>
+        <p:spPr/>
+        <p:txBody>
+          <a:bodyPr/>
+          <a:lstStyle/>
+          <a:p>
+            <a:r>
+              <a:rPr lang="fr-FR" smtClean="0"/>
+              <a:t>Modélisation Maxpid - Xavier PESSOLES</a:t>
+            </a:r>
+            <a:endParaRPr lang="fr-FR" dirty="0"/>
+          </a:p>
+        </p:txBody>
+      </p:sp>
+      <p:sp>
+        <p:nvSpPr>
+          <p:cNvPr id="4" name="Espace réservé du numéro de diapositive 3"/>
+          <p:cNvSpPr>
+            <a:spLocks noGrp="1"/>
+          </p:cNvSpPr>
+          <p:nvPr>
+            <p:ph type="sldNum" sz="quarter" idx="12"/>
+          </p:nvPr>
+        </p:nvSpPr>
+        <p:spPr/>
+        <p:txBody>
+          <a:bodyPr/>
+          <a:lstStyle/>
+          <a:p>
+            <a:fld id="{3F1D8263-54E8-442D-88B4-DA252C595E3D}" type="slidenum">
+              <a:rPr lang="fr-FR" smtClean="0"/>
+              <a:pPr/>
+              <a:t>5</a:t>
+            </a:fld>
+            <a:endParaRPr lang="fr-FR"/>
+          </a:p>
+        </p:txBody>
+      </p:sp>
+      <p:pic>
+        <p:nvPicPr>
+          <p:cNvPr id="2050" name="Picture 2" descr="C:\Enseignement\GitHub\Cy_01_PSI_ModelisationLinNonLin\TP\TP_Maxpid_Corrige\python\kp_100_ech_10_90_sat.png"/>
+          <p:cNvPicPr>
+            <a:picLocks noChangeAspect="1" noChangeArrowheads="1"/>
+          </p:cNvPicPr>
+          <p:nvPr/>
+        </p:nvPicPr>
+        <p:blipFill>
+          <a:blip r:embed="rId2" cstate="print">
+            <a:extLst>
+              <a:ext uri="{28A0092B-C50C-407E-A947-70E740481C1C}">
+                <a14:useLocalDpi xmlns:a14="http://schemas.microsoft.com/office/drawing/2010/main" val="0"/>
+              </a:ext>
+            </a:extLst>
+          </a:blip>
+          <a:srcRect/>
+          <a:stretch>
+            <a:fillRect/>
+          </a:stretch>
+        </p:blipFill>
+        <p:spPr bwMode="auto">
+          <a:xfrm>
+            <a:off x="4004398" y="1196752"/>
+            <a:ext cx="5139602" cy="2448000"/>
+          </a:xfrm>
+          <a:prstGeom prst="rect">
+            <a:avLst/>
+          </a:prstGeom>
+          <a:noFill/>
+          <a:extLst>
+            <a:ext uri="{909E8E84-426E-40DD-AFC4-6F175D3DCCD1}">
+              <a14:hiddenFill xmlns:a14="http://schemas.microsoft.com/office/drawing/2010/main">
+                <a:solidFill>
+                  <a:srgbClr val="FFFFFF"/>
+                </a:solidFill>
+              </a14:hiddenFill>
+            </a:ext>
+          </a:extLst>
+        </p:spPr>
+      </p:pic>
+      <p:pic>
+        <p:nvPicPr>
+          <p:cNvPr id="2051" name="Picture 3" descr="C:\Enseignement\GitHub\Cy_01_PSI_ModelisationLinNonLin\TP\TP_Maxpid_Corrige\python\kp_100_ech_60_65_sat.png"/>
+          <p:cNvPicPr>
+            <a:picLocks noChangeAspect="1" noChangeArrowheads="1"/>
+          </p:cNvPicPr>
+          <p:nvPr/>
+        </p:nvPicPr>
+        <p:blipFill>
+          <a:blip r:embed="rId3">
+            <a:extLst>
+              <a:ext uri="{28A0092B-C50C-407E-A947-70E740481C1C}">
+                <a14:useLocalDpi xmlns:a14="http://schemas.microsoft.com/office/drawing/2010/main" val="0"/>
+              </a:ext>
+            </a:extLst>
+          </a:blip>
+          <a:srcRect/>
+          <a:stretch>
+            <a:fillRect/>
+          </a:stretch>
+        </p:blipFill>
+        <p:spPr bwMode="auto">
+          <a:xfrm>
+            <a:off x="4665987" y="3616028"/>
+            <a:ext cx="3816424" cy="2848238"/>
+          </a:xfrm>
+          <a:prstGeom prst="rect">
+            <a:avLst/>
+          </a:prstGeom>
+          <a:noFill/>
+          <a:extLst>
+            <a:ext uri="{909E8E84-426E-40DD-AFC4-6F175D3DCCD1}">
+              <a14:hiddenFill xmlns:a14="http://schemas.microsoft.com/office/drawing/2010/main">
+                <a:solidFill>
+                  <a:srgbClr val="FFFFFF"/>
+                </a:solidFill>
+              </a14:hiddenFill>
+            </a:ext>
+          </a:extLst>
+        </p:spPr>
+      </p:pic>
+      <p:pic>
+        <p:nvPicPr>
+          <p:cNvPr id="8" name="Picture 2" descr="C:\Enseignement\GitHub\Cy_01_PSI_ModelisationLinNonLin\TP\TP_Maxpid_Corrige\python\kp_100_ech_10_90.png"/>
+          <p:cNvPicPr>
+            <a:picLocks noGrp="1" noChangeAspect="1" noChangeArrowheads="1"/>
+          </p:cNvPicPr>
+          <p:nvPr>
+            <p:ph sz="quarter" idx="1"/>
+          </p:nvPr>
+        </p:nvPicPr>
+        <p:blipFill>
+          <a:blip r:embed="rId4" cstate="print">
+            <a:extLst>
+              <a:ext uri="{28A0092B-C50C-407E-A947-70E740481C1C}">
+                <a14:useLocalDpi xmlns:a14="http://schemas.microsoft.com/office/drawing/2010/main" val="0"/>
+              </a:ext>
+            </a:extLst>
+          </a:blip>
+          <a:srcRect/>
+          <a:stretch>
+            <a:fillRect/>
+          </a:stretch>
+        </p:blipFill>
+        <p:spPr bwMode="auto">
+          <a:xfrm>
+            <a:off x="0" y="1166416"/>
+            <a:ext cx="3280402" cy="2448000"/>
+          </a:xfrm>
+          <a:prstGeom prst="rect">
+            <a:avLst/>
+          </a:prstGeom>
+          <a:noFill/>
+          <a:extLst>
+            <a:ext uri="{909E8E84-426E-40DD-AFC4-6F175D3DCCD1}">
+              <a14:hiddenFill xmlns:a14="http://schemas.microsoft.com/office/drawing/2010/main">
+                <a:solidFill>
+                  <a:srgbClr val="FFFFFF"/>
+                </a:solidFill>
+              </a14:hiddenFill>
+            </a:ext>
+          </a:extLst>
+        </p:spPr>
+      </p:pic>
+      <p:pic>
+        <p:nvPicPr>
+          <p:cNvPr id="9" name="Picture 3" descr="C:\Enseignement\GitHub\Cy_01_PSI_ModelisationLinNonLin\TP\TP_Maxpid_Corrige\python\kp_100_ech_60_65.png"/>
+          <p:cNvPicPr>
+            <a:picLocks noChangeAspect="1" noChangeArrowheads="1"/>
+          </p:cNvPicPr>
+          <p:nvPr/>
+        </p:nvPicPr>
+        <p:blipFill>
+          <a:blip r:embed="rId5" cstate="print">
+            <a:extLst>
+              <a:ext uri="{28A0092B-C50C-407E-A947-70E740481C1C}">
+                <a14:useLocalDpi xmlns:a14="http://schemas.microsoft.com/office/drawing/2010/main" val="0"/>
+              </a:ext>
+            </a:extLst>
+          </a:blip>
+          <a:srcRect/>
+          <a:stretch>
+            <a:fillRect/>
+          </a:stretch>
+        </p:blipFill>
+        <p:spPr bwMode="auto">
+          <a:xfrm>
+            <a:off x="107504" y="3831123"/>
+            <a:ext cx="3240000" cy="2418047"/>
+          </a:xfrm>
+          <a:prstGeom prst="rect">
+            <a:avLst/>
+          </a:prstGeom>
+          <a:noFill/>
+          <a:extLst>
+            <a:ext uri="{909E8E84-426E-40DD-AFC4-6F175D3DCCD1}">
+              <a14:hiddenFill xmlns:a14="http://schemas.microsoft.com/office/drawing/2010/main">
+                <a:solidFill>
+                  <a:srgbClr val="FFFFFF"/>
+                </a:solidFill>
+              </a14:hiddenFill>
+            </a:ext>
+          </a:extLst>
+        </p:spPr>
+      </p:pic>
+      <p:sp>
+        <p:nvSpPr>
+          <p:cNvPr id="6" name="Flèche droite 5"/>
+          <p:cNvSpPr/>
+          <p:nvPr/>
+        </p:nvSpPr>
+        <p:spPr>
+          <a:xfrm>
+            <a:off x="3347504" y="2132720"/>
+            <a:ext cx="864456" cy="576064"/>
+          </a:xfrm>
+          <a:prstGeom prst="rightArrow">
+            <a:avLst/>
+          </a:prstGeom>
+        </p:spPr>
+        <p:style>
+          <a:lnRef idx="2">
+            <a:schemeClr val="accent1">
+              <a:shade val="50000"/>
+            </a:schemeClr>
+          </a:lnRef>
+          <a:fillRef idx="1">
+            <a:schemeClr val="accent1"/>
+          </a:fillRef>
+          <a:effectRef idx="0">
+            <a:schemeClr val="accent1"/>
+          </a:effectRef>
+          <a:fontRef idx="minor">
+            <a:schemeClr val="lt1"/>
+          </a:fontRef>
+        </p:style>
+        <p:txBody>
+          <a:bodyPr rtlCol="0" anchor="ctr"/>
+          <a:lstStyle/>
+          <a:p>
+            <a:pPr algn="ctr"/>
+            <a:endParaRPr lang="fr-FR"/>
+          </a:p>
+        </p:txBody>
+      </p:sp>
+      <p:sp>
+        <p:nvSpPr>
+          <p:cNvPr id="11" name="Flèche droite 10"/>
+          <p:cNvSpPr/>
+          <p:nvPr/>
+        </p:nvSpPr>
+        <p:spPr>
+          <a:xfrm>
+            <a:off x="3342636" y="4752115"/>
+            <a:ext cx="864456" cy="576064"/>
+          </a:xfrm>
+          <a:prstGeom prst="rightArrow">
+            <a:avLst/>
+          </a:prstGeom>
+        </p:spPr>
+        <p:style>
+          <a:lnRef idx="2">
+            <a:schemeClr val="accent1">
+              <a:shade val="50000"/>
+            </a:schemeClr>
+          </a:lnRef>
+          <a:fillRef idx="1">
+            <a:schemeClr val="accent1"/>
+          </a:fillRef>
+          <a:effectRef idx="0">
+            <a:schemeClr val="accent1"/>
+          </a:effectRef>
+          <a:fontRef idx="minor">
+            <a:schemeClr val="lt1"/>
+          </a:fontRef>
+        </p:style>
+        <p:txBody>
+          <a:bodyPr rtlCol="0" anchor="ctr"/>
+          <a:lstStyle/>
+          <a:p>
+            <a:pPr algn="ctr"/>
+            <a:endParaRPr lang="fr-FR"/>
+          </a:p>
+        </p:txBody>
+      </p:sp>
+    </p:spTree>
+    <p:extLst>
+      <p:ext uri="{BB962C8B-B14F-4D97-AF65-F5344CB8AC3E}">
+        <p14:creationId xmlns:p14="http://schemas.microsoft.com/office/powerpoint/2010/main" val="3409966781"/>
       </p:ext>
     </p:extLst>
   </p:cSld>

--- a/TP/TP_Maxpid_Corrige/Cy_01_TP_01_Maxpid_Corrige.pptx
+++ b/TP/TP_Maxpid_Corrige/Cy_01_TP_01_Maxpid_Corrige.pptx
@@ -5,7 +5,7 @@
     <p:sldMasterId id="2147483684" r:id="rId1"/>
   </p:sldMasterIdLst>
   <p:notesMasterIdLst>
-    <p:notesMasterId r:id="rId7"/>
+    <p:notesMasterId r:id="rId12"/>
   </p:notesMasterIdLst>
   <p:sldIdLst>
     <p:sldId id="256" r:id="rId2"/>
@@ -13,6 +13,11 @@
     <p:sldId id="258" r:id="rId4"/>
     <p:sldId id="259" r:id="rId5"/>
     <p:sldId id="260" r:id="rId6"/>
+    <p:sldId id="264" r:id="rId7"/>
+    <p:sldId id="266" r:id="rId8"/>
+    <p:sldId id="265" r:id="rId9"/>
+    <p:sldId id="262" r:id="rId10"/>
+    <p:sldId id="263" r:id="rId11"/>
   </p:sldIdLst>
   <p:sldSz cx="9144000" cy="6858000" type="screen4x3"/>
   <p:notesSz cx="6858000" cy="9144000"/>
@@ -121,12 +126,17 @@
             <p14:sldId id="258"/>
             <p14:sldId id="259"/>
             <p14:sldId id="260"/>
+            <p14:sldId id="264"/>
+            <p14:sldId id="266"/>
+            <p14:sldId id="265"/>
+            <p14:sldId id="262"/>
+            <p14:sldId id="263"/>
           </p14:sldIdLst>
         </p14:section>
       </p14:sectionLst>
     </p:ext>
     <p:ext uri="{EFAFB233-063F-42B5-8137-9DF3F51BA10A}">
-      <p15:sldGuideLst xmlns:p15="http://schemas.microsoft.com/office/powerpoint/2012/main" xmlns="">
+      <p15:sldGuideLst xmlns="" xmlns:p15="http://schemas.microsoft.com/office/powerpoint/2012/main">
         <p15:guide id="1" orient="horz" pos="2160">
           <p15:clr>
             <a:srgbClr val="A4A3A4"/>
@@ -230,7 +240,7 @@
             <a:fld id="{E494A05E-DEA9-4CEA-A63B-3593EEF3AC45}" type="datetimeFigureOut">
               <a:rPr lang="fr-FR" smtClean="0"/>
               <a:pPr/>
-              <a:t>14/09/2017</a:t>
+              <a:t>17/09/2017</a:t>
             </a:fld>
             <a:endParaRPr lang="fr-FR"/>
           </a:p>
@@ -729,7 +739,7 @@
           <a:p>
             <a:fld id="{CC95FA96-70A1-42BA-A706-D4E444C34562}" type="datetime1">
               <a:rPr lang="fr-FR" smtClean="0"/>
-              <a:t>14/09/2017</a:t>
+              <a:t>17/09/2017</a:t>
             </a:fld>
             <a:endParaRPr lang="fr-FR"/>
           </a:p>
@@ -1093,7 +1103,7 @@
           <a:p>
             <a:fld id="{426A5825-1F50-4D50-92E1-0E72AE4A59BB}" type="datetime1">
               <a:rPr lang="fr-FR" smtClean="0"/>
-              <a:t>14/09/2017</a:t>
+              <a:t>17/09/2017</a:t>
             </a:fld>
             <a:endParaRPr lang="fr-FR"/>
           </a:p>
@@ -1273,7 +1283,7 @@
           <a:p>
             <a:fld id="{CBB72328-7029-4103-BCD3-A6ECE8732700}" type="datetime1">
               <a:rPr lang="fr-FR" smtClean="0"/>
-              <a:t>14/09/2017</a:t>
+              <a:t>17/09/2017</a:t>
             </a:fld>
             <a:endParaRPr lang="fr-FR"/>
           </a:p>
@@ -1524,7 +1534,7 @@
           <a:p>
             <a:fld id="{FA1B0D04-BBB5-4F25-AA5A-99484955246E}" type="datetime1">
               <a:rPr lang="fr-FR" smtClean="0"/>
-              <a:t>14/09/2017</a:t>
+              <a:t>17/09/2017</a:t>
             </a:fld>
             <a:endParaRPr lang="fr-FR"/>
           </a:p>
@@ -1844,7 +1854,7 @@
           <a:p>
             <a:fld id="{10A0CF33-6AFC-466C-9C5B-BD0172CFA69D}" type="datetime1">
               <a:rPr lang="fr-FR" smtClean="0"/>
-              <a:t>14/09/2017</a:t>
+              <a:t>17/09/2017</a:t>
             </a:fld>
             <a:endParaRPr lang="fr-FR"/>
           </a:p>
@@ -2069,7 +2079,7 @@
           <a:p>
             <a:fld id="{1E83E2B5-0E53-4735-803D-CEB7DA3A073B}" type="datetime1">
               <a:rPr lang="fr-FR" smtClean="0"/>
-              <a:t>14/09/2017</a:t>
+              <a:t>17/09/2017</a:t>
             </a:fld>
             <a:endParaRPr lang="fr-FR"/>
           </a:p>
@@ -2426,7 +2436,7 @@
           <a:p>
             <a:fld id="{E242849D-DAEF-4F0D-B2E6-8B9959E56613}" type="datetime1">
               <a:rPr lang="fr-FR" smtClean="0"/>
-              <a:t>14/09/2017</a:t>
+              <a:t>17/09/2017</a:t>
             </a:fld>
             <a:endParaRPr lang="fr-FR"/>
           </a:p>
@@ -2663,7 +2673,7 @@
           <a:p>
             <a:fld id="{F3AD1393-B7EE-4EA6-AAF9-4739A24F6786}" type="datetime1">
               <a:rPr lang="fr-FR" smtClean="0"/>
-              <a:t>14/09/2017</a:t>
+              <a:t>17/09/2017</a:t>
             </a:fld>
             <a:endParaRPr lang="fr-FR"/>
           </a:p>
@@ -2808,7 +2818,7 @@
           <a:p>
             <a:fld id="{95204A30-D83D-4274-B989-37A554940359}" type="datetime1">
               <a:rPr lang="fr-FR" smtClean="0"/>
-              <a:t>14/09/2017</a:t>
+              <a:t>17/09/2017</a:t>
             </a:fld>
             <a:endParaRPr lang="fr-FR"/>
           </a:p>
@@ -3090,7 +3100,7 @@
           <a:p>
             <a:fld id="{5D107F44-7B84-41A9-93D8-BCC02E2D8BA4}" type="datetime1">
               <a:rPr lang="fr-FR" smtClean="0"/>
-              <a:t>14/09/2017</a:t>
+              <a:t>17/09/2017</a:t>
             </a:fld>
             <a:endParaRPr lang="fr-FR"/>
           </a:p>
@@ -3502,7 +3512,7 @@
           <a:p>
             <a:fld id="{5B2850C0-1685-4B27-B8DC-19C813B79761}" type="datetime1">
               <a:rPr lang="fr-FR" smtClean="0"/>
-              <a:t>14/09/2017</a:t>
+              <a:t>17/09/2017</a:t>
             </a:fld>
             <a:endParaRPr lang="fr-FR"/>
           </a:p>
@@ -3845,7 +3855,7 @@
           <a:p>
             <a:fld id="{7FA61870-FC82-422D-A1B6-5A3784CBD855}" type="datetime1">
               <a:rPr lang="fr-FR" smtClean="0"/>
-              <a:t>14/09/2017</a:t>
+              <a:t>17/09/2017</a:t>
             </a:fld>
             <a:endParaRPr lang="fr-FR"/>
           </a:p>
@@ -4734,6 +4744,1116 @@
 </p:sld>
 </file>
 
+<file path=ppt/slides/slide10.xml><?xml version="1.0" encoding="utf-8"?>
+<p:sld xmlns:a="http://schemas.openxmlformats.org/drawingml/2006/main" xmlns:r="http://schemas.openxmlformats.org/officeDocument/2006/relationships" xmlns:p="http://schemas.openxmlformats.org/presentationml/2006/main">
+  <p:cSld>
+    <p:spTree>
+      <p:nvGrpSpPr>
+        <p:cNvPr id="1" name=""/>
+        <p:cNvGrpSpPr/>
+        <p:nvPr/>
+      </p:nvGrpSpPr>
+      <p:grpSpPr>
+        <a:xfrm>
+          <a:off x="0" y="0"/>
+          <a:ext cx="0" cy="0"/>
+          <a:chOff x="0" y="0"/>
+          <a:chExt cx="0" cy="0"/>
+        </a:xfrm>
+      </p:grpSpPr>
+      <p:pic>
+        <p:nvPicPr>
+          <p:cNvPr id="1026" name="Picture 2"/>
+          <p:cNvPicPr>
+            <a:picLocks noChangeAspect="1" noChangeArrowheads="1"/>
+          </p:cNvPicPr>
+          <p:nvPr/>
+        </p:nvPicPr>
+        <p:blipFill>
+          <a:blip r:embed="rId2">
+            <a:extLst>
+              <a:ext uri="{28A0092B-C50C-407E-A947-70E740481C1C}">
+                <a14:useLocalDpi xmlns:a14="http://schemas.microsoft.com/office/drawing/2010/main" val="0"/>
+              </a:ext>
+            </a:extLst>
+          </a:blip>
+          <a:srcRect/>
+          <a:stretch>
+            <a:fillRect/>
+          </a:stretch>
+        </p:blipFill>
+        <p:spPr bwMode="auto">
+          <a:xfrm>
+            <a:off x="1362029" y="1184068"/>
+            <a:ext cx="3528392" cy="2484540"/>
+          </a:xfrm>
+          <a:prstGeom prst="rect">
+            <a:avLst/>
+          </a:prstGeom>
+          <a:noFill/>
+          <a:ln>
+            <a:noFill/>
+          </a:ln>
+          <a:extLst>
+            <a:ext uri="{909E8E84-426E-40DD-AFC4-6F175D3DCCD1}">
+              <a14:hiddenFill xmlns:a14="http://schemas.microsoft.com/office/drawing/2010/main">
+                <a:solidFill>
+                  <a:schemeClr val="accent1"/>
+                </a:solidFill>
+              </a14:hiddenFill>
+            </a:ext>
+            <a:ext uri="{91240B29-F687-4F45-9708-019B960494DF}">
+              <a14:hiddenLine xmlns:a14="http://schemas.microsoft.com/office/drawing/2010/main" w="9525">
+                <a:solidFill>
+                  <a:schemeClr val="tx1"/>
+                </a:solidFill>
+                <a:miter lim="800000"/>
+                <a:headEnd/>
+                <a:tailEnd/>
+              </a14:hiddenLine>
+            </a:ext>
+          </a:extLst>
+        </p:spPr>
+      </p:pic>
+      <p:sp>
+        <p:nvSpPr>
+          <p:cNvPr id="2" name="Titre 1"/>
+          <p:cNvSpPr>
+            <a:spLocks noGrp="1"/>
+          </p:cNvSpPr>
+          <p:nvPr>
+            <p:ph type="title"/>
+          </p:nvPr>
+        </p:nvSpPr>
+        <p:spPr/>
+        <p:txBody>
+          <a:bodyPr/>
+          <a:lstStyle/>
+          <a:p>
+            <a:r>
+              <a:rPr lang="fr-FR" dirty="0" smtClean="0"/>
+              <a:t>Retour sur…</a:t>
+            </a:r>
+            <a:endParaRPr lang="fr-FR" dirty="0"/>
+          </a:p>
+        </p:txBody>
+      </p:sp>
+      <p:sp>
+        <p:nvSpPr>
+          <p:cNvPr id="3" name="Espace réservé du pied de page 2"/>
+          <p:cNvSpPr>
+            <a:spLocks noGrp="1"/>
+          </p:cNvSpPr>
+          <p:nvPr>
+            <p:ph type="ftr" sz="quarter" idx="11"/>
+          </p:nvPr>
+        </p:nvSpPr>
+        <p:spPr/>
+        <p:txBody>
+          <a:bodyPr/>
+          <a:lstStyle/>
+          <a:p>
+            <a:r>
+              <a:rPr lang="fr-FR" smtClean="0"/>
+              <a:t>Modélisation Maxpid - Xavier PESSOLES</a:t>
+            </a:r>
+            <a:endParaRPr lang="fr-FR" dirty="0"/>
+          </a:p>
+        </p:txBody>
+      </p:sp>
+      <p:sp>
+        <p:nvSpPr>
+          <p:cNvPr id="4" name="Espace réservé du numéro de diapositive 3"/>
+          <p:cNvSpPr>
+            <a:spLocks noGrp="1"/>
+          </p:cNvSpPr>
+          <p:nvPr>
+            <p:ph type="sldNum" sz="quarter" idx="12"/>
+          </p:nvPr>
+        </p:nvSpPr>
+        <p:spPr/>
+        <p:txBody>
+          <a:bodyPr/>
+          <a:lstStyle/>
+          <a:p>
+            <a:fld id="{3F1D8263-54E8-442D-88B4-DA252C595E3D}" type="slidenum">
+              <a:rPr lang="fr-FR" smtClean="0"/>
+              <a:pPr/>
+              <a:t>10</a:t>
+            </a:fld>
+            <a:endParaRPr lang="fr-FR"/>
+          </a:p>
+        </p:txBody>
+      </p:sp>
+      <p:sp>
+        <p:nvSpPr>
+          <p:cNvPr id="5" name="Espace réservé du contenu 4"/>
+          <p:cNvSpPr>
+            <a:spLocks noGrp="1"/>
+          </p:cNvSpPr>
+          <p:nvPr>
+            <p:ph sz="quarter" idx="1"/>
+          </p:nvPr>
+        </p:nvSpPr>
+        <p:spPr/>
+        <p:txBody>
+          <a:bodyPr/>
+          <a:lstStyle/>
+          <a:p>
+            <a:r>
+              <a:rPr lang="fr-FR" dirty="0" smtClean="0"/>
+              <a:t>Le hacheur</a:t>
+            </a:r>
+            <a:endParaRPr lang="fr-FR" dirty="0"/>
+          </a:p>
+        </p:txBody>
+      </p:sp>
+      <p:grpSp>
+        <p:nvGrpSpPr>
+          <p:cNvPr id="49" name="Groupe 48"/>
+          <p:cNvGrpSpPr/>
+          <p:nvPr/>
+        </p:nvGrpSpPr>
+        <p:grpSpPr>
+          <a:xfrm>
+            <a:off x="5143638" y="1434568"/>
+            <a:ext cx="3144428" cy="1584176"/>
+            <a:chOff x="735540" y="2564904"/>
+            <a:chExt cx="3144428" cy="1584176"/>
+          </a:xfrm>
+        </p:grpSpPr>
+        <p:grpSp>
+          <p:nvGrpSpPr>
+            <p:cNvPr id="12" name="Groupe 11"/>
+            <p:cNvGrpSpPr/>
+            <p:nvPr/>
+          </p:nvGrpSpPr>
+          <p:grpSpPr>
+            <a:xfrm>
+              <a:off x="735540" y="3220791"/>
+              <a:ext cx="544128" cy="544128"/>
+              <a:chOff x="735540" y="2852936"/>
+              <a:chExt cx="544128" cy="544128"/>
+            </a:xfrm>
+          </p:grpSpPr>
+          <p:sp>
+            <p:nvSpPr>
+              <p:cNvPr id="6" name="Ellipse 5"/>
+              <p:cNvSpPr/>
+              <p:nvPr/>
+            </p:nvSpPr>
+            <p:spPr>
+              <a:xfrm>
+                <a:off x="735540" y="2852936"/>
+                <a:ext cx="544128" cy="544128"/>
+              </a:xfrm>
+              <a:prstGeom prst="ellipse">
+                <a:avLst/>
+              </a:prstGeom>
+              <a:noFill/>
+              <a:ln w="19050">
+                <a:solidFill>
+                  <a:srgbClr val="002060"/>
+                </a:solidFill>
+              </a:ln>
+            </p:spPr>
+            <p:style>
+              <a:lnRef idx="2">
+                <a:schemeClr val="accent1">
+                  <a:shade val="50000"/>
+                </a:schemeClr>
+              </a:lnRef>
+              <a:fillRef idx="1">
+                <a:schemeClr val="accent1"/>
+              </a:fillRef>
+              <a:effectRef idx="0">
+                <a:schemeClr val="accent1"/>
+              </a:effectRef>
+              <a:fontRef idx="minor">
+                <a:schemeClr val="lt1"/>
+              </a:fontRef>
+            </p:style>
+            <p:txBody>
+              <a:bodyPr rtlCol="0" anchor="ctr"/>
+              <a:lstStyle/>
+              <a:p>
+                <a:pPr algn="ctr"/>
+                <a:endParaRPr lang="fr-FR"/>
+              </a:p>
+            </p:txBody>
+          </p:sp>
+          <p:cxnSp>
+            <p:nvCxnSpPr>
+              <p:cNvPr id="8" name="Connecteur droit 7"/>
+              <p:cNvCxnSpPr>
+                <a:stCxn id="6" idx="4"/>
+                <a:endCxn id="6" idx="0"/>
+              </p:cNvCxnSpPr>
+              <p:nvPr/>
+            </p:nvCxnSpPr>
+            <p:spPr>
+              <a:xfrm flipV="1">
+                <a:off x="1007604" y="2852936"/>
+                <a:ext cx="0" cy="544128"/>
+              </a:xfrm>
+              <a:prstGeom prst="line">
+                <a:avLst/>
+              </a:prstGeom>
+              <a:noFill/>
+              <a:ln w="19050">
+                <a:solidFill>
+                  <a:srgbClr val="002060"/>
+                </a:solidFill>
+                <a:tailEnd type="stealth" w="med" len="lg"/>
+              </a:ln>
+            </p:spPr>
+            <p:style>
+              <a:lnRef idx="2">
+                <a:schemeClr val="accent1">
+                  <a:shade val="50000"/>
+                </a:schemeClr>
+              </a:lnRef>
+              <a:fillRef idx="1">
+                <a:schemeClr val="accent1"/>
+              </a:fillRef>
+              <a:effectRef idx="0">
+                <a:schemeClr val="accent1"/>
+              </a:effectRef>
+              <a:fontRef idx="minor">
+                <a:schemeClr val="lt1"/>
+              </a:fontRef>
+            </p:style>
+          </p:cxnSp>
+        </p:grpSp>
+        <p:cxnSp>
+          <p:nvCxnSpPr>
+            <p:cNvPr id="11" name="Connecteur droit 10"/>
+            <p:cNvCxnSpPr>
+              <a:stCxn id="6" idx="0"/>
+            </p:cNvCxnSpPr>
+            <p:nvPr/>
+          </p:nvCxnSpPr>
+          <p:spPr>
+            <a:xfrm flipV="1">
+              <a:off x="1007604" y="2852936"/>
+              <a:ext cx="0" cy="367855"/>
+            </a:xfrm>
+            <a:prstGeom prst="line">
+              <a:avLst/>
+            </a:prstGeom>
+            <a:noFill/>
+            <a:ln w="19050">
+              <a:solidFill>
+                <a:srgbClr val="002060"/>
+              </a:solidFill>
+            </a:ln>
+          </p:spPr>
+          <p:style>
+            <a:lnRef idx="2">
+              <a:schemeClr val="accent1">
+                <a:shade val="50000"/>
+              </a:schemeClr>
+            </a:lnRef>
+            <a:fillRef idx="1">
+              <a:schemeClr val="accent1"/>
+            </a:fillRef>
+            <a:effectRef idx="0">
+              <a:schemeClr val="accent1"/>
+            </a:effectRef>
+            <a:fontRef idx="minor">
+              <a:schemeClr val="lt1"/>
+            </a:fontRef>
+          </p:style>
+        </p:cxnSp>
+        <p:cxnSp>
+          <p:nvCxnSpPr>
+            <p:cNvPr id="15" name="Connecteur droit 14"/>
+            <p:cNvCxnSpPr>
+              <a:endCxn id="6" idx="4"/>
+            </p:cNvCxnSpPr>
+            <p:nvPr/>
+          </p:nvCxnSpPr>
+          <p:spPr>
+            <a:xfrm flipV="1">
+              <a:off x="1007604" y="3764919"/>
+              <a:ext cx="0" cy="384161"/>
+            </a:xfrm>
+            <a:prstGeom prst="line">
+              <a:avLst/>
+            </a:prstGeom>
+            <a:noFill/>
+            <a:ln w="19050">
+              <a:solidFill>
+                <a:srgbClr val="002060"/>
+              </a:solidFill>
+            </a:ln>
+          </p:spPr>
+          <p:style>
+            <a:lnRef idx="2">
+              <a:schemeClr val="accent1">
+                <a:shade val="50000"/>
+              </a:schemeClr>
+            </a:lnRef>
+            <a:fillRef idx="1">
+              <a:schemeClr val="accent1"/>
+            </a:fillRef>
+            <a:effectRef idx="0">
+              <a:schemeClr val="accent1"/>
+            </a:effectRef>
+            <a:fontRef idx="minor">
+              <a:schemeClr val="lt1"/>
+            </a:fontRef>
+          </p:style>
+        </p:cxnSp>
+        <p:cxnSp>
+          <p:nvCxnSpPr>
+            <p:cNvPr id="19" name="Connecteur droit 18"/>
+            <p:cNvCxnSpPr/>
+            <p:nvPr/>
+          </p:nvCxnSpPr>
+          <p:spPr>
+            <a:xfrm flipH="1">
+              <a:off x="1007604" y="2849240"/>
+              <a:ext cx="656096" cy="0"/>
+            </a:xfrm>
+            <a:prstGeom prst="line">
+              <a:avLst/>
+            </a:prstGeom>
+            <a:noFill/>
+            <a:ln w="19050">
+              <a:solidFill>
+                <a:srgbClr val="002060"/>
+              </a:solidFill>
+            </a:ln>
+          </p:spPr>
+          <p:style>
+            <a:lnRef idx="2">
+              <a:schemeClr val="accent1">
+                <a:shade val="50000"/>
+              </a:schemeClr>
+            </a:lnRef>
+            <a:fillRef idx="1">
+              <a:schemeClr val="accent1"/>
+            </a:fillRef>
+            <a:effectRef idx="0">
+              <a:schemeClr val="accent1"/>
+            </a:effectRef>
+            <a:fontRef idx="minor">
+              <a:schemeClr val="lt1"/>
+            </a:fontRef>
+          </p:style>
+        </p:cxnSp>
+        <p:cxnSp>
+          <p:nvCxnSpPr>
+            <p:cNvPr id="22" name="Connecteur droit 21"/>
+            <p:cNvCxnSpPr/>
+            <p:nvPr/>
+          </p:nvCxnSpPr>
+          <p:spPr>
+            <a:xfrm flipH="1">
+              <a:off x="2051720" y="2849240"/>
+              <a:ext cx="797390" cy="0"/>
+            </a:xfrm>
+            <a:prstGeom prst="line">
+              <a:avLst/>
+            </a:prstGeom>
+            <a:noFill/>
+            <a:ln w="19050">
+              <a:solidFill>
+                <a:srgbClr val="002060"/>
+              </a:solidFill>
+            </a:ln>
+          </p:spPr>
+          <p:style>
+            <a:lnRef idx="2">
+              <a:schemeClr val="accent1">
+                <a:shade val="50000"/>
+              </a:schemeClr>
+            </a:lnRef>
+            <a:fillRef idx="1">
+              <a:schemeClr val="accent1"/>
+            </a:fillRef>
+            <a:effectRef idx="0">
+              <a:schemeClr val="accent1"/>
+            </a:effectRef>
+            <a:fontRef idx="minor">
+              <a:schemeClr val="lt1"/>
+            </a:fontRef>
+          </p:style>
+        </p:cxnSp>
+        <p:cxnSp>
+          <p:nvCxnSpPr>
+            <p:cNvPr id="23" name="Connecteur droit 22"/>
+            <p:cNvCxnSpPr/>
+            <p:nvPr/>
+          </p:nvCxnSpPr>
+          <p:spPr>
+            <a:xfrm flipH="1">
+              <a:off x="1619672" y="2564904"/>
+              <a:ext cx="432048" cy="288032"/>
+            </a:xfrm>
+            <a:prstGeom prst="line">
+              <a:avLst/>
+            </a:prstGeom>
+            <a:noFill/>
+            <a:ln w="19050">
+              <a:solidFill>
+                <a:srgbClr val="002060"/>
+              </a:solidFill>
+            </a:ln>
+          </p:spPr>
+          <p:style>
+            <a:lnRef idx="2">
+              <a:schemeClr val="accent1">
+                <a:shade val="50000"/>
+              </a:schemeClr>
+            </a:lnRef>
+            <a:fillRef idx="1">
+              <a:schemeClr val="accent1"/>
+            </a:fillRef>
+            <a:effectRef idx="0">
+              <a:schemeClr val="accent1"/>
+            </a:effectRef>
+            <a:fontRef idx="minor">
+              <a:schemeClr val="lt1"/>
+            </a:fontRef>
+          </p:style>
+        </p:cxnSp>
+        <p:cxnSp>
+          <p:nvCxnSpPr>
+            <p:cNvPr id="27" name="Connecteur droit 26"/>
+            <p:cNvCxnSpPr/>
+            <p:nvPr/>
+          </p:nvCxnSpPr>
+          <p:spPr>
+            <a:xfrm flipH="1">
+              <a:off x="1007604" y="4149080"/>
+              <a:ext cx="2700300" cy="0"/>
+            </a:xfrm>
+            <a:prstGeom prst="line">
+              <a:avLst/>
+            </a:prstGeom>
+            <a:noFill/>
+            <a:ln w="19050">
+              <a:solidFill>
+                <a:srgbClr val="002060"/>
+              </a:solidFill>
+            </a:ln>
+          </p:spPr>
+          <p:style>
+            <a:lnRef idx="2">
+              <a:schemeClr val="accent1">
+                <a:shade val="50000"/>
+              </a:schemeClr>
+            </a:lnRef>
+            <a:fillRef idx="1">
+              <a:schemeClr val="accent1"/>
+            </a:fillRef>
+            <a:effectRef idx="0">
+              <a:schemeClr val="accent1"/>
+            </a:effectRef>
+            <a:fontRef idx="minor">
+              <a:schemeClr val="lt1"/>
+            </a:fontRef>
+          </p:style>
+        </p:cxnSp>
+        <p:cxnSp>
+          <p:nvCxnSpPr>
+            <p:cNvPr id="29" name="Connecteur droit 28"/>
+            <p:cNvCxnSpPr/>
+            <p:nvPr/>
+          </p:nvCxnSpPr>
+          <p:spPr>
+            <a:xfrm flipV="1">
+              <a:off x="2627784" y="2852936"/>
+              <a:ext cx="0" cy="1296144"/>
+            </a:xfrm>
+            <a:prstGeom prst="line">
+              <a:avLst/>
+            </a:prstGeom>
+            <a:noFill/>
+            <a:ln w="19050">
+              <a:solidFill>
+                <a:srgbClr val="002060"/>
+              </a:solidFill>
+            </a:ln>
+          </p:spPr>
+          <p:style>
+            <a:lnRef idx="2">
+              <a:schemeClr val="accent1">
+                <a:shade val="50000"/>
+              </a:schemeClr>
+            </a:lnRef>
+            <a:fillRef idx="1">
+              <a:schemeClr val="accent1"/>
+            </a:fillRef>
+            <a:effectRef idx="0">
+              <a:schemeClr val="accent1"/>
+            </a:effectRef>
+            <a:fontRef idx="minor">
+              <a:schemeClr val="lt1"/>
+            </a:fontRef>
+          </p:style>
+        </p:cxnSp>
+        <p:grpSp>
+          <p:nvGrpSpPr>
+            <p:cNvPr id="48" name="Groupe 47"/>
+            <p:cNvGrpSpPr/>
+            <p:nvPr/>
+          </p:nvGrpSpPr>
+          <p:grpSpPr>
+            <a:xfrm>
+              <a:off x="2417062" y="3356823"/>
+              <a:ext cx="432048" cy="272064"/>
+              <a:chOff x="2417062" y="3037272"/>
+              <a:chExt cx="432048" cy="272064"/>
+            </a:xfrm>
+          </p:grpSpPr>
+          <p:sp>
+            <p:nvSpPr>
+              <p:cNvPr id="33" name="Triangle isocèle 32"/>
+              <p:cNvSpPr/>
+              <p:nvPr/>
+            </p:nvSpPr>
+            <p:spPr>
+              <a:xfrm>
+                <a:off x="2435064" y="3037272"/>
+                <a:ext cx="396044" cy="272064"/>
+              </a:xfrm>
+              <a:prstGeom prst="triangle">
+                <a:avLst/>
+              </a:prstGeom>
+              <a:solidFill>
+                <a:schemeClr val="bg1"/>
+              </a:solidFill>
+              <a:ln w="19050">
+                <a:solidFill>
+                  <a:srgbClr val="002060"/>
+                </a:solidFill>
+              </a:ln>
+            </p:spPr>
+            <p:style>
+              <a:lnRef idx="2">
+                <a:schemeClr val="accent1">
+                  <a:shade val="50000"/>
+                </a:schemeClr>
+              </a:lnRef>
+              <a:fillRef idx="1">
+                <a:schemeClr val="accent1"/>
+              </a:fillRef>
+              <a:effectRef idx="0">
+                <a:schemeClr val="accent1"/>
+              </a:effectRef>
+              <a:fontRef idx="minor">
+                <a:schemeClr val="lt1"/>
+              </a:fontRef>
+            </p:style>
+            <p:txBody>
+              <a:bodyPr rtlCol="0" anchor="ctr"/>
+              <a:lstStyle/>
+              <a:p>
+                <a:pPr algn="ctr"/>
+                <a:endParaRPr lang="fr-FR"/>
+              </a:p>
+            </p:txBody>
+          </p:sp>
+          <p:cxnSp>
+            <p:nvCxnSpPr>
+              <p:cNvPr id="34" name="Connecteur droit 33"/>
+              <p:cNvCxnSpPr/>
+              <p:nvPr/>
+            </p:nvCxnSpPr>
+            <p:spPr>
+              <a:xfrm flipH="1">
+                <a:off x="2417062" y="3042388"/>
+                <a:ext cx="432048" cy="0"/>
+              </a:xfrm>
+              <a:prstGeom prst="line">
+                <a:avLst/>
+              </a:prstGeom>
+              <a:noFill/>
+              <a:ln w="19050">
+                <a:solidFill>
+                  <a:srgbClr val="002060"/>
+                </a:solidFill>
+              </a:ln>
+            </p:spPr>
+            <p:style>
+              <a:lnRef idx="2">
+                <a:schemeClr val="accent1">
+                  <a:shade val="50000"/>
+                </a:schemeClr>
+              </a:lnRef>
+              <a:fillRef idx="1">
+                <a:schemeClr val="accent1"/>
+              </a:fillRef>
+              <a:effectRef idx="0">
+                <a:schemeClr val="accent1"/>
+              </a:effectRef>
+              <a:fontRef idx="minor">
+                <a:schemeClr val="lt1"/>
+              </a:fontRef>
+            </p:style>
+          </p:cxnSp>
+        </p:grpSp>
+        <p:sp>
+          <p:nvSpPr>
+            <p:cNvPr id="36" name="Arc 35"/>
+            <p:cNvSpPr/>
+            <p:nvPr/>
+          </p:nvSpPr>
+          <p:spPr>
+            <a:xfrm>
+              <a:off x="2844050" y="2747575"/>
+              <a:ext cx="210722" cy="210722"/>
+            </a:xfrm>
+            <a:prstGeom prst="arc">
+              <a:avLst>
+                <a:gd name="adj1" fmla="val 10740936"/>
+                <a:gd name="adj2" fmla="val 0"/>
+              </a:avLst>
+            </a:prstGeom>
+            <a:noFill/>
+            <a:ln w="19050">
+              <a:solidFill>
+                <a:srgbClr val="002060"/>
+              </a:solidFill>
+            </a:ln>
+          </p:spPr>
+          <p:style>
+            <a:lnRef idx="2">
+              <a:schemeClr val="accent1">
+                <a:shade val="50000"/>
+              </a:schemeClr>
+            </a:lnRef>
+            <a:fillRef idx="1">
+              <a:schemeClr val="accent1"/>
+            </a:fillRef>
+            <a:effectRef idx="0">
+              <a:schemeClr val="accent1"/>
+            </a:effectRef>
+            <a:fontRef idx="minor">
+              <a:schemeClr val="lt1"/>
+            </a:fontRef>
+          </p:style>
+          <p:txBody>
+            <a:bodyPr rtlCol="0" anchor="ctr"/>
+            <a:lstStyle/>
+            <a:p>
+              <a:pPr algn="ctr"/>
+              <a:endParaRPr lang="fr-FR" dirty="0"/>
+            </a:p>
+          </p:txBody>
+        </p:sp>
+        <p:sp>
+          <p:nvSpPr>
+            <p:cNvPr id="37" name="Arc 36"/>
+            <p:cNvSpPr/>
+            <p:nvPr/>
+          </p:nvSpPr>
+          <p:spPr>
+            <a:xfrm>
+              <a:off x="3265494" y="2747575"/>
+              <a:ext cx="210722" cy="210722"/>
+            </a:xfrm>
+            <a:prstGeom prst="arc">
+              <a:avLst>
+                <a:gd name="adj1" fmla="val 10740936"/>
+                <a:gd name="adj2" fmla="val 0"/>
+              </a:avLst>
+            </a:prstGeom>
+            <a:noFill/>
+            <a:ln w="19050">
+              <a:solidFill>
+                <a:srgbClr val="002060"/>
+              </a:solidFill>
+            </a:ln>
+          </p:spPr>
+          <p:style>
+            <a:lnRef idx="2">
+              <a:schemeClr val="accent1">
+                <a:shade val="50000"/>
+              </a:schemeClr>
+            </a:lnRef>
+            <a:fillRef idx="1">
+              <a:schemeClr val="accent1"/>
+            </a:fillRef>
+            <a:effectRef idx="0">
+              <a:schemeClr val="accent1"/>
+            </a:effectRef>
+            <a:fontRef idx="minor">
+              <a:schemeClr val="lt1"/>
+            </a:fontRef>
+          </p:style>
+          <p:txBody>
+            <a:bodyPr rtlCol="0" anchor="ctr"/>
+            <a:lstStyle/>
+            <a:p>
+              <a:pPr algn="ctr"/>
+              <a:endParaRPr lang="fr-FR" dirty="0"/>
+            </a:p>
+          </p:txBody>
+        </p:sp>
+        <p:sp>
+          <p:nvSpPr>
+            <p:cNvPr id="38" name="Arc 37"/>
+            <p:cNvSpPr/>
+            <p:nvPr/>
+          </p:nvSpPr>
+          <p:spPr>
+            <a:xfrm>
+              <a:off x="3054772" y="2747575"/>
+              <a:ext cx="210722" cy="210722"/>
+            </a:xfrm>
+            <a:prstGeom prst="arc">
+              <a:avLst>
+                <a:gd name="adj1" fmla="val 10740936"/>
+                <a:gd name="adj2" fmla="val 0"/>
+              </a:avLst>
+            </a:prstGeom>
+            <a:noFill/>
+            <a:ln w="19050">
+              <a:solidFill>
+                <a:srgbClr val="002060"/>
+              </a:solidFill>
+            </a:ln>
+          </p:spPr>
+          <p:style>
+            <a:lnRef idx="2">
+              <a:schemeClr val="accent1">
+                <a:shade val="50000"/>
+              </a:schemeClr>
+            </a:lnRef>
+            <a:fillRef idx="1">
+              <a:schemeClr val="accent1"/>
+            </a:fillRef>
+            <a:effectRef idx="0">
+              <a:schemeClr val="accent1"/>
+            </a:effectRef>
+            <a:fontRef idx="minor">
+              <a:schemeClr val="lt1"/>
+            </a:fontRef>
+          </p:style>
+          <p:txBody>
+            <a:bodyPr rtlCol="0" anchor="ctr"/>
+            <a:lstStyle/>
+            <a:p>
+              <a:pPr algn="ctr"/>
+              <a:endParaRPr lang="fr-FR" dirty="0"/>
+            </a:p>
+          </p:txBody>
+        </p:sp>
+        <p:cxnSp>
+          <p:nvCxnSpPr>
+            <p:cNvPr id="40" name="Connecteur droit 39"/>
+            <p:cNvCxnSpPr>
+              <a:stCxn id="37" idx="2"/>
+            </p:cNvCxnSpPr>
+            <p:nvPr/>
+          </p:nvCxnSpPr>
+          <p:spPr>
+            <a:xfrm flipV="1">
+              <a:off x="3476216" y="2849240"/>
+              <a:ext cx="231688" cy="0"/>
+            </a:xfrm>
+            <a:prstGeom prst="line">
+              <a:avLst/>
+            </a:prstGeom>
+            <a:noFill/>
+            <a:ln w="19050">
+              <a:solidFill>
+                <a:srgbClr val="002060"/>
+              </a:solidFill>
+            </a:ln>
+          </p:spPr>
+          <p:style>
+            <a:lnRef idx="2">
+              <a:schemeClr val="accent1">
+                <a:shade val="50000"/>
+              </a:schemeClr>
+            </a:lnRef>
+            <a:fillRef idx="1">
+              <a:schemeClr val="accent1"/>
+            </a:fillRef>
+            <a:effectRef idx="0">
+              <a:schemeClr val="accent1"/>
+            </a:effectRef>
+            <a:fontRef idx="minor">
+              <a:schemeClr val="lt1"/>
+            </a:fontRef>
+          </p:style>
+        </p:cxnSp>
+        <p:cxnSp>
+          <p:nvCxnSpPr>
+            <p:cNvPr id="45" name="Connecteur droit 44"/>
+            <p:cNvCxnSpPr/>
+            <p:nvPr/>
+          </p:nvCxnSpPr>
+          <p:spPr>
+            <a:xfrm flipV="1">
+              <a:off x="3707904" y="2849240"/>
+              <a:ext cx="0" cy="1296144"/>
+            </a:xfrm>
+            <a:prstGeom prst="line">
+              <a:avLst/>
+            </a:prstGeom>
+            <a:noFill/>
+            <a:ln w="19050">
+              <a:solidFill>
+                <a:srgbClr val="002060"/>
+              </a:solidFill>
+            </a:ln>
+          </p:spPr>
+          <p:style>
+            <a:lnRef idx="2">
+              <a:schemeClr val="accent1">
+                <a:shade val="50000"/>
+              </a:schemeClr>
+            </a:lnRef>
+            <a:fillRef idx="1">
+              <a:schemeClr val="accent1"/>
+            </a:fillRef>
+            <a:effectRef idx="0">
+              <a:schemeClr val="accent1"/>
+            </a:effectRef>
+            <a:fontRef idx="minor">
+              <a:schemeClr val="lt1"/>
+            </a:fontRef>
+          </p:style>
+        </p:cxnSp>
+        <p:grpSp>
+          <p:nvGrpSpPr>
+            <p:cNvPr id="47" name="Groupe 46"/>
+            <p:cNvGrpSpPr/>
+            <p:nvPr/>
+          </p:nvGrpSpPr>
+          <p:grpSpPr>
+            <a:xfrm>
+              <a:off x="3535840" y="3206981"/>
+              <a:ext cx="344128" cy="571748"/>
+              <a:chOff x="3535840" y="2836630"/>
+              <a:chExt cx="344128" cy="571748"/>
+            </a:xfrm>
+          </p:grpSpPr>
+          <p:sp>
+            <p:nvSpPr>
+              <p:cNvPr id="44" name="Rectangle 43"/>
+              <p:cNvSpPr/>
+              <p:nvPr/>
+            </p:nvSpPr>
+            <p:spPr>
+              <a:xfrm>
+                <a:off x="3642939" y="2836630"/>
+                <a:ext cx="129930" cy="571748"/>
+              </a:xfrm>
+              <a:prstGeom prst="rect">
+                <a:avLst/>
+              </a:prstGeom>
+              <a:solidFill>
+                <a:schemeClr val="bg1"/>
+              </a:solidFill>
+              <a:ln w="19050">
+                <a:solidFill>
+                  <a:srgbClr val="002060"/>
+                </a:solidFill>
+              </a:ln>
+            </p:spPr>
+            <p:style>
+              <a:lnRef idx="2">
+                <a:schemeClr val="accent1">
+                  <a:shade val="50000"/>
+                </a:schemeClr>
+              </a:lnRef>
+              <a:fillRef idx="1">
+                <a:schemeClr val="accent1"/>
+              </a:fillRef>
+              <a:effectRef idx="0">
+                <a:schemeClr val="accent1"/>
+              </a:effectRef>
+              <a:fontRef idx="minor">
+                <a:schemeClr val="lt1"/>
+              </a:fontRef>
+            </p:style>
+            <p:txBody>
+              <a:bodyPr rtlCol="0" anchor="ctr"/>
+              <a:lstStyle/>
+              <a:p>
+                <a:pPr algn="ctr"/>
+                <a:endParaRPr lang="fr-FR" b="1"/>
+              </a:p>
+            </p:txBody>
+          </p:sp>
+          <p:sp>
+            <p:nvSpPr>
+              <p:cNvPr id="43" name="Ellipse 42"/>
+              <p:cNvSpPr/>
+              <p:nvPr/>
+            </p:nvSpPr>
+            <p:spPr>
+              <a:xfrm>
+                <a:off x="3535840" y="2950440"/>
+                <a:ext cx="344128" cy="344128"/>
+              </a:xfrm>
+              <a:prstGeom prst="ellipse">
+                <a:avLst/>
+              </a:prstGeom>
+              <a:solidFill>
+                <a:schemeClr val="bg1"/>
+              </a:solidFill>
+              <a:ln w="19050">
+                <a:solidFill>
+                  <a:srgbClr val="002060"/>
+                </a:solidFill>
+              </a:ln>
+            </p:spPr>
+            <p:style>
+              <a:lnRef idx="2">
+                <a:schemeClr val="accent1">
+                  <a:shade val="50000"/>
+                </a:schemeClr>
+              </a:lnRef>
+              <a:fillRef idx="1">
+                <a:schemeClr val="accent1"/>
+              </a:fillRef>
+              <a:effectRef idx="0">
+                <a:schemeClr val="accent1"/>
+              </a:effectRef>
+              <a:fontRef idx="minor">
+                <a:schemeClr val="lt1"/>
+              </a:fontRef>
+            </p:style>
+            <p:txBody>
+              <a:bodyPr rtlCol="0" anchor="ctr"/>
+              <a:lstStyle/>
+              <a:p>
+                <a:pPr algn="ctr"/>
+                <a:endParaRPr lang="fr-FR" b="1"/>
+              </a:p>
+            </p:txBody>
+          </p:sp>
+        </p:grpSp>
+      </p:grpSp>
+      <p:pic>
+        <p:nvPicPr>
+          <p:cNvPr id="1027" name="Picture 3"/>
+          <p:cNvPicPr>
+            <a:picLocks noChangeAspect="1" noChangeArrowheads="1"/>
+          </p:cNvPicPr>
+          <p:nvPr/>
+        </p:nvPicPr>
+        <p:blipFill>
+          <a:blip r:embed="rId3">
+            <a:extLst>
+              <a:ext uri="{28A0092B-C50C-407E-A947-70E740481C1C}">
+                <a14:useLocalDpi xmlns:a14="http://schemas.microsoft.com/office/drawing/2010/main" val="0"/>
+              </a:ext>
+            </a:extLst>
+          </a:blip>
+          <a:srcRect/>
+          <a:stretch>
+            <a:fillRect/>
+          </a:stretch>
+        </p:blipFill>
+        <p:spPr bwMode="auto">
+          <a:xfrm>
+            <a:off x="114946" y="4221088"/>
+            <a:ext cx="4527376" cy="1814520"/>
+          </a:xfrm>
+          <a:prstGeom prst="rect">
+            <a:avLst/>
+          </a:prstGeom>
+          <a:noFill/>
+          <a:ln>
+            <a:noFill/>
+          </a:ln>
+          <a:extLst>
+            <a:ext uri="{909E8E84-426E-40DD-AFC4-6F175D3DCCD1}">
+              <a14:hiddenFill xmlns:a14="http://schemas.microsoft.com/office/drawing/2010/main">
+                <a:solidFill>
+                  <a:schemeClr val="accent1"/>
+                </a:solidFill>
+              </a14:hiddenFill>
+            </a:ext>
+            <a:ext uri="{91240B29-F687-4F45-9708-019B960494DF}">
+              <a14:hiddenLine xmlns:a14="http://schemas.microsoft.com/office/drawing/2010/main" w="9525">
+                <a:solidFill>
+                  <a:schemeClr val="tx1"/>
+                </a:solidFill>
+                <a:miter lim="800000"/>
+                <a:headEnd/>
+                <a:tailEnd/>
+              </a14:hiddenLine>
+            </a:ext>
+          </a:extLst>
+        </p:spPr>
+      </p:pic>
+      <p:pic>
+        <p:nvPicPr>
+          <p:cNvPr id="1028" name="Picture 4"/>
+          <p:cNvPicPr>
+            <a:picLocks noChangeAspect="1" noChangeArrowheads="1"/>
+          </p:cNvPicPr>
+          <p:nvPr/>
+        </p:nvPicPr>
+        <p:blipFill>
+          <a:blip r:embed="rId4">
+            <a:extLst>
+              <a:ext uri="{28A0092B-C50C-407E-A947-70E740481C1C}">
+                <a14:useLocalDpi xmlns:a14="http://schemas.microsoft.com/office/drawing/2010/main" val="0"/>
+              </a:ext>
+            </a:extLst>
+          </a:blip>
+          <a:srcRect/>
+          <a:stretch>
+            <a:fillRect/>
+          </a:stretch>
+        </p:blipFill>
+        <p:spPr bwMode="auto">
+          <a:xfrm>
+            <a:off x="4621604" y="3639512"/>
+            <a:ext cx="4522396" cy="2733994"/>
+          </a:xfrm>
+          <a:prstGeom prst="rect">
+            <a:avLst/>
+          </a:prstGeom>
+          <a:noFill/>
+          <a:ln>
+            <a:noFill/>
+          </a:ln>
+          <a:extLst>
+            <a:ext uri="{909E8E84-426E-40DD-AFC4-6F175D3DCCD1}">
+              <a14:hiddenFill xmlns:a14="http://schemas.microsoft.com/office/drawing/2010/main">
+                <a:solidFill>
+                  <a:schemeClr val="accent1"/>
+                </a:solidFill>
+              </a14:hiddenFill>
+            </a:ext>
+            <a:ext uri="{91240B29-F687-4F45-9708-019B960494DF}">
+              <a14:hiddenLine xmlns:a14="http://schemas.microsoft.com/office/drawing/2010/main" w="9525">
+                <a:solidFill>
+                  <a:schemeClr val="tx1"/>
+                </a:solidFill>
+                <a:miter lim="800000"/>
+                <a:headEnd/>
+                <a:tailEnd/>
+              </a14:hiddenLine>
+            </a:ext>
+          </a:extLst>
+        </p:spPr>
+      </p:pic>
+    </p:spTree>
+    <p:extLst>
+      <p:ext uri="{BB962C8B-B14F-4D97-AF65-F5344CB8AC3E}">
+        <p14:creationId xmlns:p14="http://schemas.microsoft.com/office/powerpoint/2010/main" val="1957767620"/>
+      </p:ext>
+    </p:extLst>
+  </p:cSld>
+  <p:clrMapOvr>
+    <a:masterClrMapping/>
+  </p:clrMapOvr>
+</p:sld>
+</file>
+
 <file path=ppt/slides/slide2.xml><?xml version="1.0" encoding="utf-8"?>
 <p:sld xmlns:a="http://schemas.openxmlformats.org/drawingml/2006/main" xmlns:r="http://schemas.openxmlformats.org/officeDocument/2006/relationships" xmlns:p="http://schemas.openxmlformats.org/presentationml/2006/main">
   <p:cSld>
@@ -6634,6 +7754,1758 @@
     <p:extLst>
       <p:ext uri="{BB962C8B-B14F-4D97-AF65-F5344CB8AC3E}">
         <p14:creationId xmlns:p14="http://schemas.microsoft.com/office/powerpoint/2010/main" val="3409966781"/>
+      </p:ext>
+    </p:extLst>
+  </p:cSld>
+  <p:clrMapOvr>
+    <a:masterClrMapping/>
+  </p:clrMapOvr>
+</p:sld>
+</file>
+
+<file path=ppt/slides/slide6.xml><?xml version="1.0" encoding="utf-8"?>
+<p:sld xmlns:a="http://schemas.openxmlformats.org/drawingml/2006/main" xmlns:r="http://schemas.openxmlformats.org/officeDocument/2006/relationships" xmlns:p="http://schemas.openxmlformats.org/presentationml/2006/main">
+  <p:cSld>
+    <p:spTree>
+      <p:nvGrpSpPr>
+        <p:cNvPr id="1" name=""/>
+        <p:cNvGrpSpPr/>
+        <p:nvPr/>
+      </p:nvGrpSpPr>
+      <p:grpSpPr>
+        <a:xfrm>
+          <a:off x="0" y="0"/>
+          <a:ext cx="0" cy="0"/>
+          <a:chOff x="0" y="0"/>
+          <a:chExt cx="0" cy="0"/>
+        </a:xfrm>
+      </p:grpSpPr>
+      <p:sp>
+        <p:nvSpPr>
+          <p:cNvPr id="2" name="Titre 1"/>
+          <p:cNvSpPr>
+            <a:spLocks noGrp="1"/>
+          </p:cNvSpPr>
+          <p:nvPr>
+            <p:ph type="title"/>
+          </p:nvPr>
+        </p:nvSpPr>
+        <p:spPr/>
+        <p:txBody>
+          <a:bodyPr/>
+          <a:lstStyle/>
+          <a:p>
+            <a:r>
+              <a:rPr lang="fr-FR" dirty="0" smtClean="0"/>
+              <a:t>Mesure et modélisation … du frottement sec</a:t>
+            </a:r>
+            <a:endParaRPr lang="fr-FR" dirty="0"/>
+          </a:p>
+        </p:txBody>
+      </p:sp>
+      <p:sp>
+        <p:nvSpPr>
+          <p:cNvPr id="3" name="Espace réservé du pied de page 2"/>
+          <p:cNvSpPr>
+            <a:spLocks noGrp="1"/>
+          </p:cNvSpPr>
+          <p:nvPr>
+            <p:ph type="ftr" sz="quarter" idx="11"/>
+          </p:nvPr>
+        </p:nvSpPr>
+        <p:spPr/>
+        <p:txBody>
+          <a:bodyPr/>
+          <a:lstStyle/>
+          <a:p>
+            <a:r>
+              <a:rPr lang="fr-FR" smtClean="0"/>
+              <a:t>Modélisation Maxpid - Xavier PESSOLES</a:t>
+            </a:r>
+            <a:endParaRPr lang="fr-FR" dirty="0"/>
+          </a:p>
+        </p:txBody>
+      </p:sp>
+      <p:sp>
+        <p:nvSpPr>
+          <p:cNvPr id="4" name="Espace réservé du numéro de diapositive 3"/>
+          <p:cNvSpPr>
+            <a:spLocks noGrp="1"/>
+          </p:cNvSpPr>
+          <p:nvPr>
+            <p:ph type="sldNum" sz="quarter" idx="12"/>
+          </p:nvPr>
+        </p:nvSpPr>
+        <p:spPr/>
+        <p:txBody>
+          <a:bodyPr/>
+          <a:lstStyle/>
+          <a:p>
+            <a:fld id="{3F1D8263-54E8-442D-88B4-DA252C595E3D}" type="slidenum">
+              <a:rPr lang="fr-FR" smtClean="0"/>
+              <a:pPr/>
+              <a:t>6</a:t>
+            </a:fld>
+            <a:endParaRPr lang="fr-FR"/>
+          </a:p>
+        </p:txBody>
+      </p:sp>
+      <mc:AlternateContent xmlns:mc="http://schemas.openxmlformats.org/markup-compatibility/2006">
+        <mc:Choice xmlns:a14="http://schemas.microsoft.com/office/drawing/2010/main" Requires="a14">
+          <p:sp>
+            <p:nvSpPr>
+              <p:cNvPr id="5" name="Espace réservé du contenu 4"/>
+              <p:cNvSpPr>
+                <a:spLocks noGrp="1"/>
+              </p:cNvSpPr>
+              <p:nvPr>
+                <p:ph sz="quarter" idx="1"/>
+              </p:nvPr>
+            </p:nvSpPr>
+            <p:spPr>
+              <a:xfrm>
+                <a:off x="457200" y="1219200"/>
+                <a:ext cx="8229600" cy="5162128"/>
+              </a:xfrm>
+            </p:spPr>
+            <p:txBody>
+              <a:bodyPr>
+                <a:normAutofit fontScale="70000" lnSpcReduction="20000"/>
+              </a:bodyPr>
+              <a:lstStyle/>
+              <a:p>
+                <a:r>
+                  <a:rPr lang="fr-FR" dirty="0" smtClean="0"/>
+                  <a:t>Frottement sec</a:t>
+                </a:r>
+              </a:p>
+              <a:p>
+                <a:pPr lvl="1"/>
+                <a:r>
+                  <a:rPr lang="fr-FR" dirty="0" smtClean="0"/>
+                  <a:t>Lorsqu’on modélise du frottement sec avec Matlab-Simulink, on ne saisit pas directement le facteur de Coulomb dans une liaison, on modélise l’action résistante due au frottement (action d’adhérence ou action résistante au glissement). </a:t>
+                </a:r>
+              </a:p>
+              <a:p>
+                <a:r>
+                  <a:rPr lang="fr-FR" dirty="0" smtClean="0"/>
+                  <a:t>Comment mesurer l’action mécanique ?</a:t>
+                </a:r>
+              </a:p>
+              <a:p>
+                <a:pPr lvl="1"/>
+                <a:r>
+                  <a:rPr lang="fr-FR" dirty="0" smtClean="0"/>
+                  <a:t>Avoir un capteur d’effort au bon endroit… rare !</a:t>
+                </a:r>
+              </a:p>
+              <a:p>
+                <a:pPr lvl="1"/>
+                <a:r>
+                  <a:rPr lang="fr-FR" dirty="0" smtClean="0"/>
+                  <a:t>Mesurer l’effort résistant rapporté à l’arbre moteur</a:t>
+                </a:r>
+              </a:p>
+              <a:p>
+                <a:pPr lvl="2"/>
+                <a:r>
+                  <a:rPr lang="fr-FR" dirty="0" smtClean="0"/>
+                  <a:t>… en mesurant l’intensité consommé par le moteur si c’est un moteur à courant continu. En effet dans ce cas, </a:t>
+                </a:r>
+                <a14:m>
+                  <m:oMath xmlns:m="http://schemas.openxmlformats.org/officeDocument/2006/math">
+                    <m:sSub>
+                      <m:sSubPr>
+                        <m:ctrlPr>
+                          <a:rPr lang="fr-FR" b="0" i="1" smtClean="0">
+                            <a:latin typeface="Cambria Math"/>
+                          </a:rPr>
+                        </m:ctrlPr>
+                      </m:sSubPr>
+                      <m:e>
+                        <m:r>
+                          <a:rPr lang="fr-FR" b="0" i="1" smtClean="0">
+                            <a:latin typeface="Cambria Math"/>
+                          </a:rPr>
+                          <m:t>𝐶</m:t>
+                        </m:r>
+                      </m:e>
+                      <m:sub>
+                        <m:r>
+                          <a:rPr lang="fr-FR" b="0" i="1" smtClean="0">
+                            <a:latin typeface="Cambria Math"/>
+                          </a:rPr>
+                          <m:t>𝑚</m:t>
+                        </m:r>
+                      </m:sub>
+                    </m:sSub>
+                    <m:r>
+                      <a:rPr lang="fr-FR" b="0" i="1" smtClean="0">
+                        <a:latin typeface="Cambria Math"/>
+                      </a:rPr>
+                      <m:t>=</m:t>
+                    </m:r>
+                    <m:r>
+                      <a:rPr lang="fr-FR" b="0" i="1" smtClean="0">
+                        <a:latin typeface="Cambria Math"/>
+                      </a:rPr>
+                      <m:t>𝐾𝐼</m:t>
+                    </m:r>
+                  </m:oMath>
+                </a14:m>
+                <a:endParaRPr lang="fr-FR" dirty="0" smtClean="0"/>
+              </a:p>
+              <a:p>
+                <a:r>
+                  <a:rPr lang="fr-FR" dirty="0" smtClean="0"/>
+                  <a:t>Protocoles expérimentaux (exemples) :</a:t>
+                </a:r>
+              </a:p>
+              <a:p>
+                <a:pPr lvl="1"/>
+                <a:r>
+                  <a:rPr lang="fr-FR" dirty="0" smtClean="0"/>
+                  <a:t>Idée : trouver un moyen permettant d’augmenter progressivement la tension pilotant le moteur et identifier le moment à partir duquel le moteur /système bouge. </a:t>
+                </a:r>
+              </a:p>
+              <a:p>
+                <a:pPr lvl="1"/>
+                <a:r>
+                  <a:rPr lang="fr-FR" dirty="0" smtClean="0"/>
+                  <a:t>Exemples : en fonction des possibilités : </a:t>
+                </a:r>
+              </a:p>
+              <a:p>
+                <a:pPr lvl="2"/>
+                <a:r>
+                  <a:rPr lang="fr-FR" dirty="0" smtClean="0"/>
+                  <a:t>En boucle ouverte : piloter le système par une rampe en tension, </a:t>
+                </a:r>
+              </a:p>
+              <a:p>
+                <a:pPr lvl="2"/>
+                <a:r>
+                  <a:rPr lang="fr-FR" dirty="0" smtClean="0"/>
+                  <a:t>En boucle ouverte,  piloter le système par le PWM et déterminer la valeur à partir de laquelle le système se met en mouvement …</a:t>
+                </a:r>
+              </a:p>
+              <a:p>
+                <a:r>
+                  <a:rPr lang="fr-FR" dirty="0" smtClean="0">
+                    <a:solidFill>
+                      <a:srgbClr val="FF0000"/>
+                    </a:solidFill>
+                  </a:rPr>
+                  <a:t>En résumé il faut trouver un moyen de solliciter le système jusqu’à ce qu’il se mette en mouvement et mesurer le courant seuil. </a:t>
+                </a:r>
+                <a:endParaRPr lang="fr-FR" dirty="0">
+                  <a:solidFill>
+                    <a:srgbClr val="FF0000"/>
+                  </a:solidFill>
+                </a:endParaRPr>
+              </a:p>
+              <a:p>
+                <a:pPr lvl="1"/>
+                <a:endParaRPr lang="fr-FR" dirty="0"/>
+              </a:p>
+              <a:p>
+                <a:r>
+                  <a:rPr lang="fr-FR" dirty="0" smtClean="0"/>
+                  <a:t>Modélisation : </a:t>
+                </a:r>
+              </a:p>
+              <a:p>
+                <a:pPr lvl="1"/>
+                <a:r>
+                  <a:rPr lang="fr-FR" dirty="0" smtClean="0"/>
+                  <a:t>Par un seuil en courant ou en tension (DEAD Zone)</a:t>
+                </a:r>
+              </a:p>
+              <a:p>
+                <a:pPr lvl="1"/>
+                <a:r>
+                  <a:rPr lang="fr-FR" dirty="0" smtClean="0"/>
+                  <a:t>Par un frottement sec au niveau du moteur</a:t>
+                </a:r>
+              </a:p>
+            </p:txBody>
+          </p:sp>
+        </mc:Choice>
+        <mc:Fallback>
+          <p:sp>
+            <p:nvSpPr>
+              <p:cNvPr id="5" name="Espace réservé du contenu 4"/>
+              <p:cNvSpPr>
+                <a:spLocks noGrp="1" noRot="1" noChangeAspect="1" noMove="1" noResize="1" noEditPoints="1" noAdjustHandles="1" noChangeArrowheads="1" noChangeShapeType="1" noTextEdit="1"/>
+              </p:cNvSpPr>
+              <p:nvPr>
+                <p:ph sz="quarter" idx="1"/>
+              </p:nvPr>
+            </p:nvSpPr>
+            <p:spPr>
+              <a:xfrm>
+                <a:off x="457200" y="1219200"/>
+                <a:ext cx="8229600" cy="5162128"/>
+              </a:xfrm>
+              <a:blipFill rotWithShape="1">
+                <a:blip r:embed="rId2"/>
+                <a:stretch>
+                  <a:fillRect t="-1299" r="-519"/>
+                </a:stretch>
+              </a:blipFill>
+            </p:spPr>
+            <p:txBody>
+              <a:bodyPr/>
+              <a:lstStyle/>
+              <a:p>
+                <a:r>
+                  <a:rPr lang="fr-FR">
+                    <a:noFill/>
+                  </a:rPr>
+                  <a:t> </a:t>
+                </a:r>
+              </a:p>
+            </p:txBody>
+          </p:sp>
+        </mc:Fallback>
+      </mc:AlternateContent>
+      <p:pic>
+        <p:nvPicPr>
+          <p:cNvPr id="2050" name="Picture 2"/>
+          <p:cNvPicPr>
+            <a:picLocks noChangeAspect="1" noChangeArrowheads="1"/>
+          </p:cNvPicPr>
+          <p:nvPr/>
+        </p:nvPicPr>
+        <p:blipFill>
+          <a:blip r:embed="rId3">
+            <a:extLst>
+              <a:ext uri="{28A0092B-C50C-407E-A947-70E740481C1C}">
+                <a14:useLocalDpi xmlns:a14="http://schemas.microsoft.com/office/drawing/2010/main" val="0"/>
+              </a:ext>
+            </a:extLst>
+          </a:blip>
+          <a:srcRect/>
+          <a:stretch>
+            <a:fillRect/>
+          </a:stretch>
+        </p:blipFill>
+        <p:spPr bwMode="auto">
+          <a:xfrm>
+            <a:off x="6012160" y="5157192"/>
+            <a:ext cx="2531113" cy="1135385"/>
+          </a:xfrm>
+          <a:prstGeom prst="rect">
+            <a:avLst/>
+          </a:prstGeom>
+          <a:noFill/>
+          <a:ln>
+            <a:noFill/>
+          </a:ln>
+          <a:extLst>
+            <a:ext uri="{909E8E84-426E-40DD-AFC4-6F175D3DCCD1}">
+              <a14:hiddenFill xmlns:a14="http://schemas.microsoft.com/office/drawing/2010/main">
+                <a:solidFill>
+                  <a:schemeClr val="accent1"/>
+                </a:solidFill>
+              </a14:hiddenFill>
+            </a:ext>
+            <a:ext uri="{91240B29-F687-4F45-9708-019B960494DF}">
+              <a14:hiddenLine xmlns:a14="http://schemas.microsoft.com/office/drawing/2010/main" w="9525">
+                <a:solidFill>
+                  <a:schemeClr val="tx1"/>
+                </a:solidFill>
+                <a:miter lim="800000"/>
+                <a:headEnd/>
+                <a:tailEnd/>
+              </a14:hiddenLine>
+            </a:ext>
+          </a:extLst>
+        </p:spPr>
+      </p:pic>
+    </p:spTree>
+    <p:extLst>
+      <p:ext uri="{BB962C8B-B14F-4D97-AF65-F5344CB8AC3E}">
+        <p14:creationId xmlns:p14="http://schemas.microsoft.com/office/powerpoint/2010/main" val="1798246545"/>
+      </p:ext>
+    </p:extLst>
+  </p:cSld>
+  <p:clrMapOvr>
+    <a:masterClrMapping/>
+  </p:clrMapOvr>
+</p:sld>
+</file>
+
+<file path=ppt/slides/slide7.xml><?xml version="1.0" encoding="utf-8"?>
+<p:sld xmlns:a="http://schemas.openxmlformats.org/drawingml/2006/main" xmlns:r="http://schemas.openxmlformats.org/officeDocument/2006/relationships" xmlns:p="http://schemas.openxmlformats.org/presentationml/2006/main">
+  <p:cSld>
+    <p:spTree>
+      <p:nvGrpSpPr>
+        <p:cNvPr id="1" name=""/>
+        <p:cNvGrpSpPr/>
+        <p:nvPr/>
+      </p:nvGrpSpPr>
+      <p:grpSpPr>
+        <a:xfrm>
+          <a:off x="0" y="0"/>
+          <a:ext cx="0" cy="0"/>
+          <a:chOff x="0" y="0"/>
+          <a:chExt cx="0" cy="0"/>
+        </a:xfrm>
+      </p:grpSpPr>
+      <p:sp>
+        <p:nvSpPr>
+          <p:cNvPr id="2" name="Titre 1"/>
+          <p:cNvSpPr>
+            <a:spLocks noGrp="1"/>
+          </p:cNvSpPr>
+          <p:nvPr>
+            <p:ph type="title"/>
+          </p:nvPr>
+        </p:nvSpPr>
+        <p:spPr/>
+        <p:txBody>
+          <a:bodyPr/>
+          <a:lstStyle/>
+          <a:p>
+            <a:r>
+              <a:rPr lang="fr-FR" dirty="0" smtClean="0"/>
+              <a:t>Mesure et modélisation … du frottement sec</a:t>
+            </a:r>
+            <a:endParaRPr lang="fr-FR" dirty="0"/>
+          </a:p>
+        </p:txBody>
+      </p:sp>
+      <p:sp>
+        <p:nvSpPr>
+          <p:cNvPr id="3" name="Espace réservé du pied de page 2"/>
+          <p:cNvSpPr>
+            <a:spLocks noGrp="1"/>
+          </p:cNvSpPr>
+          <p:nvPr>
+            <p:ph type="ftr" sz="quarter" idx="11"/>
+          </p:nvPr>
+        </p:nvSpPr>
+        <p:spPr/>
+        <p:txBody>
+          <a:bodyPr/>
+          <a:lstStyle/>
+          <a:p>
+            <a:r>
+              <a:rPr lang="fr-FR" smtClean="0"/>
+              <a:t>Modélisation Maxpid - Xavier PESSOLES</a:t>
+            </a:r>
+            <a:endParaRPr lang="fr-FR" dirty="0"/>
+          </a:p>
+        </p:txBody>
+      </p:sp>
+      <p:sp>
+        <p:nvSpPr>
+          <p:cNvPr id="4" name="Espace réservé du numéro de diapositive 3"/>
+          <p:cNvSpPr>
+            <a:spLocks noGrp="1"/>
+          </p:cNvSpPr>
+          <p:nvPr>
+            <p:ph type="sldNum" sz="quarter" idx="12"/>
+          </p:nvPr>
+        </p:nvSpPr>
+        <p:spPr/>
+        <p:txBody>
+          <a:bodyPr/>
+          <a:lstStyle/>
+          <a:p>
+            <a:fld id="{3F1D8263-54E8-442D-88B4-DA252C595E3D}" type="slidenum">
+              <a:rPr lang="fr-FR" smtClean="0"/>
+              <a:pPr/>
+              <a:t>7</a:t>
+            </a:fld>
+            <a:endParaRPr lang="fr-FR"/>
+          </a:p>
+        </p:txBody>
+      </p:sp>
+      <mc:AlternateContent xmlns:mc="http://schemas.openxmlformats.org/markup-compatibility/2006">
+        <mc:Choice xmlns:a14="http://schemas.microsoft.com/office/drawing/2010/main" Requires="a14">
+          <p:sp>
+            <p:nvSpPr>
+              <p:cNvPr id="5" name="Espace réservé du contenu 4"/>
+              <p:cNvSpPr>
+                <a:spLocks noGrp="1"/>
+              </p:cNvSpPr>
+              <p:nvPr>
+                <p:ph sz="quarter" idx="1"/>
+              </p:nvPr>
+            </p:nvSpPr>
+            <p:spPr/>
+            <p:txBody>
+              <a:bodyPr>
+                <a:normAutofit/>
+              </a:bodyPr>
+              <a:lstStyle/>
+              <a:p>
+                <a:pPr lvl="1"/>
+                <a:endParaRPr lang="fr-FR" dirty="0" smtClean="0"/>
+              </a:p>
+              <a:p>
+                <a:r>
+                  <a:rPr lang="fr-FR" dirty="0" smtClean="0"/>
+                  <a:t>Si toutefois, on souhaite avoir accès au facteur de Coulomb </a:t>
+                </a:r>
+                <a:r>
+                  <a:rPr lang="fr-FR" dirty="0" smtClean="0">
+                    <a:sym typeface="Wingdings" panose="05000000000000000000" pitchFamily="2" charset="2"/>
+                  </a:rPr>
+                  <a:t>(nécessaire dans SolidWorks par exemple), il s’agira d’un facteur de frottement dépendant uniquement du couple de pièces en contact (couple de matériaux donnés, rugosités données, conditions de lubrification données)</a:t>
+                </a:r>
+              </a:p>
+              <a:p>
+                <a:endParaRPr lang="fr-FR" dirty="0">
+                  <a:sym typeface="Wingdings" panose="05000000000000000000" pitchFamily="2" charset="2"/>
+                </a:endParaRPr>
+              </a:p>
+              <a:p>
+                <a:r>
+                  <a:rPr lang="fr-FR" dirty="0" smtClean="0">
+                    <a:sym typeface="Wingdings" panose="05000000000000000000" pitchFamily="2" charset="2"/>
+                  </a:rPr>
+                  <a:t>Déterminer l’angle limite à partir duquel la pièce 1 glisse sur la pièce 2. </a:t>
+                </a:r>
+                <a:endParaRPr lang="fr-FR" dirty="0">
+                  <a:sym typeface="Wingdings" panose="05000000000000000000" pitchFamily="2" charset="2"/>
+                </a:endParaRPr>
+              </a:p>
+              <a:p>
+                <a:endParaRPr lang="fr-FR" dirty="0" smtClean="0">
+                  <a:sym typeface="Wingdings" panose="05000000000000000000" pitchFamily="2" charset="2"/>
+                </a:endParaRPr>
+              </a:p>
+              <a:p>
+                <a14:m>
+                  <m:oMath xmlns:m="http://schemas.openxmlformats.org/officeDocument/2006/math">
+                    <m:func>
+                      <m:funcPr>
+                        <m:ctrlPr>
+                          <a:rPr lang="fr-FR" b="0" i="1" smtClean="0">
+                            <a:latin typeface="Cambria Math"/>
+                            <a:sym typeface="Wingdings" panose="05000000000000000000" pitchFamily="2" charset="2"/>
+                          </a:rPr>
+                        </m:ctrlPr>
+                      </m:funcPr>
+                      <m:fName>
+                        <m:r>
+                          <m:rPr>
+                            <m:sty m:val="p"/>
+                          </m:rPr>
+                          <a:rPr lang="fr-FR" b="0" i="0" smtClean="0">
+                            <a:latin typeface="Cambria Math"/>
+                            <a:sym typeface="Wingdings" panose="05000000000000000000" pitchFamily="2" charset="2"/>
+                          </a:rPr>
+                          <m:t>tan</m:t>
+                        </m:r>
+                      </m:fName>
+                      <m:e>
+                        <m:r>
+                          <a:rPr lang="fr-FR" b="0" i="1" smtClean="0">
+                            <a:latin typeface="Cambria Math"/>
+                            <a:sym typeface="Wingdings" panose="05000000000000000000" pitchFamily="2" charset="2"/>
+                          </a:rPr>
+                          <m:t>𝜑</m:t>
+                        </m:r>
+                      </m:e>
+                    </m:func>
+                  </m:oMath>
+                </a14:m>
+                <a:r>
+                  <a:rPr lang="fr-FR" dirty="0" smtClean="0">
+                    <a:sym typeface="Wingdings" panose="05000000000000000000" pitchFamily="2" charset="2"/>
+                  </a:rPr>
+                  <a:t> correspond au </a:t>
+                </a:r>
+              </a:p>
+              <a:p>
+                <a:pPr marL="0" indent="0">
+                  <a:buNone/>
+                </a:pPr>
+                <a:r>
+                  <a:rPr lang="fr-FR" dirty="0" smtClean="0">
+                    <a:sym typeface="Wingdings" panose="05000000000000000000" pitchFamily="2" charset="2"/>
+                  </a:rPr>
+                  <a:t>coefficient de frottement</a:t>
+                </a:r>
+              </a:p>
+            </p:txBody>
+          </p:sp>
+        </mc:Choice>
+        <mc:Fallback>
+          <p:sp>
+            <p:nvSpPr>
+              <p:cNvPr id="5" name="Espace réservé du contenu 4"/>
+              <p:cNvSpPr>
+                <a:spLocks noGrp="1" noRot="1" noChangeAspect="1" noMove="1" noResize="1" noEditPoints="1" noAdjustHandles="1" noChangeArrowheads="1" noChangeShapeType="1" noTextEdit="1"/>
+              </p:cNvSpPr>
+              <p:nvPr>
+                <p:ph sz="quarter" idx="1"/>
+              </p:nvPr>
+            </p:nvSpPr>
+            <p:spPr>
+              <a:blipFill rotWithShape="1">
+                <a:blip r:embed="rId2"/>
+                <a:stretch>
+                  <a:fillRect l="-1111" r="-1407" b="-1605"/>
+                </a:stretch>
+              </a:blipFill>
+            </p:spPr>
+            <p:txBody>
+              <a:bodyPr/>
+              <a:lstStyle/>
+              <a:p>
+                <a:r>
+                  <a:rPr lang="fr-FR">
+                    <a:noFill/>
+                  </a:rPr>
+                  <a:t> </a:t>
+                </a:r>
+              </a:p>
+            </p:txBody>
+          </p:sp>
+        </mc:Fallback>
+      </mc:AlternateContent>
+      <p:grpSp>
+        <p:nvGrpSpPr>
+          <p:cNvPr id="17" name="Groupe 16"/>
+          <p:cNvGrpSpPr/>
+          <p:nvPr/>
+        </p:nvGrpSpPr>
+        <p:grpSpPr>
+          <a:xfrm>
+            <a:off x="5304606" y="3138424"/>
+            <a:ext cx="5647156" cy="5041440"/>
+            <a:chOff x="2237532" y="2348441"/>
+            <a:chExt cx="5647156" cy="5041440"/>
+          </a:xfrm>
+        </p:grpSpPr>
+        <p:grpSp>
+          <p:nvGrpSpPr>
+            <p:cNvPr id="16" name="Groupe 15"/>
+            <p:cNvGrpSpPr/>
+            <p:nvPr/>
+          </p:nvGrpSpPr>
+          <p:grpSpPr>
+            <a:xfrm>
+              <a:off x="2237532" y="4028865"/>
+              <a:ext cx="3376613" cy="862297"/>
+              <a:chOff x="2237532" y="4028865"/>
+              <a:chExt cx="3376613" cy="862297"/>
+            </a:xfrm>
+          </p:grpSpPr>
+          <p:sp>
+            <p:nvSpPr>
+              <p:cNvPr id="6" name="Rectangle 5"/>
+              <p:cNvSpPr/>
+              <p:nvPr/>
+            </p:nvSpPr>
+            <p:spPr>
+              <a:xfrm rot="569407">
+                <a:off x="3067919" y="4028865"/>
+                <a:ext cx="1008112" cy="504056"/>
+              </a:xfrm>
+              <a:prstGeom prst="rect">
+                <a:avLst/>
+              </a:prstGeom>
+            </p:spPr>
+            <p:style>
+              <a:lnRef idx="2">
+                <a:schemeClr val="accent3">
+                  <a:shade val="50000"/>
+                </a:schemeClr>
+              </a:lnRef>
+              <a:fillRef idx="1">
+                <a:schemeClr val="accent3"/>
+              </a:fillRef>
+              <a:effectRef idx="0">
+                <a:schemeClr val="accent3"/>
+              </a:effectRef>
+              <a:fontRef idx="minor">
+                <a:schemeClr val="lt1"/>
+              </a:fontRef>
+            </p:style>
+            <p:txBody>
+              <a:bodyPr rtlCol="0" anchor="ctr"/>
+              <a:lstStyle/>
+              <a:p>
+                <a:pPr algn="ctr"/>
+                <a:r>
+                  <a:rPr lang="fr-FR" dirty="0" smtClean="0"/>
+                  <a:t>Pièce 1</a:t>
+                </a:r>
+                <a:endParaRPr lang="fr-FR" dirty="0"/>
+              </a:p>
+            </p:txBody>
+          </p:sp>
+          <p:cxnSp>
+            <p:nvCxnSpPr>
+              <p:cNvPr id="8" name="Connecteur droit 7"/>
+              <p:cNvCxnSpPr/>
+              <p:nvPr/>
+            </p:nvCxnSpPr>
+            <p:spPr>
+              <a:xfrm>
+                <a:off x="2555776" y="4373089"/>
+                <a:ext cx="2865335" cy="478981"/>
+              </a:xfrm>
+              <a:prstGeom prst="line">
+                <a:avLst/>
+              </a:prstGeom>
+              <a:ln w="57150">
+                <a:solidFill>
+                  <a:srgbClr val="BE4B48"/>
+                </a:solidFill>
+              </a:ln>
+            </p:spPr>
+            <p:style>
+              <a:lnRef idx="1">
+                <a:schemeClr val="accent1"/>
+              </a:lnRef>
+              <a:fillRef idx="0">
+                <a:schemeClr val="accent1"/>
+              </a:fillRef>
+              <a:effectRef idx="0">
+                <a:schemeClr val="accent1"/>
+              </a:effectRef>
+              <a:fontRef idx="minor">
+                <a:schemeClr val="tx1"/>
+              </a:fontRef>
+            </p:style>
+          </p:cxnSp>
+          <p:sp>
+            <p:nvSpPr>
+              <p:cNvPr id="12" name="Rectangle 11"/>
+              <p:cNvSpPr/>
+              <p:nvPr/>
+            </p:nvSpPr>
+            <p:spPr>
+              <a:xfrm>
+                <a:off x="4759424" y="4206810"/>
+                <a:ext cx="854721" cy="369332"/>
+              </a:xfrm>
+              <a:prstGeom prst="rect">
+                <a:avLst/>
+              </a:prstGeom>
+            </p:spPr>
+            <p:txBody>
+              <a:bodyPr wrap="none">
+                <a:spAutoFit/>
+              </a:bodyPr>
+              <a:lstStyle/>
+              <a:p>
+                <a:r>
+                  <a:rPr lang="fr-FR" dirty="0" smtClean="0">
+                    <a:sym typeface="Wingdings" panose="05000000000000000000" pitchFamily="2" charset="2"/>
+                  </a:rPr>
+                  <a:t>Pièce 2</a:t>
+                </a:r>
+                <a:endParaRPr lang="fr-FR" dirty="0">
+                  <a:sym typeface="Wingdings" panose="05000000000000000000" pitchFamily="2" charset="2"/>
+                </a:endParaRPr>
+              </a:p>
+            </p:txBody>
+          </p:sp>
+          <p:cxnSp>
+            <p:nvCxnSpPr>
+              <p:cNvPr id="14" name="Connecteur droit 13"/>
+              <p:cNvCxnSpPr/>
+              <p:nvPr/>
+            </p:nvCxnSpPr>
+            <p:spPr>
+              <a:xfrm flipH="1">
+                <a:off x="2237532" y="4891162"/>
+                <a:ext cx="3168352" cy="0"/>
+              </a:xfrm>
+              <a:prstGeom prst="line">
+                <a:avLst/>
+              </a:prstGeom>
+              <a:ln w="28575"/>
+            </p:spPr>
+            <p:style>
+              <a:lnRef idx="1">
+                <a:schemeClr val="accent1"/>
+              </a:lnRef>
+              <a:fillRef idx="0">
+                <a:schemeClr val="accent1"/>
+              </a:fillRef>
+              <a:effectRef idx="0">
+                <a:schemeClr val="accent1"/>
+              </a:effectRef>
+              <a:fontRef idx="minor">
+                <a:schemeClr val="tx1"/>
+              </a:fontRef>
+            </p:style>
+          </p:cxnSp>
+          <mc:AlternateContent xmlns:mc="http://schemas.openxmlformats.org/markup-compatibility/2006">
+            <mc:Choice xmlns:a14="http://schemas.microsoft.com/office/drawing/2010/main" Requires="a14">
+              <p:sp>
+                <p:nvSpPr>
+                  <p:cNvPr id="18" name="Rectangle 17"/>
+                  <p:cNvSpPr/>
+                  <p:nvPr/>
+                </p:nvSpPr>
+                <p:spPr>
+                  <a:xfrm>
+                    <a:off x="2411760" y="4427913"/>
+                    <a:ext cx="410818" cy="369332"/>
+                  </a:xfrm>
+                  <a:prstGeom prst="rect">
+                    <a:avLst/>
+                  </a:prstGeom>
+                </p:spPr>
+                <p:txBody>
+                  <a:bodyPr wrap="none">
+                    <a:spAutoFit/>
+                  </a:bodyPr>
+                  <a:lstStyle/>
+                  <a:p>
+                    <a14:m>
+                      <m:oMathPara xmlns:m="http://schemas.openxmlformats.org/officeDocument/2006/math">
+                        <m:oMathParaPr>
+                          <m:jc m:val="centerGroup"/>
+                        </m:oMathParaPr>
+                        <m:oMath xmlns:m="http://schemas.openxmlformats.org/officeDocument/2006/math">
+                          <m:r>
+                            <a:rPr lang="fr-FR" b="0" i="1" dirty="0" smtClean="0">
+                              <a:latin typeface="Cambria Math"/>
+                              <a:sym typeface="Wingdings" panose="05000000000000000000" pitchFamily="2" charset="2"/>
+                            </a:rPr>
+                            <m:t>𝜑</m:t>
+                          </m:r>
+                        </m:oMath>
+                      </m:oMathPara>
+                    </a14:m>
+                    <a:endParaRPr lang="fr-FR" dirty="0">
+                      <a:sym typeface="Wingdings" panose="05000000000000000000" pitchFamily="2" charset="2"/>
+                    </a:endParaRPr>
+                  </a:p>
+                </p:txBody>
+              </p:sp>
+            </mc:Choice>
+            <mc:Fallback>
+              <p:sp>
+                <p:nvSpPr>
+                  <p:cNvPr id="18" name="Rectangle 17"/>
+                  <p:cNvSpPr>
+                    <a:spLocks noRot="1" noChangeAspect="1" noMove="1" noResize="1" noEditPoints="1" noAdjustHandles="1" noChangeArrowheads="1" noChangeShapeType="1" noTextEdit="1"/>
+                  </p:cNvSpPr>
+                  <p:nvPr/>
+                </p:nvSpPr>
+                <p:spPr>
+                  <a:xfrm>
+                    <a:off x="2411760" y="4427913"/>
+                    <a:ext cx="410818" cy="369332"/>
+                  </a:xfrm>
+                  <a:prstGeom prst="rect">
+                    <a:avLst/>
+                  </a:prstGeom>
+                  <a:blipFill rotWithShape="1">
+                    <a:blip r:embed="rId3"/>
+                    <a:stretch>
+                      <a:fillRect b="-6557"/>
+                    </a:stretch>
+                  </a:blipFill>
+                </p:spPr>
+                <p:txBody>
+                  <a:bodyPr/>
+                  <a:lstStyle/>
+                  <a:p>
+                    <a:r>
+                      <a:rPr lang="fr-FR">
+                        <a:noFill/>
+                      </a:rPr>
+                      <a:t> </a:t>
+                    </a:r>
+                  </a:p>
+                </p:txBody>
+              </p:sp>
+            </mc:Fallback>
+          </mc:AlternateContent>
+        </p:grpSp>
+        <p:sp>
+          <p:nvSpPr>
+            <p:cNvPr id="15" name="Arc 14"/>
+            <p:cNvSpPr/>
+            <p:nvPr/>
+          </p:nvSpPr>
+          <p:spPr>
+            <a:xfrm rot="16200000">
+              <a:off x="2843528" y="2348721"/>
+              <a:ext cx="5041440" cy="5040880"/>
+            </a:xfrm>
+            <a:prstGeom prst="arc">
+              <a:avLst>
+                <a:gd name="adj1" fmla="val 16200000"/>
+                <a:gd name="adj2" fmla="val 16812131"/>
+              </a:avLst>
+            </a:prstGeom>
+            <a:ln>
+              <a:headEnd type="stealth" w="med" len="lg"/>
+              <a:tailEnd type="stealth" w="med" len="lg"/>
+            </a:ln>
+          </p:spPr>
+          <p:style>
+            <a:lnRef idx="1">
+              <a:schemeClr val="accent1"/>
+            </a:lnRef>
+            <a:fillRef idx="0">
+              <a:schemeClr val="accent1"/>
+            </a:fillRef>
+            <a:effectRef idx="0">
+              <a:schemeClr val="accent1"/>
+            </a:effectRef>
+            <a:fontRef idx="minor">
+              <a:schemeClr val="tx1"/>
+            </a:fontRef>
+          </p:style>
+          <p:txBody>
+            <a:bodyPr rtlCol="0" anchor="ctr"/>
+            <a:lstStyle/>
+            <a:p>
+              <a:pPr algn="ctr"/>
+              <a:endParaRPr lang="fr-FR"/>
+            </a:p>
+          </p:txBody>
+        </p:sp>
+      </p:grpSp>
+    </p:spTree>
+    <p:extLst>
+      <p:ext uri="{BB962C8B-B14F-4D97-AF65-F5344CB8AC3E}">
+        <p14:creationId xmlns:p14="http://schemas.microsoft.com/office/powerpoint/2010/main" val="2719238144"/>
+      </p:ext>
+    </p:extLst>
+  </p:cSld>
+  <p:clrMapOvr>
+    <a:masterClrMapping/>
+  </p:clrMapOvr>
+</p:sld>
+</file>
+
+<file path=ppt/slides/slide8.xml><?xml version="1.0" encoding="utf-8"?>
+<p:sld xmlns:a="http://schemas.openxmlformats.org/drawingml/2006/main" xmlns:r="http://schemas.openxmlformats.org/officeDocument/2006/relationships" xmlns:p="http://schemas.openxmlformats.org/presentationml/2006/main">
+  <p:cSld>
+    <p:spTree>
+      <p:nvGrpSpPr>
+        <p:cNvPr id="1" name=""/>
+        <p:cNvGrpSpPr/>
+        <p:nvPr/>
+      </p:nvGrpSpPr>
+      <p:grpSpPr>
+        <a:xfrm>
+          <a:off x="0" y="0"/>
+          <a:ext cx="0" cy="0"/>
+          <a:chOff x="0" y="0"/>
+          <a:chExt cx="0" cy="0"/>
+        </a:xfrm>
+      </p:grpSpPr>
+      <p:sp>
+        <p:nvSpPr>
+          <p:cNvPr id="2" name="Titre 1"/>
+          <p:cNvSpPr>
+            <a:spLocks noGrp="1"/>
+          </p:cNvSpPr>
+          <p:nvPr>
+            <p:ph type="title"/>
+          </p:nvPr>
+        </p:nvSpPr>
+        <p:spPr/>
+        <p:txBody>
+          <a:bodyPr/>
+          <a:lstStyle/>
+          <a:p>
+            <a:r>
+              <a:rPr lang="fr-FR" dirty="0" smtClean="0"/>
+              <a:t>Mesure et modélisation … du frottement visqueux</a:t>
+            </a:r>
+            <a:endParaRPr lang="fr-FR" dirty="0"/>
+          </a:p>
+        </p:txBody>
+      </p:sp>
+      <p:sp>
+        <p:nvSpPr>
+          <p:cNvPr id="3" name="Espace réservé du pied de page 2"/>
+          <p:cNvSpPr>
+            <a:spLocks noGrp="1"/>
+          </p:cNvSpPr>
+          <p:nvPr>
+            <p:ph type="ftr" sz="quarter" idx="11"/>
+          </p:nvPr>
+        </p:nvSpPr>
+        <p:spPr/>
+        <p:txBody>
+          <a:bodyPr/>
+          <a:lstStyle/>
+          <a:p>
+            <a:r>
+              <a:rPr lang="fr-FR" smtClean="0"/>
+              <a:t>Modélisation Maxpid - Xavier PESSOLES</a:t>
+            </a:r>
+            <a:endParaRPr lang="fr-FR" dirty="0"/>
+          </a:p>
+        </p:txBody>
+      </p:sp>
+      <p:sp>
+        <p:nvSpPr>
+          <p:cNvPr id="4" name="Espace réservé du numéro de diapositive 3"/>
+          <p:cNvSpPr>
+            <a:spLocks noGrp="1"/>
+          </p:cNvSpPr>
+          <p:nvPr>
+            <p:ph type="sldNum" sz="quarter" idx="12"/>
+          </p:nvPr>
+        </p:nvSpPr>
+        <p:spPr/>
+        <p:txBody>
+          <a:bodyPr/>
+          <a:lstStyle/>
+          <a:p>
+            <a:fld id="{3F1D8263-54E8-442D-88B4-DA252C595E3D}" type="slidenum">
+              <a:rPr lang="fr-FR" smtClean="0"/>
+              <a:pPr/>
+              <a:t>8</a:t>
+            </a:fld>
+            <a:endParaRPr lang="fr-FR"/>
+          </a:p>
+        </p:txBody>
+      </p:sp>
+      <mc:AlternateContent xmlns:mc="http://schemas.openxmlformats.org/markup-compatibility/2006">
+        <mc:Choice xmlns:a14="http://schemas.microsoft.com/office/drawing/2010/main" Requires="a14">
+          <p:sp>
+            <p:nvSpPr>
+              <p:cNvPr id="5" name="Espace réservé du contenu 4"/>
+              <p:cNvSpPr>
+                <a:spLocks noGrp="1"/>
+              </p:cNvSpPr>
+              <p:nvPr>
+                <p:ph sz="quarter" idx="1"/>
+              </p:nvPr>
+            </p:nvSpPr>
+            <p:spPr/>
+            <p:txBody>
+              <a:bodyPr>
+                <a:normAutofit fontScale="92500" lnSpcReduction="10000"/>
+              </a:bodyPr>
+              <a:lstStyle/>
+              <a:p>
+                <a:r>
+                  <a:rPr lang="fr-FR" dirty="0" smtClean="0"/>
+                  <a:t>Comme précédemment,  on peut se baser sur le fait qu’on peut déterminer le couple de frottement « ramené sur l’arbre moteur ». </a:t>
+                </a:r>
+              </a:p>
+              <a:p>
+                <a:r>
+                  <a:rPr lang="fr-FR" dirty="0" smtClean="0"/>
+                  <a:t>On se base sur le théorème du moment dynamique appliqué à l’arbre moteur sur un point de l’axe : </a:t>
+                </a:r>
+                <a14:m>
+                  <m:oMath xmlns:m="http://schemas.openxmlformats.org/officeDocument/2006/math">
+                    <m:r>
+                      <a:rPr lang="fr-FR" b="0" i="1" smtClean="0">
+                        <a:latin typeface="Cambria Math"/>
+                      </a:rPr>
+                      <m:t>𝐽</m:t>
+                    </m:r>
+                    <m:f>
+                      <m:fPr>
+                        <m:ctrlPr>
+                          <a:rPr lang="fr-FR" b="0" i="1" smtClean="0">
+                            <a:latin typeface="Cambria Math"/>
+                          </a:rPr>
+                        </m:ctrlPr>
+                      </m:fPr>
+                      <m:num>
+                        <m:r>
+                          <a:rPr lang="fr-FR" b="0" i="1" smtClean="0">
+                            <a:latin typeface="Cambria Math"/>
+                          </a:rPr>
+                          <m:t>𝑑</m:t>
+                        </m:r>
+                        <m:r>
+                          <a:rPr lang="fr-FR" b="0" i="1" smtClean="0">
+                            <a:latin typeface="Cambria Math"/>
+                          </a:rPr>
+                          <m:t>𝜔</m:t>
+                        </m:r>
+                        <m:d>
+                          <m:dPr>
+                            <m:ctrlPr>
+                              <a:rPr lang="fr-FR" b="0" i="1" smtClean="0">
+                                <a:latin typeface="Cambria Math"/>
+                              </a:rPr>
+                            </m:ctrlPr>
+                          </m:dPr>
+                          <m:e>
+                            <m:r>
+                              <a:rPr lang="fr-FR" b="0" i="1" smtClean="0">
+                                <a:latin typeface="Cambria Math"/>
+                              </a:rPr>
+                              <m:t>𝑡</m:t>
+                            </m:r>
+                          </m:e>
+                        </m:d>
+                      </m:num>
+                      <m:den>
+                        <m:r>
+                          <a:rPr lang="fr-FR" b="0" i="1" smtClean="0">
+                            <a:latin typeface="Cambria Math"/>
+                          </a:rPr>
+                          <m:t>𝑑𝑡</m:t>
+                        </m:r>
+                      </m:den>
+                    </m:f>
+                    <m:r>
+                      <a:rPr lang="fr-FR" b="0" i="1" smtClean="0">
+                        <a:latin typeface="Cambria Math"/>
+                      </a:rPr>
+                      <m:t>=</m:t>
+                    </m:r>
+                    <m:sSub>
+                      <m:sSubPr>
+                        <m:ctrlPr>
+                          <a:rPr lang="fr-FR" b="0" i="1" smtClean="0">
+                            <a:latin typeface="Cambria Math"/>
+                          </a:rPr>
+                        </m:ctrlPr>
+                      </m:sSubPr>
+                      <m:e>
+                        <m:r>
+                          <a:rPr lang="fr-FR" b="0" i="1" smtClean="0">
+                            <a:latin typeface="Cambria Math"/>
+                          </a:rPr>
+                          <m:t>𝐶</m:t>
+                        </m:r>
+                      </m:e>
+                      <m:sub>
+                        <m:r>
+                          <a:rPr lang="fr-FR" b="0" i="1" smtClean="0">
+                            <a:latin typeface="Cambria Math"/>
+                          </a:rPr>
+                          <m:t>𝑚</m:t>
+                        </m:r>
+                      </m:sub>
+                    </m:sSub>
+                    <m:r>
+                      <a:rPr lang="fr-FR" b="0" i="1" smtClean="0">
+                        <a:latin typeface="Cambria Math"/>
+                      </a:rPr>
+                      <m:t>+</m:t>
+                    </m:r>
+                    <m:sSub>
+                      <m:sSubPr>
+                        <m:ctrlPr>
+                          <a:rPr lang="fr-FR" b="0" i="1" smtClean="0">
+                            <a:latin typeface="Cambria Math"/>
+                          </a:rPr>
+                        </m:ctrlPr>
+                      </m:sSubPr>
+                      <m:e>
+                        <m:r>
+                          <a:rPr lang="fr-FR" b="0" i="1" smtClean="0">
+                            <a:latin typeface="Cambria Math"/>
+                          </a:rPr>
+                          <m:t>𝐶</m:t>
+                        </m:r>
+                      </m:e>
+                      <m:sub>
+                        <m:r>
+                          <a:rPr lang="fr-FR" b="0" i="1" smtClean="0">
+                            <a:latin typeface="Cambria Math"/>
+                          </a:rPr>
+                          <m:t>𝑓𝑠</m:t>
+                        </m:r>
+                      </m:sub>
+                    </m:sSub>
+                    <m:r>
+                      <a:rPr lang="fr-FR" b="0" i="1" smtClean="0">
+                        <a:latin typeface="Cambria Math"/>
+                      </a:rPr>
+                      <m:t>+</m:t>
+                    </m:r>
+                    <m:sSub>
+                      <m:sSubPr>
+                        <m:ctrlPr>
+                          <a:rPr lang="fr-FR" b="0" i="1" smtClean="0">
+                            <a:latin typeface="Cambria Math"/>
+                          </a:rPr>
+                        </m:ctrlPr>
+                      </m:sSubPr>
+                      <m:e>
+                        <m:r>
+                          <a:rPr lang="fr-FR" b="0" i="1" smtClean="0">
+                            <a:latin typeface="Cambria Math"/>
+                          </a:rPr>
+                          <m:t>𝐶</m:t>
+                        </m:r>
+                      </m:e>
+                      <m:sub>
+                        <m:r>
+                          <a:rPr lang="fr-FR" b="0" i="1" smtClean="0">
+                            <a:latin typeface="Cambria Math"/>
+                          </a:rPr>
+                          <m:t>𝑓𝑣</m:t>
+                        </m:r>
+                      </m:sub>
+                    </m:sSub>
+                  </m:oMath>
+                </a14:m>
+                <a:r>
+                  <a:rPr lang="fr-FR" dirty="0" smtClean="0"/>
+                  <a:t> avec </a:t>
+                </a:r>
+                <a14:m>
+                  <m:oMath xmlns:m="http://schemas.openxmlformats.org/officeDocument/2006/math">
+                    <m:sSub>
+                      <m:sSubPr>
+                        <m:ctrlPr>
+                          <a:rPr lang="fr-FR" b="0" i="1" smtClean="0">
+                            <a:latin typeface="Cambria Math"/>
+                          </a:rPr>
+                        </m:ctrlPr>
+                      </m:sSubPr>
+                      <m:e>
+                        <m:r>
+                          <a:rPr lang="fr-FR" b="0" i="1" smtClean="0">
+                            <a:latin typeface="Cambria Math"/>
+                          </a:rPr>
+                          <m:t>𝐶</m:t>
+                        </m:r>
+                      </m:e>
+                      <m:sub>
+                        <m:r>
+                          <a:rPr lang="fr-FR" b="0" i="1" smtClean="0">
+                            <a:latin typeface="Cambria Math"/>
+                          </a:rPr>
+                          <m:t>𝑚</m:t>
+                        </m:r>
+                      </m:sub>
+                    </m:sSub>
+                  </m:oMath>
+                </a14:m>
+                <a:r>
+                  <a:rPr lang="fr-FR" dirty="0" smtClean="0"/>
+                  <a:t> couple moteur, </a:t>
+                </a:r>
+                <a14:m>
+                  <m:oMath xmlns:m="http://schemas.openxmlformats.org/officeDocument/2006/math">
+                    <m:sSub>
+                      <m:sSubPr>
+                        <m:ctrlPr>
+                          <a:rPr lang="fr-FR" i="1">
+                            <a:latin typeface="Cambria Math"/>
+                          </a:rPr>
+                        </m:ctrlPr>
+                      </m:sSubPr>
+                      <m:e>
+                        <m:r>
+                          <a:rPr lang="fr-FR" i="1">
+                            <a:latin typeface="Cambria Math"/>
+                          </a:rPr>
+                          <m:t>𝐶</m:t>
+                        </m:r>
+                      </m:e>
+                      <m:sub>
+                        <m:r>
+                          <a:rPr lang="fr-FR" b="0" i="1" smtClean="0">
+                            <a:latin typeface="Cambria Math"/>
+                          </a:rPr>
+                          <m:t>𝑓𝑠</m:t>
+                        </m:r>
+                      </m:sub>
+                    </m:sSub>
+                  </m:oMath>
+                </a14:m>
+                <a:r>
+                  <a:rPr lang="fr-FR" dirty="0"/>
+                  <a:t> couple </a:t>
+                </a:r>
+                <a:r>
+                  <a:rPr lang="fr-FR" dirty="0" smtClean="0"/>
+                  <a:t>de frottement sec, </a:t>
+                </a:r>
+                <a14:m>
+                  <m:oMath xmlns:m="http://schemas.openxmlformats.org/officeDocument/2006/math">
+                    <m:sSub>
+                      <m:sSubPr>
+                        <m:ctrlPr>
+                          <a:rPr lang="fr-FR" i="1">
+                            <a:latin typeface="Cambria Math"/>
+                          </a:rPr>
+                        </m:ctrlPr>
+                      </m:sSubPr>
+                      <m:e>
+                        <m:r>
+                          <a:rPr lang="fr-FR" i="1">
+                            <a:latin typeface="Cambria Math"/>
+                          </a:rPr>
+                          <m:t>𝐶</m:t>
+                        </m:r>
+                      </m:e>
+                      <m:sub>
+                        <m:r>
+                          <a:rPr lang="fr-FR" i="1">
+                            <a:latin typeface="Cambria Math"/>
+                          </a:rPr>
+                          <m:t>𝑚</m:t>
+                        </m:r>
+                      </m:sub>
+                    </m:sSub>
+                  </m:oMath>
+                </a14:m>
+                <a:r>
+                  <a:rPr lang="fr-FR" dirty="0"/>
+                  <a:t> couple </a:t>
+                </a:r>
+                <a:r>
+                  <a:rPr lang="fr-FR" dirty="0" smtClean="0"/>
+                  <a:t>de frottement fluide.</a:t>
+                </a:r>
+              </a:p>
+              <a:p>
+                <a:r>
+                  <a:rPr lang="fr-FR" dirty="0" smtClean="0"/>
+                  <a:t>En régime permanent, </a:t>
+                </a:r>
+                <a14:m>
+                  <m:oMath xmlns:m="http://schemas.openxmlformats.org/officeDocument/2006/math">
+                    <m:r>
+                      <a:rPr lang="fr-FR" b="0" i="1" smtClean="0">
+                        <a:latin typeface="Cambria Math"/>
+                      </a:rPr>
+                      <m:t>𝜔</m:t>
+                    </m:r>
+                    <m:r>
+                      <a:rPr lang="fr-FR" b="0" i="1" smtClean="0">
+                        <a:latin typeface="Cambria Math"/>
+                      </a:rPr>
+                      <m:t>=</m:t>
+                    </m:r>
+                  </m:oMath>
+                </a14:m>
+                <a:r>
+                  <a:rPr lang="fr-FR" dirty="0" err="1" smtClean="0"/>
+                  <a:t>cst</a:t>
+                </a:r>
+                <a:r>
+                  <a:rPr lang="fr-FR" dirty="0" smtClean="0"/>
+                  <a:t> et </a:t>
+                </a:r>
+                <a14:m>
+                  <m:oMath xmlns:m="http://schemas.openxmlformats.org/officeDocument/2006/math">
+                    <m:sSub>
+                      <m:sSubPr>
+                        <m:ctrlPr>
+                          <a:rPr lang="fr-FR" i="1">
+                            <a:latin typeface="Cambria Math"/>
+                          </a:rPr>
+                        </m:ctrlPr>
+                      </m:sSubPr>
+                      <m:e>
+                        <m:r>
+                          <a:rPr lang="fr-FR" i="1">
+                            <a:latin typeface="Cambria Math"/>
+                          </a:rPr>
+                          <m:t>𝐶</m:t>
+                        </m:r>
+                      </m:e>
+                      <m:sub>
+                        <m:r>
+                          <a:rPr lang="fr-FR" i="1">
+                            <a:latin typeface="Cambria Math"/>
+                          </a:rPr>
+                          <m:t>𝑚</m:t>
+                        </m:r>
+                      </m:sub>
+                    </m:sSub>
+                    <m:r>
+                      <a:rPr lang="fr-FR" b="0" i="1" smtClean="0">
+                        <a:latin typeface="Cambria Math"/>
+                      </a:rPr>
+                      <m:t>=−</m:t>
+                    </m:r>
+                    <m:sSub>
+                      <m:sSubPr>
+                        <m:ctrlPr>
+                          <a:rPr lang="fr-FR" i="1">
+                            <a:latin typeface="Cambria Math"/>
+                          </a:rPr>
+                        </m:ctrlPr>
+                      </m:sSubPr>
+                      <m:e>
+                        <m:r>
+                          <a:rPr lang="fr-FR" i="1">
+                            <a:latin typeface="Cambria Math"/>
+                          </a:rPr>
+                          <m:t>𝐶</m:t>
+                        </m:r>
+                      </m:e>
+                      <m:sub>
+                        <m:r>
+                          <a:rPr lang="fr-FR" i="1">
+                            <a:latin typeface="Cambria Math"/>
+                          </a:rPr>
+                          <m:t>𝑓𝑠</m:t>
+                        </m:r>
+                      </m:sub>
+                    </m:sSub>
+                    <m:r>
+                      <a:rPr lang="fr-FR" b="0" i="1" smtClean="0">
+                        <a:latin typeface="Cambria Math"/>
+                      </a:rPr>
+                      <m:t>−</m:t>
+                    </m:r>
+                    <m:sSub>
+                      <m:sSubPr>
+                        <m:ctrlPr>
+                          <a:rPr lang="fr-FR" i="1">
+                            <a:latin typeface="Cambria Math"/>
+                          </a:rPr>
+                        </m:ctrlPr>
+                      </m:sSubPr>
+                      <m:e>
+                        <m:r>
+                          <a:rPr lang="fr-FR" i="1">
+                            <a:latin typeface="Cambria Math"/>
+                          </a:rPr>
+                          <m:t>𝐶</m:t>
+                        </m:r>
+                      </m:e>
+                      <m:sub>
+                        <m:r>
+                          <a:rPr lang="fr-FR" i="1">
+                            <a:latin typeface="Cambria Math"/>
+                          </a:rPr>
+                          <m:t>𝑓𝑣</m:t>
+                        </m:r>
+                      </m:sub>
+                    </m:sSub>
+                    <m:r>
+                      <a:rPr lang="fr-FR" b="0" i="1" smtClean="0">
+                        <a:latin typeface="Cambria Math"/>
+                      </a:rPr>
+                      <m:t>⇔</m:t>
+                    </m:r>
+                    <m:sSub>
+                      <m:sSubPr>
+                        <m:ctrlPr>
+                          <a:rPr lang="fr-FR" i="1">
+                            <a:latin typeface="Cambria Math"/>
+                          </a:rPr>
+                        </m:ctrlPr>
+                      </m:sSubPr>
+                      <m:e>
+                        <m:r>
+                          <a:rPr lang="fr-FR" i="1">
+                            <a:latin typeface="Cambria Math"/>
+                          </a:rPr>
+                          <m:t>𝐶</m:t>
+                        </m:r>
+                      </m:e>
+                      <m:sub>
+                        <m:r>
+                          <a:rPr lang="fr-FR" i="1">
+                            <a:latin typeface="Cambria Math"/>
+                          </a:rPr>
+                          <m:t>𝑚</m:t>
+                        </m:r>
+                      </m:sub>
+                    </m:sSub>
+                    <m:r>
+                      <a:rPr lang="fr-FR" i="1">
+                        <a:latin typeface="Cambria Math"/>
+                      </a:rPr>
+                      <m:t>=−</m:t>
+                    </m:r>
+                    <m:sSub>
+                      <m:sSubPr>
+                        <m:ctrlPr>
+                          <a:rPr lang="fr-FR" i="1">
+                            <a:latin typeface="Cambria Math"/>
+                          </a:rPr>
+                        </m:ctrlPr>
+                      </m:sSubPr>
+                      <m:e>
+                        <m:r>
+                          <a:rPr lang="fr-FR" i="1">
+                            <a:latin typeface="Cambria Math"/>
+                          </a:rPr>
+                          <m:t>𝐶</m:t>
+                        </m:r>
+                      </m:e>
+                      <m:sub>
+                        <m:r>
+                          <a:rPr lang="fr-FR" i="1">
+                            <a:latin typeface="Cambria Math"/>
+                          </a:rPr>
+                          <m:t>𝑓𝑠</m:t>
+                        </m:r>
+                      </m:sub>
+                    </m:sSub>
+                    <m:r>
+                      <a:rPr lang="fr-FR" i="1">
+                        <a:latin typeface="Cambria Math"/>
+                      </a:rPr>
+                      <m:t>−</m:t>
+                    </m:r>
+                    <m:r>
+                      <a:rPr lang="fr-FR" b="0" i="1" smtClean="0">
+                        <a:latin typeface="Cambria Math"/>
+                      </a:rPr>
+                      <m:t>𝜔</m:t>
+                    </m:r>
+                    <m:sSub>
+                      <m:sSubPr>
+                        <m:ctrlPr>
+                          <a:rPr lang="fr-FR" b="0" i="1" smtClean="0">
+                            <a:latin typeface="Cambria Math"/>
+                          </a:rPr>
+                        </m:ctrlPr>
+                      </m:sSubPr>
+                      <m:e>
+                        <m:r>
+                          <a:rPr lang="fr-FR" b="0" i="1" smtClean="0">
+                            <a:latin typeface="Cambria Math"/>
+                          </a:rPr>
+                          <m:t>𝑓</m:t>
+                        </m:r>
+                      </m:e>
+                      <m:sub>
+                        <m:r>
+                          <a:rPr lang="fr-FR" b="0" i="1" smtClean="0">
+                            <a:latin typeface="Cambria Math"/>
+                          </a:rPr>
+                          <m:t>𝑣</m:t>
+                        </m:r>
+                      </m:sub>
+                    </m:sSub>
+                  </m:oMath>
+                </a14:m>
+                <a:endParaRPr lang="fr-FR" dirty="0" smtClean="0"/>
+              </a:p>
+              <a:p>
+                <a:r>
+                  <a:rPr lang="fr-FR" dirty="0" smtClean="0"/>
+                  <a:t>Protocole expérimental</a:t>
+                </a:r>
+              </a:p>
+              <a:p>
+                <a:pPr lvl="1"/>
+                <a:r>
+                  <a:rPr lang="fr-FR" dirty="0" smtClean="0"/>
+                  <a:t>Solliciter le système avec plusieurs vitesse</a:t>
+                </a:r>
+              </a:p>
+              <a:p>
+                <a:pPr lvl="1"/>
+                <a:r>
+                  <a:rPr lang="fr-FR" dirty="0" smtClean="0"/>
+                  <a:t>En régime permanent mesurer le couple</a:t>
+                </a:r>
+              </a:p>
+              <a:p>
+                <a:pPr lvl="1"/>
+                <a:r>
+                  <a:rPr lang="fr-FR" dirty="0" smtClean="0"/>
+                  <a:t>Tracer la courbe C en fonction de </a:t>
+                </a:r>
+                <a14:m>
+                  <m:oMath xmlns:m="http://schemas.openxmlformats.org/officeDocument/2006/math">
+                    <m:r>
+                      <a:rPr lang="fr-FR" i="1">
+                        <a:latin typeface="Cambria Math"/>
+                      </a:rPr>
+                      <m:t>𝜔</m:t>
+                    </m:r>
+                  </m:oMath>
+                </a14:m>
+                <a:endParaRPr lang="fr-FR" dirty="0" smtClean="0"/>
+              </a:p>
+              <a:p>
+                <a:pPr lvl="1"/>
+                <a:r>
+                  <a:rPr lang="fr-FR" dirty="0" smtClean="0"/>
+                  <a:t>L’ordonnée à l’origine désigne le couple de frottement sec</a:t>
+                </a:r>
+              </a:p>
+              <a:p>
+                <a:pPr lvl="1"/>
+                <a:r>
+                  <a:rPr lang="fr-FR" dirty="0" smtClean="0"/>
+                  <a:t>La pente désigne le coefficient de </a:t>
+                </a:r>
+                <a:r>
+                  <a:rPr lang="fr-FR" smtClean="0"/>
+                  <a:t>frottement visqueux.</a:t>
+                </a:r>
+                <a:endParaRPr lang="fr-FR" dirty="0"/>
+              </a:p>
+            </p:txBody>
+          </p:sp>
+        </mc:Choice>
+        <mc:Fallback>
+          <p:sp>
+            <p:nvSpPr>
+              <p:cNvPr id="5" name="Espace réservé du contenu 4"/>
+              <p:cNvSpPr>
+                <a:spLocks noGrp="1" noRot="1" noChangeAspect="1" noMove="1" noResize="1" noEditPoints="1" noAdjustHandles="1" noChangeArrowheads="1" noChangeShapeType="1" noTextEdit="1"/>
+              </p:cNvSpPr>
+              <p:nvPr>
+                <p:ph sz="quarter" idx="1"/>
+              </p:nvPr>
+            </p:nvSpPr>
+            <p:spPr>
+              <a:blipFill rotWithShape="1">
+                <a:blip r:embed="rId2"/>
+                <a:stretch>
+                  <a:fillRect l="-296" t="-1358" r="-667" b="-864"/>
+                </a:stretch>
+              </a:blipFill>
+            </p:spPr>
+            <p:txBody>
+              <a:bodyPr/>
+              <a:lstStyle/>
+              <a:p>
+                <a:r>
+                  <a:rPr lang="fr-FR">
+                    <a:noFill/>
+                  </a:rPr>
+                  <a:t> </a:t>
+                </a:r>
+              </a:p>
+            </p:txBody>
+          </p:sp>
+        </mc:Fallback>
+      </mc:AlternateContent>
+    </p:spTree>
+    <p:extLst>
+      <p:ext uri="{BB962C8B-B14F-4D97-AF65-F5344CB8AC3E}">
+        <p14:creationId xmlns:p14="http://schemas.microsoft.com/office/powerpoint/2010/main" val="3965761391"/>
+      </p:ext>
+    </p:extLst>
+  </p:cSld>
+  <p:clrMapOvr>
+    <a:masterClrMapping/>
+  </p:clrMapOvr>
+</p:sld>
+</file>
+
+<file path=ppt/slides/slide9.xml><?xml version="1.0" encoding="utf-8"?>
+<p:sld xmlns:a="http://schemas.openxmlformats.org/drawingml/2006/main" xmlns:r="http://schemas.openxmlformats.org/officeDocument/2006/relationships" xmlns:p="http://schemas.openxmlformats.org/presentationml/2006/main">
+  <p:cSld>
+    <p:spTree>
+      <p:nvGrpSpPr>
+        <p:cNvPr id="1" name=""/>
+        <p:cNvGrpSpPr/>
+        <p:nvPr/>
+      </p:nvGrpSpPr>
+      <p:grpSpPr>
+        <a:xfrm>
+          <a:off x="0" y="0"/>
+          <a:ext cx="0" cy="0"/>
+          <a:chOff x="0" y="0"/>
+          <a:chExt cx="0" cy="0"/>
+        </a:xfrm>
+      </p:grpSpPr>
+      <p:sp>
+        <p:nvSpPr>
+          <p:cNvPr id="2" name="Titre 1"/>
+          <p:cNvSpPr>
+            <a:spLocks noGrp="1"/>
+          </p:cNvSpPr>
+          <p:nvPr>
+            <p:ph type="title"/>
+          </p:nvPr>
+        </p:nvSpPr>
+        <p:spPr/>
+        <p:txBody>
+          <a:bodyPr/>
+          <a:lstStyle/>
+          <a:p>
+            <a:r>
+              <a:rPr lang="fr-FR" dirty="0" smtClean="0"/>
+              <a:t>Retour sur…</a:t>
+            </a:r>
+            <a:endParaRPr lang="fr-FR" dirty="0"/>
+          </a:p>
+        </p:txBody>
+      </p:sp>
+      <p:sp>
+        <p:nvSpPr>
+          <p:cNvPr id="3" name="Espace réservé du pied de page 2"/>
+          <p:cNvSpPr>
+            <a:spLocks noGrp="1"/>
+          </p:cNvSpPr>
+          <p:nvPr>
+            <p:ph type="ftr" sz="quarter" idx="11"/>
+          </p:nvPr>
+        </p:nvSpPr>
+        <p:spPr/>
+        <p:txBody>
+          <a:bodyPr/>
+          <a:lstStyle/>
+          <a:p>
+            <a:r>
+              <a:rPr lang="fr-FR" smtClean="0"/>
+              <a:t>Modélisation Maxpid - Xavier PESSOLES</a:t>
+            </a:r>
+            <a:endParaRPr lang="fr-FR" dirty="0"/>
+          </a:p>
+        </p:txBody>
+      </p:sp>
+      <p:sp>
+        <p:nvSpPr>
+          <p:cNvPr id="4" name="Espace réservé du numéro de diapositive 3"/>
+          <p:cNvSpPr>
+            <a:spLocks noGrp="1"/>
+          </p:cNvSpPr>
+          <p:nvPr>
+            <p:ph type="sldNum" sz="quarter" idx="12"/>
+          </p:nvPr>
+        </p:nvSpPr>
+        <p:spPr/>
+        <p:txBody>
+          <a:bodyPr/>
+          <a:lstStyle/>
+          <a:p>
+            <a:fld id="{3F1D8263-54E8-442D-88B4-DA252C595E3D}" type="slidenum">
+              <a:rPr lang="fr-FR" smtClean="0"/>
+              <a:pPr/>
+              <a:t>9</a:t>
+            </a:fld>
+            <a:endParaRPr lang="fr-FR"/>
+          </a:p>
+        </p:txBody>
+      </p:sp>
+      <p:sp>
+        <p:nvSpPr>
+          <p:cNvPr id="5" name="Espace réservé du contenu 4"/>
+          <p:cNvSpPr>
+            <a:spLocks noGrp="1"/>
+          </p:cNvSpPr>
+          <p:nvPr>
+            <p:ph sz="quarter" idx="1"/>
+          </p:nvPr>
+        </p:nvSpPr>
+        <p:spPr/>
+        <p:txBody>
+          <a:bodyPr/>
+          <a:lstStyle/>
+          <a:p>
+            <a:r>
+              <a:rPr lang="fr-FR" dirty="0" smtClean="0"/>
+              <a:t>Le potentiomètre</a:t>
+            </a:r>
+            <a:endParaRPr lang="fr-FR" dirty="0"/>
+          </a:p>
+        </p:txBody>
+      </p:sp>
+    </p:spTree>
+    <p:extLst>
+      <p:ext uri="{BB962C8B-B14F-4D97-AF65-F5344CB8AC3E}">
+        <p14:creationId xmlns:p14="http://schemas.microsoft.com/office/powerpoint/2010/main" val="2195751739"/>
       </p:ext>
     </p:extLst>
   </p:cSld>

--- a/TP/TP_Maxpid_Corrige/Cy_01_TP_01_Maxpid_Corrige.pptx
+++ b/TP/TP_Maxpid_Corrige/Cy_01_TP_01_Maxpid_Corrige.pptx
@@ -5,7 +5,7 @@
     <p:sldMasterId id="2147483684" r:id="rId1"/>
   </p:sldMasterIdLst>
   <p:notesMasterIdLst>
-    <p:notesMasterId r:id="rId12"/>
+    <p:notesMasterId r:id="rId13"/>
   </p:notesMasterIdLst>
   <p:sldIdLst>
     <p:sldId id="256" r:id="rId2"/>
@@ -13,11 +13,12 @@
     <p:sldId id="258" r:id="rId4"/>
     <p:sldId id="259" r:id="rId5"/>
     <p:sldId id="260" r:id="rId6"/>
-    <p:sldId id="264" r:id="rId7"/>
-    <p:sldId id="266" r:id="rId8"/>
-    <p:sldId id="265" r:id="rId9"/>
-    <p:sldId id="262" r:id="rId10"/>
-    <p:sldId id="263" r:id="rId11"/>
+    <p:sldId id="267" r:id="rId7"/>
+    <p:sldId id="264" r:id="rId8"/>
+    <p:sldId id="266" r:id="rId9"/>
+    <p:sldId id="265" r:id="rId10"/>
+    <p:sldId id="262" r:id="rId11"/>
+    <p:sldId id="263" r:id="rId12"/>
   </p:sldIdLst>
   <p:sldSz cx="9144000" cy="6858000" type="screen4x3"/>
   <p:notesSz cx="6858000" cy="9144000"/>
@@ -126,6 +127,7 @@
             <p14:sldId id="258"/>
             <p14:sldId id="259"/>
             <p14:sldId id="260"/>
+            <p14:sldId id="267"/>
             <p14:sldId id="264"/>
             <p14:sldId id="266"/>
             <p14:sldId id="265"/>
@@ -4761,6 +4763,129 @@
           <a:chExt cx="0" cy="0"/>
         </a:xfrm>
       </p:grpSpPr>
+      <p:sp>
+        <p:nvSpPr>
+          <p:cNvPr id="2" name="Titre 1"/>
+          <p:cNvSpPr>
+            <a:spLocks noGrp="1"/>
+          </p:cNvSpPr>
+          <p:nvPr>
+            <p:ph type="title"/>
+          </p:nvPr>
+        </p:nvSpPr>
+        <p:spPr/>
+        <p:txBody>
+          <a:bodyPr/>
+          <a:lstStyle/>
+          <a:p>
+            <a:r>
+              <a:rPr lang="fr-FR" dirty="0" smtClean="0"/>
+              <a:t>Retour sur…</a:t>
+            </a:r>
+            <a:endParaRPr lang="fr-FR" dirty="0"/>
+          </a:p>
+        </p:txBody>
+      </p:sp>
+      <p:sp>
+        <p:nvSpPr>
+          <p:cNvPr id="3" name="Espace réservé du pied de page 2"/>
+          <p:cNvSpPr>
+            <a:spLocks noGrp="1"/>
+          </p:cNvSpPr>
+          <p:nvPr>
+            <p:ph type="ftr" sz="quarter" idx="11"/>
+          </p:nvPr>
+        </p:nvSpPr>
+        <p:spPr/>
+        <p:txBody>
+          <a:bodyPr/>
+          <a:lstStyle/>
+          <a:p>
+            <a:r>
+              <a:rPr lang="fr-FR" smtClean="0"/>
+              <a:t>Modélisation Maxpid - Xavier PESSOLES</a:t>
+            </a:r>
+            <a:endParaRPr lang="fr-FR" dirty="0"/>
+          </a:p>
+        </p:txBody>
+      </p:sp>
+      <p:sp>
+        <p:nvSpPr>
+          <p:cNvPr id="4" name="Espace réservé du numéro de diapositive 3"/>
+          <p:cNvSpPr>
+            <a:spLocks noGrp="1"/>
+          </p:cNvSpPr>
+          <p:nvPr>
+            <p:ph type="sldNum" sz="quarter" idx="12"/>
+          </p:nvPr>
+        </p:nvSpPr>
+        <p:spPr/>
+        <p:txBody>
+          <a:bodyPr/>
+          <a:lstStyle/>
+          <a:p>
+            <a:fld id="{3F1D8263-54E8-442D-88B4-DA252C595E3D}" type="slidenum">
+              <a:rPr lang="fr-FR" smtClean="0"/>
+              <a:pPr/>
+              <a:t>10</a:t>
+            </a:fld>
+            <a:endParaRPr lang="fr-FR"/>
+          </a:p>
+        </p:txBody>
+      </p:sp>
+      <p:sp>
+        <p:nvSpPr>
+          <p:cNvPr id="5" name="Espace réservé du contenu 4"/>
+          <p:cNvSpPr>
+            <a:spLocks noGrp="1"/>
+          </p:cNvSpPr>
+          <p:nvPr>
+            <p:ph sz="quarter" idx="1"/>
+          </p:nvPr>
+        </p:nvSpPr>
+        <p:spPr/>
+        <p:txBody>
+          <a:bodyPr/>
+          <a:lstStyle/>
+          <a:p>
+            <a:r>
+              <a:rPr lang="fr-FR" dirty="0" smtClean="0"/>
+              <a:t>Le potentiomètre</a:t>
+            </a:r>
+            <a:endParaRPr lang="fr-FR" dirty="0"/>
+          </a:p>
+        </p:txBody>
+      </p:sp>
+    </p:spTree>
+    <p:extLst>
+      <p:ext uri="{BB962C8B-B14F-4D97-AF65-F5344CB8AC3E}">
+        <p14:creationId xmlns:p14="http://schemas.microsoft.com/office/powerpoint/2010/main" val="2195751739"/>
+      </p:ext>
+    </p:extLst>
+  </p:cSld>
+  <p:clrMapOvr>
+    <a:masterClrMapping/>
+  </p:clrMapOvr>
+</p:sld>
+</file>
+
+<file path=ppt/slides/slide11.xml><?xml version="1.0" encoding="utf-8"?>
+<p:sld xmlns:a="http://schemas.openxmlformats.org/drawingml/2006/main" xmlns:r="http://schemas.openxmlformats.org/officeDocument/2006/relationships" xmlns:p="http://schemas.openxmlformats.org/presentationml/2006/main">
+  <p:cSld>
+    <p:spTree>
+      <p:nvGrpSpPr>
+        <p:cNvPr id="1" name=""/>
+        <p:cNvGrpSpPr/>
+        <p:nvPr/>
+      </p:nvGrpSpPr>
+      <p:grpSpPr>
+        <a:xfrm>
+          <a:off x="0" y="0"/>
+          <a:ext cx="0" cy="0"/>
+          <a:chOff x="0" y="0"/>
+          <a:chExt cx="0" cy="0"/>
+        </a:xfrm>
+      </p:grpSpPr>
       <p:pic>
         <p:nvPicPr>
           <p:cNvPr id="1026" name="Picture 2"/>
@@ -4879,7 +5004,7 @@
             <a:fld id="{3F1D8263-54E8-442D-88B4-DA252C595E3D}" type="slidenum">
               <a:rPr lang="fr-FR" smtClean="0"/>
               <a:pPr/>
-              <a:t>10</a:t>
+              <a:t>11</a:t>
             </a:fld>
             <a:endParaRPr lang="fr-FR"/>
           </a:p>
@@ -7795,11 +7920,7 @@
           <a:bodyPr/>
           <a:lstStyle/>
           <a:p>
-            <a:r>
-              <a:rPr lang="fr-FR" dirty="0" smtClean="0"/>
-              <a:t>Mesure et modélisation … du frottement sec</a:t>
-            </a:r>
-            <a:endParaRPr lang="fr-FR" dirty="0"/>
+            <a:endParaRPr lang="fr-FR"/>
           </a:p>
         </p:txBody>
       </p:sp>
@@ -7845,6 +7966,252 @@
               <a:rPr lang="fr-FR" smtClean="0"/>
               <a:pPr/>
               <a:t>6</a:t>
+            </a:fld>
+            <a:endParaRPr lang="fr-FR"/>
+          </a:p>
+        </p:txBody>
+      </p:sp>
+      <p:sp>
+        <p:nvSpPr>
+          <p:cNvPr id="6" name="ZoneTexte 5"/>
+          <p:cNvSpPr txBox="1"/>
+          <p:nvPr/>
+        </p:nvSpPr>
+        <p:spPr>
+          <a:xfrm>
+            <a:off x="251520" y="1268760"/>
+            <a:ext cx="8640960" cy="369332"/>
+          </a:xfrm>
+          <a:prstGeom prst="rect">
+            <a:avLst/>
+          </a:prstGeom>
+          <a:noFill/>
+        </p:spPr>
+        <p:txBody>
+          <a:bodyPr wrap="square" rtlCol="0">
+            <a:spAutoFit/>
+          </a:bodyPr>
+          <a:lstStyle/>
+          <a:p>
+            <a:pPr algn="ctr"/>
+            <a:r>
+              <a:rPr lang="fr-FR" b="1" dirty="0" smtClean="0">
+                <a:solidFill>
+                  <a:schemeClr val="accent6">
+                    <a:lumMod val="50000"/>
+                  </a:schemeClr>
+                </a:solidFill>
+              </a:rPr>
+              <a:t>OBJECTIF : Réduire les écarts Modèle – réel </a:t>
+            </a:r>
+            <a:endParaRPr lang="fr-FR" b="1" dirty="0">
+              <a:solidFill>
+                <a:schemeClr val="accent6">
+                  <a:lumMod val="50000"/>
+                </a:schemeClr>
+              </a:solidFill>
+            </a:endParaRPr>
+          </a:p>
+        </p:txBody>
+      </p:sp>
+      <p:sp>
+        <p:nvSpPr>
+          <p:cNvPr id="7" name="ZoneTexte 6"/>
+          <p:cNvSpPr txBox="1"/>
+          <p:nvPr/>
+        </p:nvSpPr>
+        <p:spPr>
+          <a:xfrm rot="16200000">
+            <a:off x="-762677" y="2446164"/>
+            <a:ext cx="2028388" cy="369332"/>
+          </a:xfrm>
+          <a:prstGeom prst="rect">
+            <a:avLst/>
+          </a:prstGeom>
+          <a:noFill/>
+        </p:spPr>
+        <p:txBody>
+          <a:bodyPr wrap="square" rtlCol="0">
+            <a:spAutoFit/>
+          </a:bodyPr>
+          <a:lstStyle/>
+          <a:p>
+            <a:pPr algn="ctr"/>
+            <a:r>
+              <a:rPr lang="fr-FR" dirty="0" smtClean="0"/>
+              <a:t>Situation initiale</a:t>
+            </a:r>
+            <a:endParaRPr lang="fr-FR" dirty="0"/>
+          </a:p>
+        </p:txBody>
+      </p:sp>
+      <p:sp>
+        <p:nvSpPr>
+          <p:cNvPr id="9" name="ZoneTexte 8"/>
+          <p:cNvSpPr txBox="1"/>
+          <p:nvPr/>
+        </p:nvSpPr>
+        <p:spPr>
+          <a:xfrm rot="16200000">
+            <a:off x="-756592" y="4579074"/>
+            <a:ext cx="2016224" cy="369332"/>
+          </a:xfrm>
+          <a:prstGeom prst="rect">
+            <a:avLst/>
+          </a:prstGeom>
+          <a:noFill/>
+        </p:spPr>
+        <p:txBody>
+          <a:bodyPr wrap="square" rtlCol="0">
+            <a:spAutoFit/>
+          </a:bodyPr>
+          <a:lstStyle/>
+          <a:p>
+            <a:pPr algn="ctr"/>
+            <a:r>
+              <a:rPr lang="fr-FR" dirty="0" smtClean="0"/>
+              <a:t>Situation finale</a:t>
+            </a:r>
+            <a:endParaRPr lang="fr-FR" dirty="0"/>
+          </a:p>
+        </p:txBody>
+      </p:sp>
+      <p:pic>
+        <p:nvPicPr>
+          <p:cNvPr id="10" name="Picture 3" descr="C:\Enseignement\GitHub\Cy_01_PSI_ModelisationLinNonLin\TP\TP_Maxpid_Corrige\python\kp_100_ech_60_65.png"/>
+          <p:cNvPicPr>
+            <a:picLocks noChangeAspect="1" noChangeArrowheads="1"/>
+          </p:cNvPicPr>
+          <p:nvPr/>
+        </p:nvPicPr>
+        <p:blipFill>
+          <a:blip r:embed="rId2" cstate="print">
+            <a:extLst>
+              <a:ext uri="{28A0092B-C50C-407E-A947-70E740481C1C}">
+                <a14:useLocalDpi xmlns:a14="http://schemas.microsoft.com/office/drawing/2010/main" val="0"/>
+              </a:ext>
+            </a:extLst>
+          </a:blip>
+          <a:srcRect/>
+          <a:stretch>
+            <a:fillRect/>
+          </a:stretch>
+        </p:blipFill>
+        <p:spPr bwMode="auto">
+          <a:xfrm>
+            <a:off x="899592" y="1778017"/>
+            <a:ext cx="2481380" cy="1851881"/>
+          </a:xfrm>
+          <a:prstGeom prst="rect">
+            <a:avLst/>
+          </a:prstGeom>
+          <a:noFill/>
+          <a:extLst>
+            <a:ext uri="{909E8E84-426E-40DD-AFC4-6F175D3DCCD1}">
+              <a14:hiddenFill xmlns:a14="http://schemas.microsoft.com/office/drawing/2010/main">
+                <a:solidFill>
+                  <a:srgbClr val="FFFFFF"/>
+                </a:solidFill>
+              </a14:hiddenFill>
+            </a:ext>
+          </a:extLst>
+        </p:spPr>
+      </p:pic>
+    </p:spTree>
+    <p:extLst>
+      <p:ext uri="{BB962C8B-B14F-4D97-AF65-F5344CB8AC3E}">
+        <p14:creationId xmlns:p14="http://schemas.microsoft.com/office/powerpoint/2010/main" val="4196974069"/>
+      </p:ext>
+    </p:extLst>
+  </p:cSld>
+  <p:clrMapOvr>
+    <a:masterClrMapping/>
+  </p:clrMapOvr>
+</p:sld>
+</file>
+
+<file path=ppt/slides/slide7.xml><?xml version="1.0" encoding="utf-8"?>
+<p:sld xmlns:a="http://schemas.openxmlformats.org/drawingml/2006/main" xmlns:r="http://schemas.openxmlformats.org/officeDocument/2006/relationships" xmlns:p="http://schemas.openxmlformats.org/presentationml/2006/main">
+  <p:cSld>
+    <p:spTree>
+      <p:nvGrpSpPr>
+        <p:cNvPr id="1" name=""/>
+        <p:cNvGrpSpPr/>
+        <p:nvPr/>
+      </p:nvGrpSpPr>
+      <p:grpSpPr>
+        <a:xfrm>
+          <a:off x="0" y="0"/>
+          <a:ext cx="0" cy="0"/>
+          <a:chOff x="0" y="0"/>
+          <a:chExt cx="0" cy="0"/>
+        </a:xfrm>
+      </p:grpSpPr>
+      <p:sp>
+        <p:nvSpPr>
+          <p:cNvPr id="2" name="Titre 1"/>
+          <p:cNvSpPr>
+            <a:spLocks noGrp="1"/>
+          </p:cNvSpPr>
+          <p:nvPr>
+            <p:ph type="title"/>
+          </p:nvPr>
+        </p:nvSpPr>
+        <p:spPr/>
+        <p:txBody>
+          <a:bodyPr/>
+          <a:lstStyle/>
+          <a:p>
+            <a:r>
+              <a:rPr lang="fr-FR" dirty="0" smtClean="0"/>
+              <a:t>Mesure et modélisation … du frottement sec</a:t>
+            </a:r>
+            <a:endParaRPr lang="fr-FR" dirty="0"/>
+          </a:p>
+        </p:txBody>
+      </p:sp>
+      <p:sp>
+        <p:nvSpPr>
+          <p:cNvPr id="3" name="Espace réservé du pied de page 2"/>
+          <p:cNvSpPr>
+            <a:spLocks noGrp="1"/>
+          </p:cNvSpPr>
+          <p:nvPr>
+            <p:ph type="ftr" sz="quarter" idx="11"/>
+          </p:nvPr>
+        </p:nvSpPr>
+        <p:spPr/>
+        <p:txBody>
+          <a:bodyPr/>
+          <a:lstStyle/>
+          <a:p>
+            <a:r>
+              <a:rPr lang="fr-FR" smtClean="0"/>
+              <a:t>Modélisation Maxpid - Xavier PESSOLES</a:t>
+            </a:r>
+            <a:endParaRPr lang="fr-FR" dirty="0"/>
+          </a:p>
+        </p:txBody>
+      </p:sp>
+      <p:sp>
+        <p:nvSpPr>
+          <p:cNvPr id="4" name="Espace réservé du numéro de diapositive 3"/>
+          <p:cNvSpPr>
+            <a:spLocks noGrp="1"/>
+          </p:cNvSpPr>
+          <p:nvPr>
+            <p:ph type="sldNum" sz="quarter" idx="12"/>
+          </p:nvPr>
+        </p:nvSpPr>
+        <p:spPr/>
+        <p:txBody>
+          <a:bodyPr/>
+          <a:lstStyle/>
+          <a:p>
+            <a:fld id="{3F1D8263-54E8-442D-88B4-DA252C595E3D}" type="slidenum">
+              <a:rPr lang="fr-FR" smtClean="0"/>
+              <a:pPr/>
+              <a:t>7</a:t>
             </a:fld>
             <a:endParaRPr lang="fr-FR"/>
           </a:p>
@@ -8136,7 +8503,7 @@
 </p:sld>
 </file>
 
-<file path=ppt/slides/slide7.xml><?xml version="1.0" encoding="utf-8"?>
+<file path=ppt/slides/slide8.xml><?xml version="1.0" encoding="utf-8"?>
 <p:sld xmlns:a="http://schemas.openxmlformats.org/drawingml/2006/main" xmlns:r="http://schemas.openxmlformats.org/officeDocument/2006/relationships" xmlns:p="http://schemas.openxmlformats.org/presentationml/2006/main">
   <p:cSld>
     <p:spTree>
@@ -8217,7 +8584,7 @@
             <a:fld id="{3F1D8263-54E8-442D-88B4-DA252C595E3D}" type="slidenum">
               <a:rPr lang="fr-FR" smtClean="0"/>
               <a:pPr/>
-              <a:t>7</a:t>
+              <a:t>8</a:t>
             </a:fld>
             <a:endParaRPr lang="fr-FR"/>
           </a:p>
@@ -8685,7 +9052,7 @@
 </p:sld>
 </file>
 
-<file path=ppt/slides/slide8.xml><?xml version="1.0" encoding="utf-8"?>
+<file path=ppt/slides/slide9.xml><?xml version="1.0" encoding="utf-8"?>
 <p:sld xmlns:a="http://schemas.openxmlformats.org/drawingml/2006/main" xmlns:r="http://schemas.openxmlformats.org/officeDocument/2006/relationships" xmlns:p="http://schemas.openxmlformats.org/presentationml/2006/main">
   <p:cSld>
     <p:spTree>
@@ -8766,7 +9133,7 @@
             <a:fld id="{3F1D8263-54E8-442D-88B4-DA252C595E3D}" type="slidenum">
               <a:rPr lang="fr-FR" smtClean="0"/>
               <a:pPr/>
-              <a:t>8</a:t>
+              <a:t>9</a:t>
             </a:fld>
             <a:endParaRPr lang="fr-FR"/>
           </a:p>
@@ -9334,11 +9701,7 @@
                 <a:pPr lvl="1"/>
                 <a:r>
                   <a:rPr lang="fr-FR" dirty="0" smtClean="0"/>
-                  <a:t>La pente désigne le coefficient de </a:t>
-                </a:r>
-                <a:r>
-                  <a:rPr lang="fr-FR" smtClean="0"/>
-                  <a:t>frottement visqueux.</a:t>
+                  <a:t>La pente désigne le coefficient de frottement visqueux.</a:t>
                 </a:r>
                 <a:endParaRPr lang="fr-FR" dirty="0"/>
               </a:p>
@@ -9383,129 +9746,6 @@
     <p:extLst>
       <p:ext uri="{BB962C8B-B14F-4D97-AF65-F5344CB8AC3E}">
         <p14:creationId xmlns:p14="http://schemas.microsoft.com/office/powerpoint/2010/main" val="3965761391"/>
-      </p:ext>
-    </p:extLst>
-  </p:cSld>
-  <p:clrMapOvr>
-    <a:masterClrMapping/>
-  </p:clrMapOvr>
-</p:sld>
-</file>
-
-<file path=ppt/slides/slide9.xml><?xml version="1.0" encoding="utf-8"?>
-<p:sld xmlns:a="http://schemas.openxmlformats.org/drawingml/2006/main" xmlns:r="http://schemas.openxmlformats.org/officeDocument/2006/relationships" xmlns:p="http://schemas.openxmlformats.org/presentationml/2006/main">
-  <p:cSld>
-    <p:spTree>
-      <p:nvGrpSpPr>
-        <p:cNvPr id="1" name=""/>
-        <p:cNvGrpSpPr/>
-        <p:nvPr/>
-      </p:nvGrpSpPr>
-      <p:grpSpPr>
-        <a:xfrm>
-          <a:off x="0" y="0"/>
-          <a:ext cx="0" cy="0"/>
-          <a:chOff x="0" y="0"/>
-          <a:chExt cx="0" cy="0"/>
-        </a:xfrm>
-      </p:grpSpPr>
-      <p:sp>
-        <p:nvSpPr>
-          <p:cNvPr id="2" name="Titre 1"/>
-          <p:cNvSpPr>
-            <a:spLocks noGrp="1"/>
-          </p:cNvSpPr>
-          <p:nvPr>
-            <p:ph type="title"/>
-          </p:nvPr>
-        </p:nvSpPr>
-        <p:spPr/>
-        <p:txBody>
-          <a:bodyPr/>
-          <a:lstStyle/>
-          <a:p>
-            <a:r>
-              <a:rPr lang="fr-FR" dirty="0" smtClean="0"/>
-              <a:t>Retour sur…</a:t>
-            </a:r>
-            <a:endParaRPr lang="fr-FR" dirty="0"/>
-          </a:p>
-        </p:txBody>
-      </p:sp>
-      <p:sp>
-        <p:nvSpPr>
-          <p:cNvPr id="3" name="Espace réservé du pied de page 2"/>
-          <p:cNvSpPr>
-            <a:spLocks noGrp="1"/>
-          </p:cNvSpPr>
-          <p:nvPr>
-            <p:ph type="ftr" sz="quarter" idx="11"/>
-          </p:nvPr>
-        </p:nvSpPr>
-        <p:spPr/>
-        <p:txBody>
-          <a:bodyPr/>
-          <a:lstStyle/>
-          <a:p>
-            <a:r>
-              <a:rPr lang="fr-FR" smtClean="0"/>
-              <a:t>Modélisation Maxpid - Xavier PESSOLES</a:t>
-            </a:r>
-            <a:endParaRPr lang="fr-FR" dirty="0"/>
-          </a:p>
-        </p:txBody>
-      </p:sp>
-      <p:sp>
-        <p:nvSpPr>
-          <p:cNvPr id="4" name="Espace réservé du numéro de diapositive 3"/>
-          <p:cNvSpPr>
-            <a:spLocks noGrp="1"/>
-          </p:cNvSpPr>
-          <p:nvPr>
-            <p:ph type="sldNum" sz="quarter" idx="12"/>
-          </p:nvPr>
-        </p:nvSpPr>
-        <p:spPr/>
-        <p:txBody>
-          <a:bodyPr/>
-          <a:lstStyle/>
-          <a:p>
-            <a:fld id="{3F1D8263-54E8-442D-88B4-DA252C595E3D}" type="slidenum">
-              <a:rPr lang="fr-FR" smtClean="0"/>
-              <a:pPr/>
-              <a:t>9</a:t>
-            </a:fld>
-            <a:endParaRPr lang="fr-FR"/>
-          </a:p>
-        </p:txBody>
-      </p:sp>
-      <p:sp>
-        <p:nvSpPr>
-          <p:cNvPr id="5" name="Espace réservé du contenu 4"/>
-          <p:cNvSpPr>
-            <a:spLocks noGrp="1"/>
-          </p:cNvSpPr>
-          <p:nvPr>
-            <p:ph sz="quarter" idx="1"/>
-          </p:nvPr>
-        </p:nvSpPr>
-        <p:spPr/>
-        <p:txBody>
-          <a:bodyPr/>
-          <a:lstStyle/>
-          <a:p>
-            <a:r>
-              <a:rPr lang="fr-FR" dirty="0" smtClean="0"/>
-              <a:t>Le potentiomètre</a:t>
-            </a:r>
-            <a:endParaRPr lang="fr-FR" dirty="0"/>
-          </a:p>
-        </p:txBody>
-      </p:sp>
-    </p:spTree>
-    <p:extLst>
-      <p:ext uri="{BB962C8B-B14F-4D97-AF65-F5344CB8AC3E}">
-        <p14:creationId xmlns:p14="http://schemas.microsoft.com/office/powerpoint/2010/main" val="2195751739"/>
       </p:ext>
     </p:extLst>
   </p:cSld>

--- a/TP/TP_Maxpid_Corrige/Cy_01_TP_01_Maxpid_Corrige.pptx
+++ b/TP/TP_Maxpid_Corrige/Cy_01_TP_01_Maxpid_Corrige.pptx
@@ -138,7 +138,7 @@
       </p14:sectionLst>
     </p:ext>
     <p:ext uri="{EFAFB233-063F-42B5-8137-9DF3F51BA10A}">
-      <p15:sldGuideLst xmlns="" xmlns:p15="http://schemas.microsoft.com/office/powerpoint/2012/main">
+      <p15:sldGuideLst xmlns:p15="http://schemas.microsoft.com/office/powerpoint/2012/main" xmlns="">
         <p15:guide id="1" orient="horz" pos="2160">
           <p15:clr>
             <a:srgbClr val="A4A3A4"/>
@@ -242,7 +242,7 @@
             <a:fld id="{E494A05E-DEA9-4CEA-A63B-3593EEF3AC45}" type="datetimeFigureOut">
               <a:rPr lang="fr-FR" smtClean="0"/>
               <a:pPr/>
-              <a:t>17/09/2017</a:t>
+              <a:t>18/09/2017</a:t>
             </a:fld>
             <a:endParaRPr lang="fr-FR"/>
           </a:p>
@@ -741,7 +741,7 @@
           <a:p>
             <a:fld id="{CC95FA96-70A1-42BA-A706-D4E444C34562}" type="datetime1">
               <a:rPr lang="fr-FR" smtClean="0"/>
-              <a:t>17/09/2017</a:t>
+              <a:t>18/09/2017</a:t>
             </a:fld>
             <a:endParaRPr lang="fr-FR"/>
           </a:p>
@@ -1105,7 +1105,7 @@
           <a:p>
             <a:fld id="{426A5825-1F50-4D50-92E1-0E72AE4A59BB}" type="datetime1">
               <a:rPr lang="fr-FR" smtClean="0"/>
-              <a:t>17/09/2017</a:t>
+              <a:t>18/09/2017</a:t>
             </a:fld>
             <a:endParaRPr lang="fr-FR"/>
           </a:p>
@@ -1285,7 +1285,7 @@
           <a:p>
             <a:fld id="{CBB72328-7029-4103-BCD3-A6ECE8732700}" type="datetime1">
               <a:rPr lang="fr-FR" smtClean="0"/>
-              <a:t>17/09/2017</a:t>
+              <a:t>18/09/2017</a:t>
             </a:fld>
             <a:endParaRPr lang="fr-FR"/>
           </a:p>
@@ -1536,7 +1536,7 @@
           <a:p>
             <a:fld id="{FA1B0D04-BBB5-4F25-AA5A-99484955246E}" type="datetime1">
               <a:rPr lang="fr-FR" smtClean="0"/>
-              <a:t>17/09/2017</a:t>
+              <a:t>18/09/2017</a:t>
             </a:fld>
             <a:endParaRPr lang="fr-FR"/>
           </a:p>
@@ -1856,7 +1856,7 @@
           <a:p>
             <a:fld id="{10A0CF33-6AFC-466C-9C5B-BD0172CFA69D}" type="datetime1">
               <a:rPr lang="fr-FR" smtClean="0"/>
-              <a:t>17/09/2017</a:t>
+              <a:t>18/09/2017</a:t>
             </a:fld>
             <a:endParaRPr lang="fr-FR"/>
           </a:p>
@@ -2081,7 +2081,7 @@
           <a:p>
             <a:fld id="{1E83E2B5-0E53-4735-803D-CEB7DA3A073B}" type="datetime1">
               <a:rPr lang="fr-FR" smtClean="0"/>
-              <a:t>17/09/2017</a:t>
+              <a:t>18/09/2017</a:t>
             </a:fld>
             <a:endParaRPr lang="fr-FR"/>
           </a:p>
@@ -2438,7 +2438,7 @@
           <a:p>
             <a:fld id="{E242849D-DAEF-4F0D-B2E6-8B9959E56613}" type="datetime1">
               <a:rPr lang="fr-FR" smtClean="0"/>
-              <a:t>17/09/2017</a:t>
+              <a:t>18/09/2017</a:t>
             </a:fld>
             <a:endParaRPr lang="fr-FR"/>
           </a:p>
@@ -2675,7 +2675,7 @@
           <a:p>
             <a:fld id="{F3AD1393-B7EE-4EA6-AAF9-4739A24F6786}" type="datetime1">
               <a:rPr lang="fr-FR" smtClean="0"/>
-              <a:t>17/09/2017</a:t>
+              <a:t>18/09/2017</a:t>
             </a:fld>
             <a:endParaRPr lang="fr-FR"/>
           </a:p>
@@ -2820,7 +2820,7 @@
           <a:p>
             <a:fld id="{95204A30-D83D-4274-B989-37A554940359}" type="datetime1">
               <a:rPr lang="fr-FR" smtClean="0"/>
-              <a:t>17/09/2017</a:t>
+              <a:t>18/09/2017</a:t>
             </a:fld>
             <a:endParaRPr lang="fr-FR"/>
           </a:p>
@@ -3102,7 +3102,7 @@
           <a:p>
             <a:fld id="{5D107F44-7B84-41A9-93D8-BCC02E2D8BA4}" type="datetime1">
               <a:rPr lang="fr-FR" smtClean="0"/>
-              <a:t>17/09/2017</a:t>
+              <a:t>18/09/2017</a:t>
             </a:fld>
             <a:endParaRPr lang="fr-FR"/>
           </a:p>
@@ -3514,7 +3514,7 @@
           <a:p>
             <a:fld id="{5B2850C0-1685-4B27-B8DC-19C813B79761}" type="datetime1">
               <a:rPr lang="fr-FR" smtClean="0"/>
-              <a:t>17/09/2017</a:t>
+              <a:t>18/09/2017</a:t>
             </a:fld>
             <a:endParaRPr lang="fr-FR"/>
           </a:p>
@@ -3857,7 +3857,7 @@
           <a:p>
             <a:fld id="{7FA61870-FC82-422D-A1B6-5A3784CBD855}" type="datetime1">
               <a:rPr lang="fr-FR" smtClean="0"/>
-              <a:t>17/09/2017</a:t>
+              <a:t>18/09/2017</a:t>
             </a:fld>
             <a:endParaRPr lang="fr-FR"/>
           </a:p>
@@ -4663,19 +4663,7 @@
                 <a:pPr algn="ctr"/>
                 <a:r>
                   <a:rPr lang="fr-FR" dirty="0"/>
-                  <a:t>Lycée de La Martinière </a:t>
-                </a:r>
-                <a:r>
-                  <a:rPr lang="fr-FR" dirty="0" err="1"/>
-                  <a:t>Monplaisir</a:t>
-                </a:r>
-                <a:r>
-                  <a:rPr lang="fr-FR" dirty="0"/>
-                  <a:t> </a:t>
-                </a:r>
-                <a:r>
-                  <a:rPr lang="fr-FR"/>
-                  <a:t>– PSI</a:t>
+                  <a:t>Lycée de La Martinière Monplaisir – PSI</a:t>
                 </a:r>
                 <a14:m>
                   <m:oMath xmlns:m="http://schemas.openxmlformats.org/officeDocument/2006/math">
@@ -4780,7 +4768,11 @@
           <a:p>
             <a:r>
               <a:rPr lang="fr-FR" dirty="0" smtClean="0"/>
-              <a:t>Retour sur…</a:t>
+              <a:t>Retour sur</a:t>
+            </a:r>
+            <a:r>
+              <a:rPr lang="fr-FR" dirty="0" smtClean="0"/>
+              <a:t>… le potentiomètre</a:t>
             </a:r>
             <a:endParaRPr lang="fr-FR" dirty="0"/>
           </a:p>
@@ -4835,7 +4827,7 @@
       </p:sp>
       <p:sp>
         <p:nvSpPr>
-          <p:cNvPr id="5" name="Espace réservé du contenu 4"/>
+          <p:cNvPr id="6" name="Espace réservé du contenu 5"/>
           <p:cNvSpPr>
             <a:spLocks noGrp="1"/>
           </p:cNvSpPr>
@@ -4848,14 +4840,64 @@
           <a:bodyPr/>
           <a:lstStyle/>
           <a:p>
-            <a:r>
-              <a:rPr lang="fr-FR" dirty="0" smtClean="0"/>
-              <a:t>Le potentiomètre</a:t>
-            </a:r>
-            <a:endParaRPr lang="fr-FR" dirty="0"/>
-          </a:p>
-        </p:txBody>
-      </p:sp>
+            <a:endParaRPr lang="fr-FR"/>
+          </a:p>
+        </p:txBody>
+      </p:sp>
+      <p:pic>
+        <p:nvPicPr>
+          <p:cNvPr id="2050" name="Picture 2"/>
+          <p:cNvPicPr>
+            <a:picLocks noChangeAspect="1" noChangeArrowheads="1"/>
+          </p:cNvPicPr>
+          <p:nvPr/>
+        </p:nvPicPr>
+        <p:blipFill>
+          <a:blip r:embed="rId2">
+            <a:extLst>
+              <a:ext uri="{28A0092B-C50C-407E-A947-70E740481C1C}">
+                <a14:useLocalDpi xmlns:a14="http://schemas.microsoft.com/office/drawing/2010/main" val="0"/>
+              </a:ext>
+            </a:extLst>
+          </a:blip>
+          <a:srcRect/>
+          <a:stretch>
+            <a:fillRect/>
+          </a:stretch>
+        </p:blipFill>
+        <p:spPr bwMode="auto">
+          <a:xfrm>
+            <a:off x="683568" y="1196751"/>
+            <a:ext cx="7416824" cy="5056925"/>
+          </a:xfrm>
+          <a:prstGeom prst="rect">
+            <a:avLst/>
+          </a:prstGeom>
+          <a:noFill/>
+          <a:ln>
+            <a:noFill/>
+          </a:ln>
+          <a:extLst>
+            <a:ext uri="{909E8E84-426E-40DD-AFC4-6F175D3DCCD1}">
+              <a14:hiddenFill xmlns:a14="http://schemas.microsoft.com/office/drawing/2010/main">
+                <a:solidFill>
+                  <a:schemeClr val="accent1"/>
+                </a:solidFill>
+              </a14:hiddenFill>
+            </a:ext>
+            <a:ext uri="{91240B29-F687-4F45-9708-019B960494DF}">
+              <a14:hiddenLine xmlns:a14="http://schemas.microsoft.com/office/drawing/2010/main" w="9525">
+                <a:solidFill>
+                  <a:schemeClr val="tx1"/>
+                </a:solidFill>
+                <a:miter lim="800000"/>
+                <a:headEnd/>
+                <a:tailEnd/>
+              </a14:hiddenLine>
+            </a:ext>
+          </a:extLst>
+        </p:spPr>
+      </p:pic>
     </p:spTree>
     <p:extLst>
       <p:ext uri="{BB962C8B-B14F-4D97-AF65-F5344CB8AC3E}">
@@ -7920,7 +7962,11 @@
           <a:bodyPr/>
           <a:lstStyle/>
           <a:p>
-            <a:endParaRPr lang="fr-FR"/>
+            <a:r>
+              <a:rPr lang="fr-FR" dirty="0" smtClean="0"/>
+              <a:t>Tentative de poster</a:t>
+            </a:r>
+            <a:endParaRPr lang="fr-FR" dirty="0"/>
           </a:p>
         </p:txBody>
       </p:sp>
@@ -7973,14 +8019,14 @@
       </p:sp>
       <p:sp>
         <p:nvSpPr>
-          <p:cNvPr id="6" name="ZoneTexte 5"/>
+          <p:cNvPr id="7" name="ZoneTexte 6"/>
           <p:cNvSpPr txBox="1"/>
           <p:nvPr/>
         </p:nvSpPr>
         <p:spPr>
-          <a:xfrm>
-            <a:off x="251520" y="1268760"/>
-            <a:ext cx="8640960" cy="369332"/>
+          <a:xfrm rot="16200000">
+            <a:off x="-762677" y="2530387"/>
+            <a:ext cx="2028388" cy="369332"/>
           </a:xfrm>
           <a:prstGeom prst="rect">
             <a:avLst/>
@@ -7995,49 +8041,6 @@
           <a:p>
             <a:pPr algn="ctr"/>
             <a:r>
-              <a:rPr lang="fr-FR" b="1" dirty="0" smtClean="0">
-                <a:solidFill>
-                  <a:schemeClr val="accent6">
-                    <a:lumMod val="50000"/>
-                  </a:schemeClr>
-                </a:solidFill>
-              </a:rPr>
-              <a:t>OBJECTIF : Réduire les écarts Modèle – réel </a:t>
-            </a:r>
-            <a:endParaRPr lang="fr-FR" b="1" dirty="0">
-              <a:solidFill>
-                <a:schemeClr val="accent6">
-                  <a:lumMod val="50000"/>
-                </a:schemeClr>
-              </a:solidFill>
-            </a:endParaRPr>
-          </a:p>
-        </p:txBody>
-      </p:sp>
-      <p:sp>
-        <p:nvSpPr>
-          <p:cNvPr id="7" name="ZoneTexte 6"/>
-          <p:cNvSpPr txBox="1"/>
-          <p:nvPr/>
-        </p:nvSpPr>
-        <p:spPr>
-          <a:xfrm rot="16200000">
-            <a:off x="-762677" y="2446164"/>
-            <a:ext cx="2028388" cy="369332"/>
-          </a:xfrm>
-          <a:prstGeom prst="rect">
-            <a:avLst/>
-          </a:prstGeom>
-          <a:noFill/>
-        </p:spPr>
-        <p:txBody>
-          <a:bodyPr wrap="square" rtlCol="0">
-            <a:spAutoFit/>
-          </a:bodyPr>
-          <a:lstStyle/>
-          <a:p>
-            <a:pPr algn="ctr"/>
-            <a:r>
               <a:rPr lang="fr-FR" dirty="0" smtClean="0"/>
               <a:t>Situation initiale</a:t>
             </a:r>
@@ -8053,7 +8056,7 @@
         </p:nvSpPr>
         <p:spPr>
           <a:xfrm rot="16200000">
-            <a:off x="-756592" y="4579074"/>
+            <a:off x="-756596" y="4948673"/>
             <a:ext cx="2016224" cy="369332"/>
           </a:xfrm>
           <a:prstGeom prst="rect">
@@ -8099,8 +8102,8 @@
         </p:blipFill>
         <p:spPr bwMode="auto">
           <a:xfrm>
-            <a:off x="899592" y="1778017"/>
-            <a:ext cx="2481380" cy="1851881"/>
+            <a:off x="508429" y="1506029"/>
+            <a:ext cx="3240000" cy="2418048"/>
           </a:xfrm>
           <a:prstGeom prst="rect">
             <a:avLst/>
@@ -8117,6 +8120,1440 @@
           </a:extLst>
         </p:spPr>
       </p:pic>
+      <p:pic>
+        <p:nvPicPr>
+          <p:cNvPr id="1026" name="Picture 2" descr="C:\Enseignement\GitHub\Cy_01_PSI_ModelisationLinNonLin\TP\TP_Maxpid_Corrige\python\figure_1.png"/>
+          <p:cNvPicPr>
+            <a:picLocks noChangeAspect="1" noChangeArrowheads="1"/>
+          </p:cNvPicPr>
+          <p:nvPr/>
+        </p:nvPicPr>
+        <p:blipFill>
+          <a:blip r:embed="rId3" cstate="print">
+            <a:extLst>
+              <a:ext uri="{28A0092B-C50C-407E-A947-70E740481C1C}">
+                <a14:useLocalDpi xmlns:a14="http://schemas.microsoft.com/office/drawing/2010/main" val="0"/>
+              </a:ext>
+            </a:extLst>
+          </a:blip>
+          <a:srcRect/>
+          <a:stretch>
+            <a:fillRect/>
+          </a:stretch>
+        </p:blipFill>
+        <p:spPr bwMode="auto">
+          <a:xfrm>
+            <a:off x="508430" y="3924077"/>
+            <a:ext cx="3240640" cy="2418524"/>
+          </a:xfrm>
+          <a:prstGeom prst="rect">
+            <a:avLst/>
+          </a:prstGeom>
+          <a:noFill/>
+          <a:extLst>
+            <a:ext uri="{909E8E84-426E-40DD-AFC4-6F175D3DCCD1}">
+              <a14:hiddenFill xmlns:a14="http://schemas.microsoft.com/office/drawing/2010/main">
+                <a:solidFill>
+                  <a:srgbClr val="FFFFFF"/>
+                </a:solidFill>
+              </a14:hiddenFill>
+            </a:ext>
+          </a:extLst>
+        </p:spPr>
+      </p:pic>
+      <p:sp>
+        <p:nvSpPr>
+          <p:cNvPr id="6" name="ZoneTexte 5"/>
+          <p:cNvSpPr txBox="1"/>
+          <p:nvPr/>
+        </p:nvSpPr>
+        <p:spPr>
+          <a:xfrm>
+            <a:off x="251520" y="1268760"/>
+            <a:ext cx="8640960" cy="369332"/>
+          </a:xfrm>
+          <a:prstGeom prst="rect">
+            <a:avLst/>
+          </a:prstGeom>
+          <a:noFill/>
+        </p:spPr>
+        <p:txBody>
+          <a:bodyPr wrap="square" rtlCol="0">
+            <a:spAutoFit/>
+          </a:bodyPr>
+          <a:lstStyle/>
+          <a:p>
+            <a:pPr algn="ctr"/>
+            <a:r>
+              <a:rPr lang="fr-FR" b="1" dirty="0" smtClean="0">
+                <a:solidFill>
+                  <a:schemeClr val="accent6">
+                    <a:lumMod val="50000"/>
+                  </a:schemeClr>
+                </a:solidFill>
+              </a:rPr>
+              <a:t>OBJECTIF : Réduire les écarts Modèle – réel </a:t>
+            </a:r>
+            <a:endParaRPr lang="fr-FR" b="1" dirty="0">
+              <a:solidFill>
+                <a:schemeClr val="accent6">
+                  <a:lumMod val="50000"/>
+                </a:schemeClr>
+              </a:solidFill>
+            </a:endParaRPr>
+          </a:p>
+        </p:txBody>
+      </p:sp>
+      <p:graphicFrame>
+        <p:nvGraphicFramePr>
+          <p:cNvPr id="5" name="Tableau 4"/>
+          <p:cNvGraphicFramePr>
+            <a:graphicFrameLocks noGrp="1"/>
+          </p:cNvGraphicFramePr>
+          <p:nvPr>
+            <p:extLst>
+              <p:ext uri="{D42A27DB-BD31-4B8C-83A1-F6EECF244321}">
+                <p14:modId xmlns:p14="http://schemas.microsoft.com/office/powerpoint/2010/main" val="529439224"/>
+              </p:ext>
+            </p:extLst>
+          </p:nvPr>
+        </p:nvGraphicFramePr>
+        <p:xfrm>
+          <a:off x="3563888" y="1916832"/>
+          <a:ext cx="3600400" cy="1371600"/>
+        </p:xfrm>
+        <a:graphic>
+          <a:graphicData uri="http://schemas.openxmlformats.org/drawingml/2006/table">
+            <a:tbl>
+              <a:tblPr firstRow="1" bandRow="1">
+                <a:tableStyleId>{5C22544A-7EE6-4342-B048-85BDC9FD1C3A}</a:tableStyleId>
+              </a:tblPr>
+              <a:tblGrid>
+                <a:gridCol w="900100"/>
+                <a:gridCol w="900100"/>
+                <a:gridCol w="900100"/>
+                <a:gridCol w="900100"/>
+              </a:tblGrid>
+              <a:tr h="191063">
+                <a:tc>
+                  <a:txBody>
+                    <a:bodyPr/>
+                    <a:lstStyle/>
+                    <a:p>
+                      <a:pPr algn="ctr"/>
+                      <a:endParaRPr lang="fr-FR" sz="1200" dirty="0"/>
+                    </a:p>
+                  </a:txBody>
+                  <a:tcPr/>
+                </a:tc>
+                <a:tc>
+                  <a:txBody>
+                    <a:bodyPr/>
+                    <a:lstStyle/>
+                    <a:p>
+                      <a:pPr algn="ctr"/>
+                      <a:r>
+                        <a:rPr lang="fr-FR" sz="1200" dirty="0" smtClean="0"/>
+                        <a:t>Modèle</a:t>
+                      </a:r>
+                      <a:endParaRPr lang="fr-FR" sz="1200" dirty="0"/>
+                    </a:p>
+                  </a:txBody>
+                  <a:tcPr/>
+                </a:tc>
+                <a:tc>
+                  <a:txBody>
+                    <a:bodyPr/>
+                    <a:lstStyle/>
+                    <a:p>
+                      <a:pPr algn="ctr"/>
+                      <a:r>
+                        <a:rPr lang="fr-FR" sz="1200" dirty="0" smtClean="0"/>
+                        <a:t>Réel</a:t>
+                      </a:r>
+                      <a:endParaRPr lang="fr-FR" sz="1200" dirty="0"/>
+                    </a:p>
+                  </a:txBody>
+                  <a:tcPr/>
+                </a:tc>
+                <a:tc>
+                  <a:txBody>
+                    <a:bodyPr/>
+                    <a:lstStyle/>
+                    <a:p>
+                      <a:pPr algn="ctr"/>
+                      <a:r>
+                        <a:rPr lang="fr-FR" sz="1200" dirty="0" smtClean="0"/>
+                        <a:t>Écart</a:t>
+                      </a:r>
+                      <a:endParaRPr lang="fr-FR" sz="1200" dirty="0"/>
+                    </a:p>
+                  </a:txBody>
+                  <a:tcPr/>
+                </a:tc>
+              </a:tr>
+              <a:tr h="191063">
+                <a:tc>
+                  <a:txBody>
+                    <a:bodyPr/>
+                    <a:lstStyle/>
+                    <a:p>
+                      <a:pPr algn="ctr"/>
+                      <a:r>
+                        <a:rPr lang="fr-FR" sz="1200" dirty="0" err="1" smtClean="0"/>
+                        <a:t>Tpic</a:t>
+                      </a:r>
+                      <a:endParaRPr lang="fr-FR" sz="1200" dirty="0"/>
+                    </a:p>
+                  </a:txBody>
+                  <a:tcPr/>
+                </a:tc>
+                <a:tc>
+                  <a:txBody>
+                    <a:bodyPr/>
+                    <a:lstStyle/>
+                    <a:p>
+                      <a:pPr algn="ctr"/>
+                      <a:r>
+                        <a:rPr lang="fr-FR" sz="1200" dirty="0" smtClean="0"/>
+                        <a:t>0,016 s</a:t>
+                      </a:r>
+                      <a:endParaRPr lang="fr-FR" sz="1200" dirty="0"/>
+                    </a:p>
+                  </a:txBody>
+                  <a:tcPr/>
+                </a:tc>
+                <a:tc>
+                  <a:txBody>
+                    <a:bodyPr/>
+                    <a:lstStyle/>
+                    <a:p>
+                      <a:pPr algn="ctr"/>
+                      <a:r>
+                        <a:rPr lang="fr-FR" sz="1200" dirty="0" smtClean="0"/>
+                        <a:t>0,14 s</a:t>
+                      </a:r>
+                      <a:endParaRPr lang="fr-FR" sz="1200" dirty="0"/>
+                    </a:p>
+                  </a:txBody>
+                  <a:tcPr/>
+                </a:tc>
+                <a:tc>
+                  <a:txBody>
+                    <a:bodyPr/>
+                    <a:lstStyle/>
+                    <a:p>
+                      <a:pPr algn="ctr"/>
+                      <a:r>
+                        <a:rPr lang="fr-FR" sz="1200" dirty="0" smtClean="0"/>
+                        <a:t>88%</a:t>
+                      </a:r>
+                      <a:endParaRPr lang="fr-FR" sz="1200" dirty="0"/>
+                    </a:p>
+                  </a:txBody>
+                  <a:tcPr/>
+                </a:tc>
+              </a:tr>
+              <a:tr h="191063">
+                <a:tc>
+                  <a:txBody>
+                    <a:bodyPr/>
+                    <a:lstStyle/>
+                    <a:p>
+                      <a:pPr marL="0" marR="0" indent="0" algn="ctr" defTabSz="914400" rtl="0" eaLnBrk="1" fontAlgn="auto" latinLnBrk="0" hangingPunct="1">
+                        <a:lnSpc>
+                          <a:spcPct val="100000"/>
+                        </a:lnSpc>
+                        <a:spcBef>
+                          <a:spcPts val="0"/>
+                        </a:spcBef>
+                        <a:spcAft>
+                          <a:spcPts val="0"/>
+                        </a:spcAft>
+                        <a:buClrTx/>
+                        <a:buSzTx/>
+                        <a:buFontTx/>
+                        <a:buNone/>
+                        <a:tabLst/>
+                        <a:defRPr/>
+                      </a:pPr>
+                      <a:r>
+                        <a:rPr lang="fr-FR" sz="1200" dirty="0" smtClean="0"/>
+                        <a:t>T5%</a:t>
+                      </a:r>
+                    </a:p>
+                  </a:txBody>
+                  <a:tcPr/>
+                </a:tc>
+                <a:tc>
+                  <a:txBody>
+                    <a:bodyPr/>
+                    <a:lstStyle/>
+                    <a:p>
+                      <a:pPr algn="ctr"/>
+                      <a:r>
+                        <a:rPr lang="fr-FR" sz="1200" dirty="0" smtClean="0"/>
+                        <a:t>0,1s</a:t>
+                      </a:r>
+                      <a:endParaRPr lang="fr-FR" sz="1200" dirty="0"/>
+                    </a:p>
+                  </a:txBody>
+                  <a:tcPr/>
+                </a:tc>
+                <a:tc>
+                  <a:txBody>
+                    <a:bodyPr/>
+                    <a:lstStyle/>
+                    <a:p>
+                      <a:pPr algn="ctr"/>
+                      <a:r>
+                        <a:rPr lang="fr-FR" sz="1200" dirty="0" smtClean="0"/>
+                        <a:t>0,12s</a:t>
+                      </a:r>
+                      <a:endParaRPr lang="fr-FR" sz="1200" dirty="0"/>
+                    </a:p>
+                  </a:txBody>
+                  <a:tcPr/>
+                </a:tc>
+                <a:tc>
+                  <a:txBody>
+                    <a:bodyPr/>
+                    <a:lstStyle/>
+                    <a:p>
+                      <a:pPr algn="ctr"/>
+                      <a:r>
+                        <a:rPr lang="fr-FR" sz="1200" dirty="0" smtClean="0"/>
+                        <a:t>16%</a:t>
+                      </a:r>
+                      <a:endParaRPr lang="fr-FR" sz="1200" dirty="0"/>
+                    </a:p>
+                  </a:txBody>
+                  <a:tcPr/>
+                </a:tc>
+              </a:tr>
+              <a:tr h="191063">
+                <a:tc>
+                  <a:txBody>
+                    <a:bodyPr/>
+                    <a:lstStyle/>
+                    <a:p>
+                      <a:pPr algn="ctr"/>
+                      <a:r>
+                        <a:rPr lang="fr-FR" sz="1200" dirty="0" smtClean="0"/>
+                        <a:t>Es</a:t>
+                      </a:r>
+                      <a:endParaRPr lang="fr-FR" sz="1200" dirty="0"/>
+                    </a:p>
+                  </a:txBody>
+                  <a:tcPr/>
+                </a:tc>
+                <a:tc>
+                  <a:txBody>
+                    <a:bodyPr/>
+                    <a:lstStyle/>
+                    <a:p>
+                      <a:pPr algn="ctr"/>
+                      <a:r>
+                        <a:rPr lang="fr-FR" sz="1200" dirty="0" smtClean="0"/>
+                        <a:t>?</a:t>
+                      </a:r>
+                      <a:endParaRPr lang="fr-FR" sz="1200" dirty="0"/>
+                    </a:p>
+                  </a:txBody>
+                  <a:tcPr/>
+                </a:tc>
+                <a:tc>
+                  <a:txBody>
+                    <a:bodyPr/>
+                    <a:lstStyle/>
+                    <a:p>
+                      <a:pPr algn="ctr"/>
+                      <a:r>
+                        <a:rPr lang="fr-FR" sz="1200" dirty="0" smtClean="0"/>
+                        <a:t>0,4°</a:t>
+                      </a:r>
+                      <a:endParaRPr lang="fr-FR" sz="1200" dirty="0"/>
+                    </a:p>
+                  </a:txBody>
+                  <a:tcPr/>
+                </a:tc>
+                <a:tc>
+                  <a:txBody>
+                    <a:bodyPr/>
+                    <a:lstStyle/>
+                    <a:p>
+                      <a:pPr algn="ctr"/>
+                      <a:endParaRPr lang="fr-FR" sz="1200" dirty="0"/>
+                    </a:p>
+                  </a:txBody>
+                  <a:tcPr/>
+                </a:tc>
+              </a:tr>
+              <a:tr h="191063">
+                <a:tc>
+                  <a:txBody>
+                    <a:bodyPr/>
+                    <a:lstStyle/>
+                    <a:p>
+                      <a:pPr algn="ctr"/>
+                      <a:r>
+                        <a:rPr lang="fr-FR" sz="1200" dirty="0" err="1" smtClean="0"/>
+                        <a:t>Dépasst</a:t>
+                      </a:r>
+                      <a:r>
+                        <a:rPr lang="fr-FR" sz="1200" dirty="0" smtClean="0"/>
+                        <a:t>.</a:t>
+                      </a:r>
+                      <a:endParaRPr lang="fr-FR" sz="1200" dirty="0"/>
+                    </a:p>
+                  </a:txBody>
+                  <a:tcPr/>
+                </a:tc>
+                <a:tc>
+                  <a:txBody>
+                    <a:bodyPr/>
+                    <a:lstStyle/>
+                    <a:p>
+                      <a:pPr algn="ctr"/>
+                      <a:r>
+                        <a:rPr lang="fr-FR" sz="1200" dirty="0" smtClean="0"/>
+                        <a:t>60%</a:t>
+                      </a:r>
+                      <a:endParaRPr lang="fr-FR" sz="1200" dirty="0"/>
+                    </a:p>
+                  </a:txBody>
+                  <a:tcPr/>
+                </a:tc>
+                <a:tc>
+                  <a:txBody>
+                    <a:bodyPr/>
+                    <a:lstStyle/>
+                    <a:p>
+                      <a:pPr algn="ctr"/>
+                      <a:r>
+                        <a:rPr lang="fr-FR" sz="1200" dirty="0" smtClean="0"/>
+                        <a:t>0%</a:t>
+                      </a:r>
+                      <a:endParaRPr lang="fr-FR" sz="1200" dirty="0"/>
+                    </a:p>
+                  </a:txBody>
+                  <a:tcPr/>
+                </a:tc>
+                <a:tc>
+                  <a:txBody>
+                    <a:bodyPr/>
+                    <a:lstStyle/>
+                    <a:p>
+                      <a:pPr algn="ctr"/>
+                      <a:endParaRPr lang="fr-FR" sz="1200" dirty="0"/>
+                    </a:p>
+                  </a:txBody>
+                  <a:tcPr/>
+                </a:tc>
+              </a:tr>
+            </a:tbl>
+          </a:graphicData>
+        </a:graphic>
+      </p:graphicFrame>
+      <p:graphicFrame>
+        <p:nvGraphicFramePr>
+          <p:cNvPr id="12" name="Tableau 11"/>
+          <p:cNvGraphicFramePr>
+            <a:graphicFrameLocks noGrp="1"/>
+          </p:cNvGraphicFramePr>
+          <p:nvPr>
+            <p:extLst>
+              <p:ext uri="{D42A27DB-BD31-4B8C-83A1-F6EECF244321}">
+                <p14:modId xmlns:p14="http://schemas.microsoft.com/office/powerpoint/2010/main" val="1881082525"/>
+              </p:ext>
+            </p:extLst>
+          </p:nvPr>
+        </p:nvGraphicFramePr>
+        <p:xfrm>
+          <a:off x="3563888" y="4769851"/>
+          <a:ext cx="3600400" cy="1371600"/>
+        </p:xfrm>
+        <a:graphic>
+          <a:graphicData uri="http://schemas.openxmlformats.org/drawingml/2006/table">
+            <a:tbl>
+              <a:tblPr firstRow="1" bandRow="1">
+                <a:tableStyleId>{5C22544A-7EE6-4342-B048-85BDC9FD1C3A}</a:tableStyleId>
+              </a:tblPr>
+              <a:tblGrid>
+                <a:gridCol w="900100"/>
+                <a:gridCol w="900100"/>
+                <a:gridCol w="900100"/>
+                <a:gridCol w="900100"/>
+              </a:tblGrid>
+              <a:tr h="191063">
+                <a:tc>
+                  <a:txBody>
+                    <a:bodyPr/>
+                    <a:lstStyle/>
+                    <a:p>
+                      <a:pPr algn="ctr"/>
+                      <a:endParaRPr lang="fr-FR" sz="1200" dirty="0"/>
+                    </a:p>
+                  </a:txBody>
+                  <a:tcPr/>
+                </a:tc>
+                <a:tc>
+                  <a:txBody>
+                    <a:bodyPr/>
+                    <a:lstStyle/>
+                    <a:p>
+                      <a:pPr algn="ctr"/>
+                      <a:r>
+                        <a:rPr lang="fr-FR" sz="1200" dirty="0" smtClean="0"/>
+                        <a:t>Modèle</a:t>
+                      </a:r>
+                      <a:endParaRPr lang="fr-FR" sz="1200" dirty="0"/>
+                    </a:p>
+                  </a:txBody>
+                  <a:tcPr/>
+                </a:tc>
+                <a:tc>
+                  <a:txBody>
+                    <a:bodyPr/>
+                    <a:lstStyle/>
+                    <a:p>
+                      <a:pPr algn="ctr"/>
+                      <a:r>
+                        <a:rPr lang="fr-FR" sz="1200" dirty="0" smtClean="0"/>
+                        <a:t>Réel</a:t>
+                      </a:r>
+                      <a:endParaRPr lang="fr-FR" sz="1200" dirty="0"/>
+                    </a:p>
+                  </a:txBody>
+                  <a:tcPr/>
+                </a:tc>
+                <a:tc>
+                  <a:txBody>
+                    <a:bodyPr/>
+                    <a:lstStyle/>
+                    <a:p>
+                      <a:pPr algn="ctr"/>
+                      <a:r>
+                        <a:rPr lang="fr-FR" sz="1200" dirty="0" smtClean="0"/>
+                        <a:t>Écart</a:t>
+                      </a:r>
+                      <a:endParaRPr lang="fr-FR" sz="1200" dirty="0"/>
+                    </a:p>
+                  </a:txBody>
+                  <a:tcPr/>
+                </a:tc>
+              </a:tr>
+              <a:tr h="191063">
+                <a:tc>
+                  <a:txBody>
+                    <a:bodyPr/>
+                    <a:lstStyle/>
+                    <a:p>
+                      <a:pPr algn="ctr"/>
+                      <a:r>
+                        <a:rPr lang="fr-FR" sz="1200" dirty="0" err="1" smtClean="0"/>
+                        <a:t>Tpic</a:t>
+                      </a:r>
+                      <a:endParaRPr lang="fr-FR" sz="1200" dirty="0"/>
+                    </a:p>
+                  </a:txBody>
+                  <a:tcPr/>
+                </a:tc>
+                <a:tc>
+                  <a:txBody>
+                    <a:bodyPr/>
+                    <a:lstStyle/>
+                    <a:p>
+                      <a:pPr algn="ctr"/>
+                      <a:r>
+                        <a:rPr lang="fr-FR" sz="1200" dirty="0" smtClean="0"/>
+                        <a:t>0,08s</a:t>
+                      </a:r>
+                      <a:endParaRPr lang="fr-FR" sz="1200" dirty="0"/>
+                    </a:p>
+                  </a:txBody>
+                  <a:tcPr/>
+                </a:tc>
+                <a:tc>
+                  <a:txBody>
+                    <a:bodyPr/>
+                    <a:lstStyle/>
+                    <a:p>
+                      <a:pPr algn="ctr"/>
+                      <a:r>
+                        <a:rPr lang="fr-FR" sz="1200" dirty="0" smtClean="0"/>
+                        <a:t>0,14 s</a:t>
+                      </a:r>
+                      <a:endParaRPr lang="fr-FR" sz="1200" dirty="0"/>
+                    </a:p>
+                  </a:txBody>
+                  <a:tcPr/>
+                </a:tc>
+                <a:tc>
+                  <a:txBody>
+                    <a:bodyPr/>
+                    <a:lstStyle/>
+                    <a:p>
+                      <a:pPr algn="ctr"/>
+                      <a:r>
+                        <a:rPr lang="fr-FR" sz="1200" dirty="0" smtClean="0"/>
+                        <a:t>42%</a:t>
+                      </a:r>
+                      <a:endParaRPr lang="fr-FR" sz="1200" dirty="0"/>
+                    </a:p>
+                  </a:txBody>
+                  <a:tcPr/>
+                </a:tc>
+              </a:tr>
+              <a:tr h="191063">
+                <a:tc>
+                  <a:txBody>
+                    <a:bodyPr/>
+                    <a:lstStyle/>
+                    <a:p>
+                      <a:pPr marL="0" marR="0" indent="0" algn="ctr" defTabSz="914400" rtl="0" eaLnBrk="1" fontAlgn="auto" latinLnBrk="0" hangingPunct="1">
+                        <a:lnSpc>
+                          <a:spcPct val="100000"/>
+                        </a:lnSpc>
+                        <a:spcBef>
+                          <a:spcPts val="0"/>
+                        </a:spcBef>
+                        <a:spcAft>
+                          <a:spcPts val="0"/>
+                        </a:spcAft>
+                        <a:buClrTx/>
+                        <a:buSzTx/>
+                        <a:buFontTx/>
+                        <a:buNone/>
+                        <a:tabLst/>
+                        <a:defRPr/>
+                      </a:pPr>
+                      <a:r>
+                        <a:rPr lang="fr-FR" sz="1200" dirty="0" smtClean="0"/>
+                        <a:t>T5%</a:t>
+                      </a:r>
+                    </a:p>
+                  </a:txBody>
+                  <a:tcPr/>
+                </a:tc>
+                <a:tc>
+                  <a:txBody>
+                    <a:bodyPr/>
+                    <a:lstStyle/>
+                    <a:p>
+                      <a:pPr algn="ctr"/>
+                      <a:r>
+                        <a:rPr lang="fr-FR" sz="1200" dirty="0" smtClean="0"/>
+                        <a:t>0,08s</a:t>
+                      </a:r>
+                      <a:endParaRPr lang="fr-FR" sz="1200" dirty="0"/>
+                    </a:p>
+                  </a:txBody>
+                  <a:tcPr/>
+                </a:tc>
+                <a:tc>
+                  <a:txBody>
+                    <a:bodyPr/>
+                    <a:lstStyle/>
+                    <a:p>
+                      <a:pPr algn="ctr"/>
+                      <a:r>
+                        <a:rPr lang="fr-FR" sz="1200" dirty="0" smtClean="0"/>
+                        <a:t>0,12s</a:t>
+                      </a:r>
+                      <a:endParaRPr lang="fr-FR" sz="1200" dirty="0"/>
+                    </a:p>
+                  </a:txBody>
+                  <a:tcPr/>
+                </a:tc>
+                <a:tc>
+                  <a:txBody>
+                    <a:bodyPr/>
+                    <a:lstStyle/>
+                    <a:p>
+                      <a:pPr algn="ctr"/>
+                      <a:r>
+                        <a:rPr lang="fr-FR" sz="1200" dirty="0" smtClean="0"/>
+                        <a:t>33%</a:t>
+                      </a:r>
+                      <a:endParaRPr lang="fr-FR" sz="1200" dirty="0"/>
+                    </a:p>
+                  </a:txBody>
+                  <a:tcPr/>
+                </a:tc>
+              </a:tr>
+              <a:tr h="191063">
+                <a:tc>
+                  <a:txBody>
+                    <a:bodyPr/>
+                    <a:lstStyle/>
+                    <a:p>
+                      <a:pPr algn="ctr"/>
+                      <a:r>
+                        <a:rPr lang="fr-FR" sz="1200" dirty="0" smtClean="0"/>
+                        <a:t>Es</a:t>
+                      </a:r>
+                      <a:endParaRPr lang="fr-FR" sz="1200" dirty="0"/>
+                    </a:p>
+                  </a:txBody>
+                  <a:tcPr/>
+                </a:tc>
+                <a:tc>
+                  <a:txBody>
+                    <a:bodyPr/>
+                    <a:lstStyle/>
+                    <a:p>
+                      <a:pPr algn="ctr"/>
+                      <a:r>
+                        <a:rPr lang="fr-FR" sz="1200" dirty="0" smtClean="0"/>
+                        <a:t>0,02°</a:t>
+                      </a:r>
+                      <a:endParaRPr lang="fr-FR" sz="1200" dirty="0"/>
+                    </a:p>
+                  </a:txBody>
+                  <a:tcPr/>
+                </a:tc>
+                <a:tc>
+                  <a:txBody>
+                    <a:bodyPr/>
+                    <a:lstStyle/>
+                    <a:p>
+                      <a:pPr algn="ctr"/>
+                      <a:r>
+                        <a:rPr lang="fr-FR" sz="1200" dirty="0" smtClean="0"/>
+                        <a:t>0,4°</a:t>
+                      </a:r>
+                      <a:endParaRPr lang="fr-FR" sz="1200" dirty="0"/>
+                    </a:p>
+                  </a:txBody>
+                  <a:tcPr/>
+                </a:tc>
+                <a:tc>
+                  <a:txBody>
+                    <a:bodyPr/>
+                    <a:lstStyle/>
+                    <a:p>
+                      <a:pPr algn="ctr"/>
+                      <a:r>
+                        <a:rPr lang="fr-FR" sz="1200" dirty="0" smtClean="0"/>
+                        <a:t>95%</a:t>
+                      </a:r>
+                      <a:endParaRPr lang="fr-FR" sz="1200" dirty="0"/>
+                    </a:p>
+                  </a:txBody>
+                  <a:tcPr/>
+                </a:tc>
+              </a:tr>
+              <a:tr h="191063">
+                <a:tc>
+                  <a:txBody>
+                    <a:bodyPr/>
+                    <a:lstStyle/>
+                    <a:p>
+                      <a:pPr marL="0" marR="0" indent="0" algn="ctr" defTabSz="914400" rtl="0" eaLnBrk="1" fontAlgn="auto" latinLnBrk="0" hangingPunct="1">
+                        <a:lnSpc>
+                          <a:spcPct val="100000"/>
+                        </a:lnSpc>
+                        <a:spcBef>
+                          <a:spcPts val="0"/>
+                        </a:spcBef>
+                        <a:spcAft>
+                          <a:spcPts val="0"/>
+                        </a:spcAft>
+                        <a:buClrTx/>
+                        <a:buSzTx/>
+                        <a:buFontTx/>
+                        <a:buNone/>
+                        <a:tabLst/>
+                        <a:defRPr/>
+                      </a:pPr>
+                      <a:r>
+                        <a:rPr lang="fr-FR" sz="1200" dirty="0" err="1" smtClean="0"/>
+                        <a:t>Dépasst</a:t>
+                      </a:r>
+                      <a:r>
+                        <a:rPr lang="fr-FR" sz="1200" dirty="0" smtClean="0"/>
+                        <a:t>.</a:t>
+                      </a:r>
+                    </a:p>
+                  </a:txBody>
+                  <a:tcPr/>
+                </a:tc>
+                <a:tc>
+                  <a:txBody>
+                    <a:bodyPr/>
+                    <a:lstStyle/>
+                    <a:p>
+                      <a:pPr algn="ctr"/>
+                      <a:r>
+                        <a:rPr lang="fr-FR" sz="1200" dirty="0" smtClean="0"/>
+                        <a:t>4%</a:t>
+                      </a:r>
+                      <a:endParaRPr lang="fr-FR" sz="1200" dirty="0"/>
+                    </a:p>
+                  </a:txBody>
+                  <a:tcPr/>
+                </a:tc>
+                <a:tc>
+                  <a:txBody>
+                    <a:bodyPr/>
+                    <a:lstStyle/>
+                    <a:p>
+                      <a:pPr algn="ctr"/>
+                      <a:r>
+                        <a:rPr lang="fr-FR" sz="1200" dirty="0" smtClean="0"/>
+                        <a:t>0%</a:t>
+                      </a:r>
+                      <a:endParaRPr lang="fr-FR" sz="1200" dirty="0"/>
+                    </a:p>
+                  </a:txBody>
+                  <a:tcPr/>
+                </a:tc>
+                <a:tc>
+                  <a:txBody>
+                    <a:bodyPr/>
+                    <a:lstStyle/>
+                    <a:p>
+                      <a:pPr algn="ctr"/>
+                      <a:endParaRPr lang="fr-FR" sz="1200" dirty="0"/>
+                    </a:p>
+                  </a:txBody>
+                  <a:tcPr/>
+                </a:tc>
+              </a:tr>
+            </a:tbl>
+          </a:graphicData>
+        </a:graphic>
+      </p:graphicFrame>
+      <p:sp>
+        <p:nvSpPr>
+          <p:cNvPr id="8" name="Flèche vers le bas 7"/>
+          <p:cNvSpPr/>
+          <p:nvPr/>
+        </p:nvSpPr>
+        <p:spPr>
+          <a:xfrm>
+            <a:off x="3749070" y="3580230"/>
+            <a:ext cx="432048" cy="1008112"/>
+          </a:xfrm>
+          <a:prstGeom prst="downArrow">
+            <a:avLst/>
+          </a:prstGeom>
+        </p:spPr>
+        <p:style>
+          <a:lnRef idx="2">
+            <a:schemeClr val="accent1">
+              <a:shade val="50000"/>
+            </a:schemeClr>
+          </a:lnRef>
+          <a:fillRef idx="1">
+            <a:schemeClr val="accent1"/>
+          </a:fillRef>
+          <a:effectRef idx="0">
+            <a:schemeClr val="accent1"/>
+          </a:effectRef>
+          <a:fontRef idx="minor">
+            <a:schemeClr val="lt1"/>
+          </a:fontRef>
+        </p:style>
+        <p:txBody>
+          <a:bodyPr rtlCol="0" anchor="ctr"/>
+          <a:lstStyle/>
+          <a:p>
+            <a:pPr algn="ctr"/>
+            <a:endParaRPr lang="fr-FR"/>
+          </a:p>
+        </p:txBody>
+      </p:sp>
+      <p:sp>
+        <p:nvSpPr>
+          <p:cNvPr id="14" name="ZoneTexte 13"/>
+          <p:cNvSpPr txBox="1"/>
+          <p:nvPr/>
+        </p:nvSpPr>
+        <p:spPr>
+          <a:xfrm>
+            <a:off x="4181118" y="3572679"/>
+            <a:ext cx="2898834" cy="830997"/>
+          </a:xfrm>
+          <a:prstGeom prst="rect">
+            <a:avLst/>
+          </a:prstGeom>
+          <a:noFill/>
+        </p:spPr>
+        <p:txBody>
+          <a:bodyPr wrap="square" rtlCol="0">
+            <a:spAutoFit/>
+          </a:bodyPr>
+          <a:lstStyle/>
+          <a:p>
+            <a:r>
+              <a:rPr lang="fr-FR" sz="1200" b="1" dirty="0" smtClean="0">
+                <a:solidFill>
+                  <a:schemeClr val="accent6">
+                    <a:lumMod val="50000"/>
+                  </a:schemeClr>
+                </a:solidFill>
+              </a:rPr>
+              <a:t> * Intégration de la saturation en tensio</a:t>
+            </a:r>
+            <a:r>
+              <a:rPr lang="fr-FR" sz="1200" b="1" dirty="0" smtClean="0">
+                <a:solidFill>
+                  <a:schemeClr val="accent6">
+                    <a:lumMod val="50000"/>
+                  </a:schemeClr>
+                </a:solidFill>
+              </a:rPr>
+              <a:t>n de le commande</a:t>
+            </a:r>
+          </a:p>
+          <a:p>
+            <a:r>
+              <a:rPr lang="fr-FR" sz="1200" b="1" dirty="0" smtClean="0">
+                <a:solidFill>
+                  <a:schemeClr val="accent6">
+                    <a:lumMod val="50000"/>
+                  </a:schemeClr>
+                </a:solidFill>
+              </a:rPr>
+              <a:t> * Intégration du frottement sec</a:t>
+            </a:r>
+          </a:p>
+          <a:p>
+            <a:r>
+              <a:rPr lang="fr-FR" sz="1200" b="1" dirty="0">
+                <a:solidFill>
+                  <a:schemeClr val="accent6">
+                    <a:lumMod val="50000"/>
+                  </a:schemeClr>
+                </a:solidFill>
+              </a:rPr>
+              <a:t> </a:t>
+            </a:r>
+            <a:r>
+              <a:rPr lang="fr-FR" sz="1200" b="1" dirty="0" smtClean="0">
+                <a:solidFill>
+                  <a:schemeClr val="accent6">
+                    <a:lumMod val="50000"/>
+                  </a:schemeClr>
+                </a:solidFill>
+              </a:rPr>
+              <a:t>* Intégration du frottement visqueux</a:t>
+            </a:r>
+            <a:endParaRPr lang="fr-FR" sz="1200" b="1" dirty="0">
+              <a:solidFill>
+                <a:schemeClr val="accent6">
+                  <a:lumMod val="50000"/>
+                </a:schemeClr>
+              </a:solidFill>
+            </a:endParaRPr>
+          </a:p>
+        </p:txBody>
+      </p:sp>
+      <p:sp>
+        <p:nvSpPr>
+          <p:cNvPr id="13" name="Rectangle 12"/>
+          <p:cNvSpPr/>
+          <p:nvPr/>
+        </p:nvSpPr>
+        <p:spPr>
+          <a:xfrm>
+            <a:off x="983184" y="3057010"/>
+            <a:ext cx="2376264" cy="523220"/>
+          </a:xfrm>
+          <a:prstGeom prst="rect">
+            <a:avLst/>
+          </a:prstGeom>
+        </p:spPr>
+        <p:txBody>
+          <a:bodyPr wrap="square">
+            <a:spAutoFit/>
+          </a:bodyPr>
+          <a:lstStyle/>
+          <a:p>
+            <a:pPr algn="ctr"/>
+            <a:r>
+              <a:rPr lang="fr-FR" sz="1400" b="1" dirty="0" smtClean="0">
+                <a:solidFill>
+                  <a:schemeClr val="accent6">
+                    <a:lumMod val="50000"/>
+                  </a:schemeClr>
+                </a:solidFill>
+              </a:rPr>
+              <a:t>Modèle linéaire réponse à un échelon de 5°</a:t>
+            </a:r>
+            <a:endParaRPr lang="fr-FR" sz="1400" dirty="0"/>
+          </a:p>
+        </p:txBody>
+      </p:sp>
+      <p:sp>
+        <p:nvSpPr>
+          <p:cNvPr id="16" name="Rectangle 15"/>
+          <p:cNvSpPr/>
+          <p:nvPr/>
+        </p:nvSpPr>
+        <p:spPr>
+          <a:xfrm>
+            <a:off x="905384" y="5445224"/>
+            <a:ext cx="2531864" cy="523220"/>
+          </a:xfrm>
+          <a:prstGeom prst="rect">
+            <a:avLst/>
+          </a:prstGeom>
+        </p:spPr>
+        <p:txBody>
+          <a:bodyPr wrap="square">
+            <a:spAutoFit/>
+          </a:bodyPr>
+          <a:lstStyle/>
+          <a:p>
+            <a:pPr algn="ctr"/>
+            <a:r>
+              <a:rPr lang="fr-FR" sz="1400" b="1" dirty="0" smtClean="0">
+                <a:solidFill>
+                  <a:schemeClr val="accent6">
+                    <a:lumMod val="50000"/>
+                  </a:schemeClr>
+                </a:solidFill>
+              </a:rPr>
+              <a:t>Modèle non linéaire réponse à un échelon de 5°</a:t>
+            </a:r>
+            <a:endParaRPr lang="fr-FR" sz="1400" dirty="0"/>
+          </a:p>
+        </p:txBody>
+      </p:sp>
+      <p:sp>
+        <p:nvSpPr>
+          <p:cNvPr id="17" name="Rectangle 16"/>
+          <p:cNvSpPr/>
+          <p:nvPr/>
+        </p:nvSpPr>
+        <p:spPr>
+          <a:xfrm>
+            <a:off x="905384" y="6188712"/>
+            <a:ext cx="2531864" cy="276999"/>
+          </a:xfrm>
+          <a:prstGeom prst="rect">
+            <a:avLst/>
+          </a:prstGeom>
+        </p:spPr>
+        <p:txBody>
+          <a:bodyPr wrap="square">
+            <a:spAutoFit/>
+          </a:bodyPr>
+          <a:lstStyle/>
+          <a:p>
+            <a:pPr algn="ctr"/>
+            <a:r>
+              <a:rPr lang="fr-FR" sz="1200" dirty="0">
+                <a:solidFill>
+                  <a:schemeClr val="accent6">
+                    <a:lumMod val="50000"/>
+                  </a:schemeClr>
+                </a:solidFill>
+              </a:rPr>
+              <a:t>Temps(s)</a:t>
+            </a:r>
+            <a:endParaRPr lang="fr-FR" sz="1200" dirty="0"/>
+          </a:p>
+        </p:txBody>
+      </p:sp>
+      <p:sp>
+        <p:nvSpPr>
+          <p:cNvPr id="18" name="Rectangle 17"/>
+          <p:cNvSpPr/>
+          <p:nvPr/>
+        </p:nvSpPr>
+        <p:spPr>
+          <a:xfrm>
+            <a:off x="905384" y="3743358"/>
+            <a:ext cx="2531864" cy="276999"/>
+          </a:xfrm>
+          <a:prstGeom prst="rect">
+            <a:avLst/>
+          </a:prstGeom>
+        </p:spPr>
+        <p:txBody>
+          <a:bodyPr wrap="square">
+            <a:spAutoFit/>
+          </a:bodyPr>
+          <a:lstStyle/>
+          <a:p>
+            <a:pPr algn="ctr"/>
+            <a:r>
+              <a:rPr lang="fr-FR" sz="1200" dirty="0" smtClean="0">
+                <a:solidFill>
+                  <a:schemeClr val="accent6">
+                    <a:lumMod val="50000"/>
+                  </a:schemeClr>
+                </a:solidFill>
+              </a:rPr>
+              <a:t>Temps(s)</a:t>
+            </a:r>
+            <a:endParaRPr lang="fr-FR" sz="1200" dirty="0"/>
+          </a:p>
+        </p:txBody>
+      </p:sp>
+      <p:sp>
+        <p:nvSpPr>
+          <p:cNvPr id="19" name="Rectangle 18"/>
+          <p:cNvSpPr/>
+          <p:nvPr/>
+        </p:nvSpPr>
+        <p:spPr>
+          <a:xfrm rot="16200000">
+            <a:off x="-459543" y="2570631"/>
+            <a:ext cx="2068456" cy="276999"/>
+          </a:xfrm>
+          <a:prstGeom prst="rect">
+            <a:avLst/>
+          </a:prstGeom>
+        </p:spPr>
+        <p:txBody>
+          <a:bodyPr wrap="square">
+            <a:spAutoFit/>
+          </a:bodyPr>
+          <a:lstStyle/>
+          <a:p>
+            <a:pPr algn="ctr"/>
+            <a:r>
+              <a:rPr lang="fr-FR" sz="1200" dirty="0" smtClean="0">
+                <a:solidFill>
+                  <a:schemeClr val="accent6">
+                    <a:lumMod val="50000"/>
+                  </a:schemeClr>
+                </a:solidFill>
+              </a:rPr>
+              <a:t>Angle bras (°)</a:t>
+            </a:r>
+            <a:endParaRPr lang="fr-FR" sz="1200" dirty="0"/>
+          </a:p>
+        </p:txBody>
+      </p:sp>
+      <p:sp>
+        <p:nvSpPr>
+          <p:cNvPr id="20" name="Rectangle 19"/>
+          <p:cNvSpPr/>
+          <p:nvPr/>
+        </p:nvSpPr>
+        <p:spPr>
+          <a:xfrm rot="16200000">
+            <a:off x="-459543" y="4916087"/>
+            <a:ext cx="2068456" cy="276999"/>
+          </a:xfrm>
+          <a:prstGeom prst="rect">
+            <a:avLst/>
+          </a:prstGeom>
+        </p:spPr>
+        <p:txBody>
+          <a:bodyPr wrap="square">
+            <a:spAutoFit/>
+          </a:bodyPr>
+          <a:lstStyle/>
+          <a:p>
+            <a:pPr algn="ctr"/>
+            <a:r>
+              <a:rPr lang="fr-FR" sz="1200" dirty="0" smtClean="0">
+                <a:solidFill>
+                  <a:schemeClr val="accent6">
+                    <a:lumMod val="50000"/>
+                  </a:schemeClr>
+                </a:solidFill>
+              </a:rPr>
+              <a:t>Angle bras (°)</a:t>
+            </a:r>
+            <a:endParaRPr lang="fr-FR" sz="1200" dirty="0"/>
+          </a:p>
+        </p:txBody>
+      </p:sp>
+      <p:sp>
+        <p:nvSpPr>
+          <p:cNvPr id="24" name="Flèche courbée vers la gauche 23"/>
+          <p:cNvSpPr/>
+          <p:nvPr/>
+        </p:nvSpPr>
+        <p:spPr>
+          <a:xfrm>
+            <a:off x="7222341" y="2267195"/>
+            <a:ext cx="288032" cy="2952328"/>
+          </a:xfrm>
+          <a:prstGeom prst="curvedLeftArrow">
+            <a:avLst>
+              <a:gd name="adj1" fmla="val 0"/>
+              <a:gd name="adj2" fmla="val 71595"/>
+              <a:gd name="adj3" fmla="val 46424"/>
+            </a:avLst>
+          </a:prstGeom>
+          <a:solidFill>
+            <a:srgbClr val="00B050"/>
+          </a:solidFill>
+          <a:ln>
+            <a:solidFill>
+              <a:srgbClr val="00B050"/>
+            </a:solidFill>
+          </a:ln>
+        </p:spPr>
+        <p:style>
+          <a:lnRef idx="2">
+            <a:schemeClr val="accent1">
+              <a:shade val="50000"/>
+            </a:schemeClr>
+          </a:lnRef>
+          <a:fillRef idx="1">
+            <a:schemeClr val="accent1"/>
+          </a:fillRef>
+          <a:effectRef idx="0">
+            <a:schemeClr val="accent1"/>
+          </a:effectRef>
+          <a:fontRef idx="minor">
+            <a:schemeClr val="lt1"/>
+          </a:fontRef>
+        </p:style>
+        <p:txBody>
+          <a:bodyPr rtlCol="0" anchor="ctr"/>
+          <a:lstStyle/>
+          <a:p>
+            <a:pPr algn="ctr"/>
+            <a:endParaRPr lang="fr-FR">
+              <a:solidFill>
+                <a:schemeClr val="tx1"/>
+              </a:solidFill>
+            </a:endParaRPr>
+          </a:p>
+        </p:txBody>
+      </p:sp>
+      <p:sp>
+        <p:nvSpPr>
+          <p:cNvPr id="25" name="Flèche courbée vers la gauche 24"/>
+          <p:cNvSpPr/>
+          <p:nvPr/>
+        </p:nvSpPr>
+        <p:spPr>
+          <a:xfrm>
+            <a:off x="7673565" y="2649063"/>
+            <a:ext cx="288032" cy="2952328"/>
+          </a:xfrm>
+          <a:prstGeom prst="curvedLeftArrow">
+            <a:avLst>
+              <a:gd name="adj1" fmla="val 0"/>
+              <a:gd name="adj2" fmla="val 71595"/>
+              <a:gd name="adj3" fmla="val 46424"/>
+            </a:avLst>
+          </a:prstGeom>
+          <a:solidFill>
+            <a:srgbClr val="FF0000"/>
+          </a:solidFill>
+          <a:ln>
+            <a:solidFill>
+              <a:srgbClr val="FF0000"/>
+            </a:solidFill>
+          </a:ln>
+        </p:spPr>
+        <p:style>
+          <a:lnRef idx="2">
+            <a:schemeClr val="accent1">
+              <a:shade val="50000"/>
+            </a:schemeClr>
+          </a:lnRef>
+          <a:fillRef idx="1">
+            <a:schemeClr val="accent1"/>
+          </a:fillRef>
+          <a:effectRef idx="0">
+            <a:schemeClr val="accent1"/>
+          </a:effectRef>
+          <a:fontRef idx="minor">
+            <a:schemeClr val="lt1"/>
+          </a:fontRef>
+        </p:style>
+        <p:txBody>
+          <a:bodyPr rtlCol="0" anchor="ctr"/>
+          <a:lstStyle/>
+          <a:p>
+            <a:pPr algn="ctr"/>
+            <a:endParaRPr lang="fr-FR">
+              <a:solidFill>
+                <a:schemeClr val="tx1"/>
+              </a:solidFill>
+            </a:endParaRPr>
+          </a:p>
+        </p:txBody>
+      </p:sp>
+      <p:sp>
+        <p:nvSpPr>
+          <p:cNvPr id="26" name="Flèche courbée vers la gauche 25"/>
+          <p:cNvSpPr/>
+          <p:nvPr/>
+        </p:nvSpPr>
+        <p:spPr>
+          <a:xfrm>
+            <a:off x="8244408" y="3183160"/>
+            <a:ext cx="288032" cy="2952328"/>
+          </a:xfrm>
+          <a:prstGeom prst="curvedLeftArrow">
+            <a:avLst>
+              <a:gd name="adj1" fmla="val 0"/>
+              <a:gd name="adj2" fmla="val 71595"/>
+              <a:gd name="adj3" fmla="val 46424"/>
+            </a:avLst>
+          </a:prstGeom>
+          <a:solidFill>
+            <a:srgbClr val="00B050"/>
+          </a:solidFill>
+          <a:ln>
+            <a:solidFill>
+              <a:srgbClr val="00B050"/>
+            </a:solidFill>
+          </a:ln>
+        </p:spPr>
+        <p:style>
+          <a:lnRef idx="2">
+            <a:schemeClr val="accent1">
+              <a:shade val="50000"/>
+            </a:schemeClr>
+          </a:lnRef>
+          <a:fillRef idx="1">
+            <a:schemeClr val="accent1"/>
+          </a:fillRef>
+          <a:effectRef idx="0">
+            <a:schemeClr val="accent1"/>
+          </a:effectRef>
+          <a:fontRef idx="minor">
+            <a:schemeClr val="lt1"/>
+          </a:fontRef>
+        </p:style>
+        <p:txBody>
+          <a:bodyPr rtlCol="0" anchor="ctr"/>
+          <a:lstStyle/>
+          <a:p>
+            <a:pPr algn="ctr"/>
+            <a:endParaRPr lang="fr-FR">
+              <a:solidFill>
+                <a:schemeClr val="tx1"/>
+              </a:solidFill>
+            </a:endParaRPr>
+          </a:p>
+        </p:txBody>
+      </p:sp>
+      <p:sp>
+        <p:nvSpPr>
+          <p:cNvPr id="27" name="Rectangle 26"/>
+          <p:cNvSpPr/>
+          <p:nvPr/>
+        </p:nvSpPr>
+        <p:spPr>
+          <a:xfrm>
+            <a:off x="7356865" y="2125843"/>
+            <a:ext cx="1639356" cy="523220"/>
+          </a:xfrm>
+          <a:prstGeom prst="rect">
+            <a:avLst/>
+          </a:prstGeom>
+        </p:spPr>
+        <p:txBody>
+          <a:bodyPr wrap="square">
+            <a:spAutoFit/>
+          </a:bodyPr>
+          <a:lstStyle/>
+          <a:p>
+            <a:pPr algn="ctr"/>
+            <a:r>
+              <a:rPr lang="fr-FR" sz="1400" b="1" dirty="0" smtClean="0">
+                <a:solidFill>
+                  <a:schemeClr val="accent6">
+                    <a:lumMod val="50000"/>
+                  </a:schemeClr>
+                </a:solidFill>
+              </a:rPr>
+              <a:t>Diminution de l’écart sur le </a:t>
+            </a:r>
+            <a:r>
+              <a:rPr lang="fr-FR" sz="1400" b="1" dirty="0" err="1" smtClean="0">
+                <a:solidFill>
+                  <a:schemeClr val="accent6">
+                    <a:lumMod val="50000"/>
+                  </a:schemeClr>
+                </a:solidFill>
+              </a:rPr>
+              <a:t>Tpic</a:t>
+            </a:r>
+            <a:endParaRPr lang="fr-FR" sz="1400" dirty="0"/>
+          </a:p>
+        </p:txBody>
+      </p:sp>
+      <p:sp>
+        <p:nvSpPr>
+          <p:cNvPr id="28" name="Rectangle 27"/>
+          <p:cNvSpPr/>
+          <p:nvPr/>
+        </p:nvSpPr>
+        <p:spPr>
+          <a:xfrm>
+            <a:off x="7339868" y="2875383"/>
+            <a:ext cx="1326419" cy="307777"/>
+          </a:xfrm>
+          <a:prstGeom prst="rect">
+            <a:avLst/>
+          </a:prstGeom>
+        </p:spPr>
+        <p:txBody>
+          <a:bodyPr wrap="square">
+            <a:spAutoFit/>
+          </a:bodyPr>
+          <a:lstStyle/>
+          <a:p>
+            <a:pPr algn="ctr"/>
+            <a:r>
+              <a:rPr lang="fr-FR" sz="1400" b="1" dirty="0" smtClean="0">
+                <a:solidFill>
+                  <a:schemeClr val="accent6">
+                    <a:lumMod val="50000"/>
+                  </a:schemeClr>
+                </a:solidFill>
+                <a:sym typeface="Wingdings" panose="05000000000000000000" pitchFamily="2" charset="2"/>
+              </a:rPr>
+              <a:t> </a:t>
+            </a:r>
+            <a:endParaRPr lang="fr-FR" sz="1400" dirty="0"/>
+          </a:p>
+        </p:txBody>
+      </p:sp>
+      <p:sp>
+        <p:nvSpPr>
+          <p:cNvPr id="29" name="Rectangle 28"/>
+          <p:cNvSpPr/>
+          <p:nvPr/>
+        </p:nvSpPr>
+        <p:spPr>
+          <a:xfrm>
+            <a:off x="7424730" y="5879841"/>
+            <a:ext cx="1639356" cy="523220"/>
+          </a:xfrm>
+          <a:prstGeom prst="rect">
+            <a:avLst/>
+          </a:prstGeom>
+        </p:spPr>
+        <p:txBody>
+          <a:bodyPr wrap="square">
+            <a:spAutoFit/>
+          </a:bodyPr>
+          <a:lstStyle/>
+          <a:p>
+            <a:pPr algn="ctr"/>
+            <a:r>
+              <a:rPr lang="fr-FR" sz="1400" b="1" dirty="0" smtClean="0">
+                <a:solidFill>
+                  <a:schemeClr val="accent6">
+                    <a:lumMod val="50000"/>
+                  </a:schemeClr>
+                </a:solidFill>
+              </a:rPr>
+              <a:t>Diminution de l’écart sur le Es</a:t>
+            </a:r>
+            <a:endParaRPr lang="fr-FR" sz="1400" dirty="0"/>
+          </a:p>
+        </p:txBody>
+      </p:sp>
     </p:spTree>
     <p:extLst>
       <p:ext uri="{BB962C8B-B14F-4D97-AF65-F5344CB8AC3E}">
@@ -8217,8 +9654,8 @@
           </a:p>
         </p:txBody>
       </p:sp>
-      <mc:AlternateContent xmlns:mc="http://schemas.openxmlformats.org/markup-compatibility/2006">
-        <mc:Choice xmlns:a14="http://schemas.microsoft.com/office/drawing/2010/main" Requires="a14">
+      <mc:AlternateContent xmlns:mc="http://schemas.openxmlformats.org/markup-compatibility/2006" xmlns:a14="http://schemas.microsoft.com/office/drawing/2010/main">
+        <mc:Choice Requires="a14">
           <p:sp>
             <p:nvSpPr>
               <p:cNvPr id="5" name="Espace réservé du contenu 4"/>
@@ -8398,7 +9835,7 @@
             </p:txBody>
           </p:sp>
         </mc:Choice>
-        <mc:Fallback>
+        <mc:Fallback xmlns="">
           <p:sp>
             <p:nvSpPr>
               <p:cNvPr id="5" name="Espace réservé du contenu 4"/>
@@ -8590,8 +10027,8 @@
           </a:p>
         </p:txBody>
       </p:sp>
-      <mc:AlternateContent xmlns:mc="http://schemas.openxmlformats.org/markup-compatibility/2006">
-        <mc:Choice xmlns:a14="http://schemas.microsoft.com/office/drawing/2010/main" Requires="a14">
+      <mc:AlternateContent xmlns:mc="http://schemas.openxmlformats.org/markup-compatibility/2006" xmlns:a14="http://schemas.microsoft.com/office/drawing/2010/main">
+        <mc:Choice Requires="a14">
           <p:sp>
             <p:nvSpPr>
               <p:cNvPr id="5" name="Espace réservé du contenu 4"/>
@@ -8702,7 +10139,7 @@
             </p:txBody>
           </p:sp>
         </mc:Choice>
-        <mc:Fallback>
+        <mc:Fallback xmlns="">
           <p:sp>
             <p:nvSpPr>
               <p:cNvPr id="5" name="Espace réservé du contenu 4"/>
@@ -8907,8 +10344,8 @@
               </a:fontRef>
             </p:style>
           </p:cxnSp>
-          <mc:AlternateContent xmlns:mc="http://schemas.openxmlformats.org/markup-compatibility/2006">
-            <mc:Choice xmlns:a14="http://schemas.microsoft.com/office/drawing/2010/main" Requires="a14">
+          <mc:AlternateContent xmlns:mc="http://schemas.openxmlformats.org/markup-compatibility/2006" xmlns:a14="http://schemas.microsoft.com/office/drawing/2010/main">
+            <mc:Choice Requires="a14">
               <p:sp>
                 <p:nvSpPr>
                   <p:cNvPr id="18" name="Rectangle 17"/>
@@ -8930,6 +10367,7 @@
                   </a:bodyPr>
                   <a:lstStyle/>
                   <a:p>
+                    <a:pPr/>
                     <a14:m>
                       <m:oMathPara xmlns:m="http://schemas.openxmlformats.org/officeDocument/2006/math">
                         <m:oMathParaPr>
@@ -8953,7 +10391,7 @@
                 </p:txBody>
               </p:sp>
             </mc:Choice>
-            <mc:Fallback>
+            <mc:Fallback xmlns="">
               <p:sp>
                 <p:nvSpPr>
                   <p:cNvPr id="18" name="Rectangle 17"/>
@@ -9139,8 +10577,8 @@
           </a:p>
         </p:txBody>
       </p:sp>
-      <mc:AlternateContent xmlns:mc="http://schemas.openxmlformats.org/markup-compatibility/2006">
-        <mc:Choice xmlns:a14="http://schemas.microsoft.com/office/drawing/2010/main" Requires="a14">
+      <mc:AlternateContent xmlns:mc="http://schemas.openxmlformats.org/markup-compatibility/2006" xmlns:a14="http://schemas.microsoft.com/office/drawing/2010/main">
+        <mc:Choice Requires="a14">
           <p:sp>
             <p:nvSpPr>
               <p:cNvPr id="5" name="Espace réservé du contenu 4"/>
@@ -9708,7 +11146,7 @@
             </p:txBody>
           </p:sp>
         </mc:Choice>
-        <mc:Fallback>
+        <mc:Fallback xmlns="">
           <p:sp>
             <p:nvSpPr>
               <p:cNvPr id="5" name="Espace réservé du contenu 4"/>

--- a/TP/TP_Maxpid_Corrige/Cy_01_TP_01_Maxpid_Corrige.pptx
+++ b/TP/TP_Maxpid_Corrige/Cy_01_TP_01_Maxpid_Corrige.pptx
@@ -5,7 +5,7 @@
     <p:sldMasterId id="2147483684" r:id="rId1"/>
   </p:sldMasterIdLst>
   <p:notesMasterIdLst>
-    <p:notesMasterId r:id="rId13"/>
+    <p:notesMasterId r:id="rId16"/>
   </p:notesMasterIdLst>
   <p:sldIdLst>
     <p:sldId id="256" r:id="rId2"/>
@@ -19,6 +19,9 @@
     <p:sldId id="265" r:id="rId10"/>
     <p:sldId id="262" r:id="rId11"/>
     <p:sldId id="263" r:id="rId12"/>
+    <p:sldId id="268" r:id="rId13"/>
+    <p:sldId id="269" r:id="rId14"/>
+    <p:sldId id="270" r:id="rId15"/>
   </p:sldIdLst>
   <p:sldSz cx="9144000" cy="6858000" type="screen4x3"/>
   <p:notesSz cx="6858000" cy="9144000"/>
@@ -133,12 +136,15 @@
             <p14:sldId id="265"/>
             <p14:sldId id="262"/>
             <p14:sldId id="263"/>
+            <p14:sldId id="268"/>
+            <p14:sldId id="269"/>
+            <p14:sldId id="270"/>
           </p14:sldIdLst>
         </p14:section>
       </p14:sectionLst>
     </p:ext>
     <p:ext uri="{EFAFB233-063F-42B5-8137-9DF3F51BA10A}">
-      <p15:sldGuideLst xmlns:p15="http://schemas.microsoft.com/office/powerpoint/2012/main" xmlns="">
+      <p15:sldGuideLst xmlns="" xmlns:p15="http://schemas.microsoft.com/office/powerpoint/2012/main">
         <p15:guide id="1" orient="horz" pos="2160">
           <p15:clr>
             <a:srgbClr val="A4A3A4"/>
@@ -242,7 +248,7 @@
             <a:fld id="{E494A05E-DEA9-4CEA-A63B-3593EEF3AC45}" type="datetimeFigureOut">
               <a:rPr lang="fr-FR" smtClean="0"/>
               <a:pPr/>
-              <a:t>18/09/2017</a:t>
+              <a:t>22/09/2017</a:t>
             </a:fld>
             <a:endParaRPr lang="fr-FR"/>
           </a:p>
@@ -741,7 +747,7 @@
           <a:p>
             <a:fld id="{CC95FA96-70A1-42BA-A706-D4E444C34562}" type="datetime1">
               <a:rPr lang="fr-FR" smtClean="0"/>
-              <a:t>18/09/2017</a:t>
+              <a:t>22/09/2017</a:t>
             </a:fld>
             <a:endParaRPr lang="fr-FR"/>
           </a:p>
@@ -1105,7 +1111,7 @@
           <a:p>
             <a:fld id="{426A5825-1F50-4D50-92E1-0E72AE4A59BB}" type="datetime1">
               <a:rPr lang="fr-FR" smtClean="0"/>
-              <a:t>18/09/2017</a:t>
+              <a:t>22/09/2017</a:t>
             </a:fld>
             <a:endParaRPr lang="fr-FR"/>
           </a:p>
@@ -1285,7 +1291,7 @@
           <a:p>
             <a:fld id="{CBB72328-7029-4103-BCD3-A6ECE8732700}" type="datetime1">
               <a:rPr lang="fr-FR" smtClean="0"/>
-              <a:t>18/09/2017</a:t>
+              <a:t>22/09/2017</a:t>
             </a:fld>
             <a:endParaRPr lang="fr-FR"/>
           </a:p>
@@ -1536,7 +1542,7 @@
           <a:p>
             <a:fld id="{FA1B0D04-BBB5-4F25-AA5A-99484955246E}" type="datetime1">
               <a:rPr lang="fr-FR" smtClean="0"/>
-              <a:t>18/09/2017</a:t>
+              <a:t>22/09/2017</a:t>
             </a:fld>
             <a:endParaRPr lang="fr-FR"/>
           </a:p>
@@ -1856,7 +1862,7 @@
           <a:p>
             <a:fld id="{10A0CF33-6AFC-466C-9C5B-BD0172CFA69D}" type="datetime1">
               <a:rPr lang="fr-FR" smtClean="0"/>
-              <a:t>18/09/2017</a:t>
+              <a:t>22/09/2017</a:t>
             </a:fld>
             <a:endParaRPr lang="fr-FR"/>
           </a:p>
@@ -2081,7 +2087,7 @@
           <a:p>
             <a:fld id="{1E83E2B5-0E53-4735-803D-CEB7DA3A073B}" type="datetime1">
               <a:rPr lang="fr-FR" smtClean="0"/>
-              <a:t>18/09/2017</a:t>
+              <a:t>22/09/2017</a:t>
             </a:fld>
             <a:endParaRPr lang="fr-FR"/>
           </a:p>
@@ -2438,7 +2444,7 @@
           <a:p>
             <a:fld id="{E242849D-DAEF-4F0D-B2E6-8B9959E56613}" type="datetime1">
               <a:rPr lang="fr-FR" smtClean="0"/>
-              <a:t>18/09/2017</a:t>
+              <a:t>22/09/2017</a:t>
             </a:fld>
             <a:endParaRPr lang="fr-FR"/>
           </a:p>
@@ -2675,7 +2681,7 @@
           <a:p>
             <a:fld id="{F3AD1393-B7EE-4EA6-AAF9-4739A24F6786}" type="datetime1">
               <a:rPr lang="fr-FR" smtClean="0"/>
-              <a:t>18/09/2017</a:t>
+              <a:t>22/09/2017</a:t>
             </a:fld>
             <a:endParaRPr lang="fr-FR"/>
           </a:p>
@@ -2820,7 +2826,7 @@
           <a:p>
             <a:fld id="{95204A30-D83D-4274-B989-37A554940359}" type="datetime1">
               <a:rPr lang="fr-FR" smtClean="0"/>
-              <a:t>18/09/2017</a:t>
+              <a:t>22/09/2017</a:t>
             </a:fld>
             <a:endParaRPr lang="fr-FR"/>
           </a:p>
@@ -3102,7 +3108,7 @@
           <a:p>
             <a:fld id="{5D107F44-7B84-41A9-93D8-BCC02E2D8BA4}" type="datetime1">
               <a:rPr lang="fr-FR" smtClean="0"/>
-              <a:t>18/09/2017</a:t>
+              <a:t>22/09/2017</a:t>
             </a:fld>
             <a:endParaRPr lang="fr-FR"/>
           </a:p>
@@ -3514,7 +3520,7 @@
           <a:p>
             <a:fld id="{5B2850C0-1685-4B27-B8DC-19C813B79761}" type="datetime1">
               <a:rPr lang="fr-FR" smtClean="0"/>
-              <a:t>18/09/2017</a:t>
+              <a:t>22/09/2017</a:t>
             </a:fld>
             <a:endParaRPr lang="fr-FR"/>
           </a:p>
@@ -3857,7 +3863,7 @@
           <a:p>
             <a:fld id="{7FA61870-FC82-422D-A1B6-5A3784CBD855}" type="datetime1">
               <a:rPr lang="fr-FR" smtClean="0"/>
-              <a:t>18/09/2017</a:t>
+              <a:t>22/09/2017</a:t>
             </a:fld>
             <a:endParaRPr lang="fr-FR"/>
           </a:p>
@@ -4731,6 +4737,13 @@
   <p:clrMapOvr>
     <a:masterClrMapping/>
   </p:clrMapOvr>
+  <p:timing>
+    <p:tnLst>
+      <p:par>
+        <p:cTn id="1" dur="indefinite" restart="never" nodeType="tmRoot"/>
+      </p:par>
+    </p:tnLst>
+  </p:timing>
 </p:sld>
 </file>
 
@@ -4768,11 +4781,7 @@
           <a:p>
             <a:r>
               <a:rPr lang="fr-FR" dirty="0" smtClean="0"/>
-              <a:t>Retour sur</a:t>
-            </a:r>
-            <a:r>
-              <a:rPr lang="fr-FR" dirty="0" smtClean="0"/>
-              <a:t>… le potentiomètre</a:t>
+              <a:t>Retour sur… le potentiomètre</a:t>
             </a:r>
             <a:endParaRPr lang="fr-FR" dirty="0"/>
           </a:p>
@@ -6021,6 +6030,401 @@
 </p:sld>
 </file>
 
+<file path=ppt/slides/slide12.xml><?xml version="1.0" encoding="utf-8"?>
+<p:sld xmlns:a="http://schemas.openxmlformats.org/drawingml/2006/main" xmlns:r="http://schemas.openxmlformats.org/officeDocument/2006/relationships" xmlns:p="http://schemas.openxmlformats.org/presentationml/2006/main">
+  <p:cSld>
+    <p:spTree>
+      <p:nvGrpSpPr>
+        <p:cNvPr id="1" name=""/>
+        <p:cNvGrpSpPr/>
+        <p:nvPr/>
+      </p:nvGrpSpPr>
+      <p:grpSpPr>
+        <a:xfrm>
+          <a:off x="0" y="0"/>
+          <a:ext cx="0" cy="0"/>
+          <a:chOff x="0" y="0"/>
+          <a:chExt cx="0" cy="0"/>
+        </a:xfrm>
+      </p:grpSpPr>
+      <p:sp>
+        <p:nvSpPr>
+          <p:cNvPr id="2" name="Titre 1"/>
+          <p:cNvSpPr>
+            <a:spLocks noGrp="1"/>
+          </p:cNvSpPr>
+          <p:nvPr>
+            <p:ph type="title"/>
+          </p:nvPr>
+        </p:nvSpPr>
+        <p:spPr/>
+        <p:txBody>
+          <a:bodyPr/>
+          <a:lstStyle/>
+          <a:p>
+            <a:r>
+              <a:rPr lang="fr-FR" dirty="0" smtClean="0"/>
+              <a:t>Modèle de comportement </a:t>
+            </a:r>
+            <a:br>
+              <a:rPr lang="fr-FR" dirty="0" smtClean="0"/>
+            </a:br>
+            <a:r>
+              <a:rPr lang="fr-FR" dirty="0" smtClean="0"/>
+              <a:t>Modèle de connaissance</a:t>
+            </a:r>
+            <a:endParaRPr lang="fr-FR" dirty="0"/>
+          </a:p>
+        </p:txBody>
+      </p:sp>
+      <p:sp>
+        <p:nvSpPr>
+          <p:cNvPr id="3" name="Espace réservé du pied de page 2"/>
+          <p:cNvSpPr>
+            <a:spLocks noGrp="1"/>
+          </p:cNvSpPr>
+          <p:nvPr>
+            <p:ph type="ftr" sz="quarter" idx="11"/>
+          </p:nvPr>
+        </p:nvSpPr>
+        <p:spPr/>
+        <p:txBody>
+          <a:bodyPr/>
+          <a:lstStyle/>
+          <a:p>
+            <a:r>
+              <a:rPr lang="fr-FR" smtClean="0"/>
+              <a:t>Modélisation Maxpid - Xavier PESSOLES</a:t>
+            </a:r>
+            <a:endParaRPr lang="fr-FR" dirty="0"/>
+          </a:p>
+        </p:txBody>
+      </p:sp>
+      <p:sp>
+        <p:nvSpPr>
+          <p:cNvPr id="4" name="Espace réservé du numéro de diapositive 3"/>
+          <p:cNvSpPr>
+            <a:spLocks noGrp="1"/>
+          </p:cNvSpPr>
+          <p:nvPr>
+            <p:ph type="sldNum" sz="quarter" idx="12"/>
+          </p:nvPr>
+        </p:nvSpPr>
+        <p:spPr/>
+        <p:txBody>
+          <a:bodyPr/>
+          <a:lstStyle/>
+          <a:p>
+            <a:fld id="{3F1D8263-54E8-442D-88B4-DA252C595E3D}" type="slidenum">
+              <a:rPr lang="fr-FR" smtClean="0"/>
+              <a:pPr/>
+              <a:t>12</a:t>
+            </a:fld>
+            <a:endParaRPr lang="fr-FR"/>
+          </a:p>
+        </p:txBody>
+      </p:sp>
+      <p:sp>
+        <p:nvSpPr>
+          <p:cNvPr id="5" name="Espace réservé du contenu 4"/>
+          <p:cNvSpPr>
+            <a:spLocks noGrp="1"/>
+          </p:cNvSpPr>
+          <p:nvPr>
+            <p:ph sz="quarter" idx="1"/>
+          </p:nvPr>
+        </p:nvSpPr>
+        <p:spPr/>
+        <p:txBody>
+          <a:bodyPr/>
+          <a:lstStyle/>
+          <a:p>
+            <a:endParaRPr lang="fr-FR"/>
+          </a:p>
+        </p:txBody>
+      </p:sp>
+    </p:spTree>
+    <p:extLst>
+      <p:ext uri="{BB962C8B-B14F-4D97-AF65-F5344CB8AC3E}">
+        <p14:creationId xmlns:p14="http://schemas.microsoft.com/office/powerpoint/2010/main" val="1327826058"/>
+      </p:ext>
+    </p:extLst>
+  </p:cSld>
+  <p:clrMapOvr>
+    <a:masterClrMapping/>
+  </p:clrMapOvr>
+</p:sld>
+</file>
+
+<file path=ppt/slides/slide13.xml><?xml version="1.0" encoding="utf-8"?>
+<p:sld xmlns:a="http://schemas.openxmlformats.org/drawingml/2006/main" xmlns:r="http://schemas.openxmlformats.org/officeDocument/2006/relationships" xmlns:p="http://schemas.openxmlformats.org/presentationml/2006/main">
+  <p:cSld>
+    <p:spTree>
+      <p:nvGrpSpPr>
+        <p:cNvPr id="1" name=""/>
+        <p:cNvGrpSpPr/>
+        <p:nvPr/>
+      </p:nvGrpSpPr>
+      <p:grpSpPr>
+        <a:xfrm>
+          <a:off x="0" y="0"/>
+          <a:ext cx="0" cy="0"/>
+          <a:chOff x="0" y="0"/>
+          <a:chExt cx="0" cy="0"/>
+        </a:xfrm>
+      </p:grpSpPr>
+      <p:sp>
+        <p:nvSpPr>
+          <p:cNvPr id="2" name="Titre 1"/>
+          <p:cNvSpPr>
+            <a:spLocks noGrp="1"/>
+          </p:cNvSpPr>
+          <p:nvPr>
+            <p:ph type="title"/>
+          </p:nvPr>
+        </p:nvSpPr>
+        <p:spPr/>
+        <p:txBody>
+          <a:bodyPr/>
+          <a:lstStyle/>
+          <a:p>
+            <a:r>
+              <a:rPr lang="fr-FR" dirty="0" smtClean="0"/>
+              <a:t>Comment présenter un système</a:t>
+            </a:r>
+            <a:endParaRPr lang="fr-FR" dirty="0"/>
+          </a:p>
+        </p:txBody>
+      </p:sp>
+      <p:sp>
+        <p:nvSpPr>
+          <p:cNvPr id="3" name="Espace réservé du pied de page 2"/>
+          <p:cNvSpPr>
+            <a:spLocks noGrp="1"/>
+          </p:cNvSpPr>
+          <p:nvPr>
+            <p:ph type="ftr" sz="quarter" idx="11"/>
+          </p:nvPr>
+        </p:nvSpPr>
+        <p:spPr/>
+        <p:txBody>
+          <a:bodyPr/>
+          <a:lstStyle/>
+          <a:p>
+            <a:r>
+              <a:rPr lang="fr-FR" smtClean="0"/>
+              <a:t>Modélisation Maxpid - Xavier PESSOLES</a:t>
+            </a:r>
+            <a:endParaRPr lang="fr-FR" dirty="0"/>
+          </a:p>
+        </p:txBody>
+      </p:sp>
+      <p:sp>
+        <p:nvSpPr>
+          <p:cNvPr id="4" name="Espace réservé du numéro de diapositive 3"/>
+          <p:cNvSpPr>
+            <a:spLocks noGrp="1"/>
+          </p:cNvSpPr>
+          <p:nvPr>
+            <p:ph type="sldNum" sz="quarter" idx="12"/>
+          </p:nvPr>
+        </p:nvSpPr>
+        <p:spPr/>
+        <p:txBody>
+          <a:bodyPr/>
+          <a:lstStyle/>
+          <a:p>
+            <a:fld id="{3F1D8263-54E8-442D-88B4-DA252C595E3D}" type="slidenum">
+              <a:rPr lang="fr-FR" smtClean="0"/>
+              <a:pPr/>
+              <a:t>13</a:t>
+            </a:fld>
+            <a:endParaRPr lang="fr-FR"/>
+          </a:p>
+        </p:txBody>
+      </p:sp>
+      <p:sp>
+        <p:nvSpPr>
+          <p:cNvPr id="5" name="Espace réservé du contenu 4"/>
+          <p:cNvSpPr>
+            <a:spLocks noGrp="1"/>
+          </p:cNvSpPr>
+          <p:nvPr>
+            <p:ph sz="quarter" idx="1"/>
+          </p:nvPr>
+        </p:nvSpPr>
+        <p:spPr/>
+        <p:txBody>
+          <a:bodyPr/>
+          <a:lstStyle/>
+          <a:p>
+            <a:endParaRPr lang="fr-FR"/>
+          </a:p>
+        </p:txBody>
+      </p:sp>
+    </p:spTree>
+    <p:extLst>
+      <p:ext uri="{BB962C8B-B14F-4D97-AF65-F5344CB8AC3E}">
+        <p14:creationId xmlns:p14="http://schemas.microsoft.com/office/powerpoint/2010/main" val="2933894350"/>
+      </p:ext>
+    </p:extLst>
+  </p:cSld>
+  <p:clrMapOvr>
+    <a:masterClrMapping/>
+  </p:clrMapOvr>
+</p:sld>
+</file>
+
+<file path=ppt/slides/slide14.xml><?xml version="1.0" encoding="utf-8"?>
+<p:sld xmlns:a="http://schemas.openxmlformats.org/drawingml/2006/main" xmlns:r="http://schemas.openxmlformats.org/officeDocument/2006/relationships" xmlns:p="http://schemas.openxmlformats.org/presentationml/2006/main">
+  <p:cSld>
+    <p:spTree>
+      <p:nvGrpSpPr>
+        <p:cNvPr id="1" name=""/>
+        <p:cNvGrpSpPr/>
+        <p:nvPr/>
+      </p:nvGrpSpPr>
+      <p:grpSpPr>
+        <a:xfrm>
+          <a:off x="0" y="0"/>
+          <a:ext cx="0" cy="0"/>
+          <a:chOff x="0" y="0"/>
+          <a:chExt cx="0" cy="0"/>
+        </a:xfrm>
+      </p:grpSpPr>
+      <p:sp>
+        <p:nvSpPr>
+          <p:cNvPr id="2" name="Titre 1"/>
+          <p:cNvSpPr>
+            <a:spLocks noGrp="1"/>
+          </p:cNvSpPr>
+          <p:nvPr>
+            <p:ph type="title"/>
+          </p:nvPr>
+        </p:nvSpPr>
+        <p:spPr/>
+        <p:txBody>
+          <a:bodyPr/>
+          <a:lstStyle/>
+          <a:p>
+            <a:r>
+              <a:rPr lang="fr-FR" dirty="0" smtClean="0"/>
+              <a:t>Quelque pistes pour réaliser un poster</a:t>
+            </a:r>
+            <a:endParaRPr lang="fr-FR" dirty="0"/>
+          </a:p>
+        </p:txBody>
+      </p:sp>
+      <p:sp>
+        <p:nvSpPr>
+          <p:cNvPr id="3" name="Espace réservé du pied de page 2"/>
+          <p:cNvSpPr>
+            <a:spLocks noGrp="1"/>
+          </p:cNvSpPr>
+          <p:nvPr>
+            <p:ph type="ftr" sz="quarter" idx="11"/>
+          </p:nvPr>
+        </p:nvSpPr>
+        <p:spPr/>
+        <p:txBody>
+          <a:bodyPr/>
+          <a:lstStyle/>
+          <a:p>
+            <a:r>
+              <a:rPr lang="fr-FR" smtClean="0"/>
+              <a:t>Modélisation Maxpid - Xavier PESSOLES</a:t>
+            </a:r>
+            <a:endParaRPr lang="fr-FR" dirty="0"/>
+          </a:p>
+        </p:txBody>
+      </p:sp>
+      <p:sp>
+        <p:nvSpPr>
+          <p:cNvPr id="4" name="Espace réservé du numéro de diapositive 3"/>
+          <p:cNvSpPr>
+            <a:spLocks noGrp="1"/>
+          </p:cNvSpPr>
+          <p:nvPr>
+            <p:ph type="sldNum" sz="quarter" idx="12"/>
+          </p:nvPr>
+        </p:nvSpPr>
+        <p:spPr/>
+        <p:txBody>
+          <a:bodyPr/>
+          <a:lstStyle/>
+          <a:p>
+            <a:fld id="{3F1D8263-54E8-442D-88B4-DA252C595E3D}" type="slidenum">
+              <a:rPr lang="fr-FR" smtClean="0"/>
+              <a:pPr/>
+              <a:t>14</a:t>
+            </a:fld>
+            <a:endParaRPr lang="fr-FR"/>
+          </a:p>
+        </p:txBody>
+      </p:sp>
+      <p:sp>
+        <p:nvSpPr>
+          <p:cNvPr id="5" name="Espace réservé du contenu 4"/>
+          <p:cNvSpPr>
+            <a:spLocks noGrp="1"/>
+          </p:cNvSpPr>
+          <p:nvPr>
+            <p:ph sz="quarter" idx="1"/>
+          </p:nvPr>
+        </p:nvSpPr>
+        <p:spPr/>
+        <p:txBody>
+          <a:bodyPr/>
+          <a:lstStyle/>
+          <a:p>
+            <a:r>
+              <a:rPr lang="fr-FR" dirty="0" smtClean="0"/>
+              <a:t>Partir du cahier des charges</a:t>
+            </a:r>
+          </a:p>
+          <a:p>
+            <a:endParaRPr lang="fr-FR" dirty="0"/>
+          </a:p>
+          <a:p>
+            <a:r>
+              <a:rPr lang="fr-FR" dirty="0" smtClean="0"/>
+              <a:t>Partir de la problématique</a:t>
+            </a:r>
+          </a:p>
+          <a:p>
+            <a:endParaRPr lang="fr-FR" dirty="0"/>
+          </a:p>
+          <a:p>
+            <a:r>
+              <a:rPr lang="fr-FR" dirty="0" smtClean="0"/>
+              <a:t>Partir du diagramme des écarts</a:t>
+            </a:r>
+          </a:p>
+          <a:p>
+            <a:endParaRPr lang="fr-FR" dirty="0"/>
+          </a:p>
+          <a:p>
+            <a:r>
+              <a:rPr lang="fr-FR" dirty="0" smtClean="0"/>
+              <a:t>Ou faire une combinaison</a:t>
+            </a:r>
+            <a:endParaRPr lang="fr-FR" dirty="0"/>
+          </a:p>
+        </p:txBody>
+      </p:sp>
+    </p:spTree>
+    <p:extLst>
+      <p:ext uri="{BB962C8B-B14F-4D97-AF65-F5344CB8AC3E}">
+        <p14:creationId xmlns:p14="http://schemas.microsoft.com/office/powerpoint/2010/main" val="489493524"/>
+      </p:ext>
+    </p:extLst>
+  </p:cSld>
+  <p:clrMapOvr>
+    <a:masterClrMapping/>
+  </p:clrMapOvr>
+</p:sld>
+</file>
+
 <file path=ppt/slides/slide2.xml><?xml version="1.0" encoding="utf-8"?>
 <p:sld xmlns:a="http://schemas.openxmlformats.org/drawingml/2006/main" xmlns:r="http://schemas.openxmlformats.org/officeDocument/2006/relationships" xmlns:p="http://schemas.openxmlformats.org/presentationml/2006/main">
   <p:cSld>
@@ -6271,7 +6675,7 @@
         </p:blipFill>
         <p:spPr bwMode="auto">
           <a:xfrm>
-            <a:off x="-411509" y="4437112"/>
+            <a:off x="-190830" y="4512920"/>
             <a:ext cx="1991360" cy="1432560"/>
           </a:xfrm>
           <a:prstGeom prst="rect">
@@ -6358,6 +6762,13 @@
   <p:clrMapOvr>
     <a:masterClrMapping/>
   </p:clrMapOvr>
+  <p:timing>
+    <p:tnLst>
+      <p:par>
+        <p:cTn id="1" dur="indefinite" restart="never" nodeType="tmRoot"/>
+      </p:par>
+    </p:tnLst>
+  </p:timing>
 </p:sld>
 </file>
 
@@ -7183,6 +7594,13 @@
   <p:clrMapOvr>
     <a:masterClrMapping/>
   </p:clrMapOvr>
+  <p:timing>
+    <p:tnLst>
+      <p:par>
+        <p:cTn id="1" dur="indefinite" restart="never" nodeType="tmRoot"/>
+      </p:par>
+    </p:tnLst>
+  </p:timing>
 </p:sld>
 </file>
 
@@ -7581,6 +7999,13 @@
   <p:clrMapOvr>
     <a:masterClrMapping/>
   </p:clrMapOvr>
+  <p:timing>
+    <p:tnLst>
+      <p:par>
+        <p:cTn id="1" dur="indefinite" restart="never" nodeType="tmRoot"/>
+      </p:par>
+    </p:tnLst>
+  </p:timing>
 </p:sld>
 </file>
 
@@ -7927,6 +8352,13 @@
   <p:clrMapOvr>
     <a:masterClrMapping/>
   </p:clrMapOvr>
+  <p:timing>
+    <p:tnLst>
+      <p:par>
+        <p:cTn id="1" dur="indefinite" restart="never" nodeType="tmRoot"/>
+      </p:par>
+    </p:tnLst>
+  </p:timing>
 </p:sld>
 </file>
 
@@ -8995,17 +9427,7 @@
                   </a:schemeClr>
                 </a:solidFill>
               </a:rPr>
-              <a:t> * Intégration de la saturation en tensio</a:t>
-            </a:r>
-            <a:r>
-              <a:rPr lang="fr-FR" sz="1200" b="1" dirty="0" smtClean="0">
-                <a:solidFill>
-                  <a:schemeClr val="accent6">
-                    <a:lumMod val="50000"/>
-                  </a:schemeClr>
-                </a:solidFill>
-              </a:rPr>
-              <a:t>n de le commande</a:t>
+              <a:t> * Intégration de la saturation en tension de le commande</a:t>
             </a:r>
           </a:p>
           <a:p>
@@ -9564,6 +9986,13 @@
   <p:clrMapOvr>
     <a:masterClrMapping/>
   </p:clrMapOvr>
+  <p:timing>
+    <p:tnLst>
+      <p:par>
+        <p:cTn id="1" dur="indefinite" restart="never" nodeType="tmRoot"/>
+      </p:par>
+    </p:tnLst>
+  </p:timing>
 </p:sld>
 </file>
 
@@ -9937,6 +10366,13 @@
   <p:clrMapOvr>
     <a:masterClrMapping/>
   </p:clrMapOvr>
+  <p:timing>
+    <p:tnLst>
+      <p:par>
+        <p:cTn id="1" dur="indefinite" restart="never" nodeType="tmRoot"/>
+      </p:par>
+    </p:tnLst>
+  </p:timing>
 </p:sld>
 </file>
 
@@ -10487,6 +10923,13 @@
   <p:clrMapOvr>
     <a:masterClrMapping/>
   </p:clrMapOvr>
+  <p:timing>
+    <p:tnLst>
+      <p:par>
+        <p:cTn id="1" dur="indefinite" restart="never" nodeType="tmRoot"/>
+      </p:par>
+    </p:tnLst>
+  </p:timing>
 </p:sld>
 </file>
 
@@ -11190,6 +11633,13 @@
   <p:clrMapOvr>
     <a:masterClrMapping/>
   </p:clrMapOvr>
+  <p:timing>
+    <p:tnLst>
+      <p:par>
+        <p:cTn id="1" dur="indefinite" restart="never" nodeType="tmRoot"/>
+      </p:par>
+    </p:tnLst>
+  </p:timing>
 </p:sld>
 </file>
 

--- a/TP/TP_Maxpid_Corrige/Cy_01_TP_01_Maxpid_Corrige.pptx
+++ b/TP/TP_Maxpid_Corrige/Cy_01_TP_01_Maxpid_Corrige.pptx
@@ -19,8 +19,8 @@
     <p:sldId id="265" r:id="rId10"/>
     <p:sldId id="262" r:id="rId11"/>
     <p:sldId id="263" r:id="rId12"/>
-    <p:sldId id="268" r:id="rId13"/>
-    <p:sldId id="269" r:id="rId14"/>
+    <p:sldId id="269" r:id="rId13"/>
+    <p:sldId id="268" r:id="rId14"/>
     <p:sldId id="270" r:id="rId15"/>
   </p:sldIdLst>
   <p:sldSz cx="9144000" cy="6858000" type="screen4x3"/>
@@ -136,15 +136,15 @@
             <p14:sldId id="265"/>
             <p14:sldId id="262"/>
             <p14:sldId id="263"/>
+            <p14:sldId id="269"/>
             <p14:sldId id="268"/>
-            <p14:sldId id="269"/>
             <p14:sldId id="270"/>
           </p14:sldIdLst>
         </p14:section>
       </p14:sectionLst>
     </p:ext>
     <p:ext uri="{EFAFB233-063F-42B5-8137-9DF3F51BA10A}">
-      <p15:sldGuideLst xmlns="" xmlns:p15="http://schemas.microsoft.com/office/powerpoint/2012/main">
+      <p15:sldGuideLst xmlns:p15="http://schemas.microsoft.com/office/powerpoint/2012/main" xmlns="">
         <p15:guide id="1" orient="horz" pos="2160">
           <p15:clr>
             <a:srgbClr val="A4A3A4"/>
@@ -248,7 +248,7 @@
             <a:fld id="{E494A05E-DEA9-4CEA-A63B-3593EEF3AC45}" type="datetimeFigureOut">
               <a:rPr lang="fr-FR" smtClean="0"/>
               <a:pPr/>
-              <a:t>22/09/2017</a:t>
+              <a:t>26/09/2017</a:t>
             </a:fld>
             <a:endParaRPr lang="fr-FR"/>
           </a:p>
@@ -747,7 +747,7 @@
           <a:p>
             <a:fld id="{CC95FA96-70A1-42BA-A706-D4E444C34562}" type="datetime1">
               <a:rPr lang="fr-FR" smtClean="0"/>
-              <a:t>22/09/2017</a:t>
+              <a:t>26/09/2017</a:t>
             </a:fld>
             <a:endParaRPr lang="fr-FR"/>
           </a:p>
@@ -1111,7 +1111,7 @@
           <a:p>
             <a:fld id="{426A5825-1F50-4D50-92E1-0E72AE4A59BB}" type="datetime1">
               <a:rPr lang="fr-FR" smtClean="0"/>
-              <a:t>22/09/2017</a:t>
+              <a:t>26/09/2017</a:t>
             </a:fld>
             <a:endParaRPr lang="fr-FR"/>
           </a:p>
@@ -1291,7 +1291,7 @@
           <a:p>
             <a:fld id="{CBB72328-7029-4103-BCD3-A6ECE8732700}" type="datetime1">
               <a:rPr lang="fr-FR" smtClean="0"/>
-              <a:t>22/09/2017</a:t>
+              <a:t>26/09/2017</a:t>
             </a:fld>
             <a:endParaRPr lang="fr-FR"/>
           </a:p>
@@ -1542,7 +1542,7 @@
           <a:p>
             <a:fld id="{FA1B0D04-BBB5-4F25-AA5A-99484955246E}" type="datetime1">
               <a:rPr lang="fr-FR" smtClean="0"/>
-              <a:t>22/09/2017</a:t>
+              <a:t>26/09/2017</a:t>
             </a:fld>
             <a:endParaRPr lang="fr-FR"/>
           </a:p>
@@ -1862,7 +1862,7 @@
           <a:p>
             <a:fld id="{10A0CF33-6AFC-466C-9C5B-BD0172CFA69D}" type="datetime1">
               <a:rPr lang="fr-FR" smtClean="0"/>
-              <a:t>22/09/2017</a:t>
+              <a:t>26/09/2017</a:t>
             </a:fld>
             <a:endParaRPr lang="fr-FR"/>
           </a:p>
@@ -2087,7 +2087,7 @@
           <a:p>
             <a:fld id="{1E83E2B5-0E53-4735-803D-CEB7DA3A073B}" type="datetime1">
               <a:rPr lang="fr-FR" smtClean="0"/>
-              <a:t>22/09/2017</a:t>
+              <a:t>26/09/2017</a:t>
             </a:fld>
             <a:endParaRPr lang="fr-FR"/>
           </a:p>
@@ -2444,7 +2444,7 @@
           <a:p>
             <a:fld id="{E242849D-DAEF-4F0D-B2E6-8B9959E56613}" type="datetime1">
               <a:rPr lang="fr-FR" smtClean="0"/>
-              <a:t>22/09/2017</a:t>
+              <a:t>26/09/2017</a:t>
             </a:fld>
             <a:endParaRPr lang="fr-FR"/>
           </a:p>
@@ -2681,7 +2681,7 @@
           <a:p>
             <a:fld id="{F3AD1393-B7EE-4EA6-AAF9-4739A24F6786}" type="datetime1">
               <a:rPr lang="fr-FR" smtClean="0"/>
-              <a:t>22/09/2017</a:t>
+              <a:t>26/09/2017</a:t>
             </a:fld>
             <a:endParaRPr lang="fr-FR"/>
           </a:p>
@@ -2826,7 +2826,7 @@
           <a:p>
             <a:fld id="{95204A30-D83D-4274-B989-37A554940359}" type="datetime1">
               <a:rPr lang="fr-FR" smtClean="0"/>
-              <a:t>22/09/2017</a:t>
+              <a:t>26/09/2017</a:t>
             </a:fld>
             <a:endParaRPr lang="fr-FR"/>
           </a:p>
@@ -3108,7 +3108,7 @@
           <a:p>
             <a:fld id="{5D107F44-7B84-41A9-93D8-BCC02E2D8BA4}" type="datetime1">
               <a:rPr lang="fr-FR" smtClean="0"/>
-              <a:t>22/09/2017</a:t>
+              <a:t>26/09/2017</a:t>
             </a:fld>
             <a:endParaRPr lang="fr-FR"/>
           </a:p>
@@ -3520,7 +3520,7 @@
           <a:p>
             <a:fld id="{5B2850C0-1685-4B27-B8DC-19C813B79761}" type="datetime1">
               <a:rPr lang="fr-FR" smtClean="0"/>
-              <a:t>22/09/2017</a:t>
+              <a:t>26/09/2017</a:t>
             </a:fld>
             <a:endParaRPr lang="fr-FR"/>
           </a:p>
@@ -3863,7 +3863,7 @@
           <a:p>
             <a:fld id="{7FA61870-FC82-422D-A1B6-5A3784CBD855}" type="datetime1">
               <a:rPr lang="fr-FR" smtClean="0"/>
-              <a:t>22/09/2017</a:t>
+              <a:t>26/09/2017</a:t>
             </a:fld>
             <a:endParaRPr lang="fr-FR"/>
           </a:p>
@@ -6064,14 +6064,7 @@
           <a:p>
             <a:r>
               <a:rPr lang="fr-FR" dirty="0" smtClean="0"/>
-              <a:t>Modèle de comportement </a:t>
-            </a:r>
-            <a:br>
-              <a:rPr lang="fr-FR" dirty="0" smtClean="0"/>
-            </a:br>
-            <a:r>
-              <a:rPr lang="fr-FR" dirty="0" smtClean="0"/>
-              <a:t>Modèle de connaissance</a:t>
+              <a:t>Comment présenter un système</a:t>
             </a:r>
             <a:endParaRPr lang="fr-FR" dirty="0"/>
           </a:p>
@@ -6146,7 +6139,7 @@
     </p:spTree>
     <p:extLst>
       <p:ext uri="{BB962C8B-B14F-4D97-AF65-F5344CB8AC3E}">
-        <p14:creationId xmlns:p14="http://schemas.microsoft.com/office/powerpoint/2010/main" val="1327826058"/>
+        <p14:creationId xmlns:p14="http://schemas.microsoft.com/office/powerpoint/2010/main" val="2933894350"/>
       </p:ext>
     </p:extLst>
   </p:cSld>
@@ -6190,7 +6183,14 @@
           <a:p>
             <a:r>
               <a:rPr lang="fr-FR" dirty="0" smtClean="0"/>
-              <a:t>Comment présenter un système</a:t>
+              <a:t>Modèle de comportement </a:t>
+            </a:r>
+            <a:br>
+              <a:rPr lang="fr-FR" dirty="0" smtClean="0"/>
+            </a:br>
+            <a:r>
+              <a:rPr lang="fr-FR" dirty="0" smtClean="0"/>
+              <a:t>Modèle de connaissance</a:t>
             </a:r>
             <a:endParaRPr lang="fr-FR" dirty="0"/>
           </a:p>
@@ -6265,7 +6265,7 @@
     </p:spTree>
     <p:extLst>
       <p:ext uri="{BB962C8B-B14F-4D97-AF65-F5344CB8AC3E}">
-        <p14:creationId xmlns:p14="http://schemas.microsoft.com/office/powerpoint/2010/main" val="2933894350"/>
+        <p14:creationId xmlns:p14="http://schemas.microsoft.com/office/powerpoint/2010/main" val="1327826058"/>
       </p:ext>
     </p:extLst>
   </p:cSld>
